--- a/instructions.pptx
+++ b/instructions.pptx
@@ -2,18 +2,19 @@
 <file path=ppt/presentation.xml><?xml version="1.0" encoding="utf-8"?>
 <p:presentation xmlns:a="http://schemas.openxmlformats.org/drawingml/2006/main" xmlns:r="http://schemas.openxmlformats.org/officeDocument/2006/relationships" xmlns:p="http://schemas.openxmlformats.org/presentationml/2006/main" saveSubsetFonts="1">
   <p:sldMasterIdLst>
-    <p:sldMasterId id="2147483648" r:id="rId1"/>
+    <p:sldMasterId id="2147483660" r:id="rId1"/>
   </p:sldMasterIdLst>
   <p:sldIdLst>
     <p:sldId id="256" r:id="rId2"/>
+    <p:sldId id="257" r:id="rId3"/>
   </p:sldIdLst>
-  <p:sldSz cx="12192000" cy="6858000"/>
+  <p:sldSz cx="9144000" cy="6858000" type="screen4x3"/>
   <p:notesSz cx="6858000" cy="9144000"/>
   <p:defaultTextStyle>
     <a:defPPr>
       <a:defRPr lang="en-US"/>
     </a:defPPr>
-    <a:lvl1pPr marL="0" algn="l" defTabSz="914400" rtl="0" eaLnBrk="1" latinLnBrk="0" hangingPunct="1">
+    <a:lvl1pPr marL="0" algn="l" defTabSz="457200" rtl="0" eaLnBrk="1" latinLnBrk="0" hangingPunct="1">
       <a:defRPr sz="1800" kern="1200">
         <a:solidFill>
           <a:schemeClr val="tx1"/>
@@ -23,7 +24,7 @@
         <a:cs typeface="+mn-cs"/>
       </a:defRPr>
     </a:lvl1pPr>
-    <a:lvl2pPr marL="457200" algn="l" defTabSz="914400" rtl="0" eaLnBrk="1" latinLnBrk="0" hangingPunct="1">
+    <a:lvl2pPr marL="457200" algn="l" defTabSz="457200" rtl="0" eaLnBrk="1" latinLnBrk="0" hangingPunct="1">
       <a:defRPr sz="1800" kern="1200">
         <a:solidFill>
           <a:schemeClr val="tx1"/>
@@ -33,7 +34,7 @@
         <a:cs typeface="+mn-cs"/>
       </a:defRPr>
     </a:lvl2pPr>
-    <a:lvl3pPr marL="914400" algn="l" defTabSz="914400" rtl="0" eaLnBrk="1" latinLnBrk="0" hangingPunct="1">
+    <a:lvl3pPr marL="914400" algn="l" defTabSz="457200" rtl="0" eaLnBrk="1" latinLnBrk="0" hangingPunct="1">
       <a:defRPr sz="1800" kern="1200">
         <a:solidFill>
           <a:schemeClr val="tx1"/>
@@ -43,7 +44,7 @@
         <a:cs typeface="+mn-cs"/>
       </a:defRPr>
     </a:lvl3pPr>
-    <a:lvl4pPr marL="1371600" algn="l" defTabSz="914400" rtl="0" eaLnBrk="1" latinLnBrk="0" hangingPunct="1">
+    <a:lvl4pPr marL="1371600" algn="l" defTabSz="457200" rtl="0" eaLnBrk="1" latinLnBrk="0" hangingPunct="1">
       <a:defRPr sz="1800" kern="1200">
         <a:solidFill>
           <a:schemeClr val="tx1"/>
@@ -53,7 +54,7 @@
         <a:cs typeface="+mn-cs"/>
       </a:defRPr>
     </a:lvl4pPr>
-    <a:lvl5pPr marL="1828800" algn="l" defTabSz="914400" rtl="0" eaLnBrk="1" latinLnBrk="0" hangingPunct="1">
+    <a:lvl5pPr marL="1828800" algn="l" defTabSz="457200" rtl="0" eaLnBrk="1" latinLnBrk="0" hangingPunct="1">
       <a:defRPr sz="1800" kern="1200">
         <a:solidFill>
           <a:schemeClr val="tx1"/>
@@ -63,7 +64,7 @@
         <a:cs typeface="+mn-cs"/>
       </a:defRPr>
     </a:lvl5pPr>
-    <a:lvl6pPr marL="2286000" algn="l" defTabSz="914400" rtl="0" eaLnBrk="1" latinLnBrk="0" hangingPunct="1">
+    <a:lvl6pPr marL="2286000" algn="l" defTabSz="457200" rtl="0" eaLnBrk="1" latinLnBrk="0" hangingPunct="1">
       <a:defRPr sz="1800" kern="1200">
         <a:solidFill>
           <a:schemeClr val="tx1"/>
@@ -73,7 +74,7 @@
         <a:cs typeface="+mn-cs"/>
       </a:defRPr>
     </a:lvl6pPr>
-    <a:lvl7pPr marL="2743200" algn="l" defTabSz="914400" rtl="0" eaLnBrk="1" latinLnBrk="0" hangingPunct="1">
+    <a:lvl7pPr marL="2743200" algn="l" defTabSz="457200" rtl="0" eaLnBrk="1" latinLnBrk="0" hangingPunct="1">
       <a:defRPr sz="1800" kern="1200">
         <a:solidFill>
           <a:schemeClr val="tx1"/>
@@ -83,7 +84,7 @@
         <a:cs typeface="+mn-cs"/>
       </a:defRPr>
     </a:lvl7pPr>
-    <a:lvl8pPr marL="3200400" algn="l" defTabSz="914400" rtl="0" eaLnBrk="1" latinLnBrk="0" hangingPunct="1">
+    <a:lvl8pPr marL="3200400" algn="l" defTabSz="457200" rtl="0" eaLnBrk="1" latinLnBrk="0" hangingPunct="1">
       <a:defRPr sz="1800" kern="1200">
         <a:solidFill>
           <a:schemeClr val="tx1"/>
@@ -93,7 +94,7 @@
         <a:cs typeface="+mn-cs"/>
       </a:defRPr>
     </a:lvl8pPr>
-    <a:lvl9pPr marL="3657600" algn="l" defTabSz="914400" rtl="0" eaLnBrk="1" latinLnBrk="0" hangingPunct="1">
+    <a:lvl9pPr marL="3657600" algn="l" defTabSz="457200" rtl="0" eaLnBrk="1" latinLnBrk="0" hangingPunct="1">
       <a:defRPr sz="1800" kern="1200">
         <a:solidFill>
           <a:schemeClr val="tx1"/>
@@ -104,13 +105,18 @@
       </a:defRPr>
     </a:lvl9pPr>
   </p:defaultTextStyle>
+  <p:extLst>
+    <p:ext uri="{EFAFB233-063F-42B5-8137-9DF3F51BA10A}">
+      <p15:sldGuideLst xmlns:p15="http://schemas.microsoft.com/office/powerpoint/2012/main"/>
+    </p:ext>
+  </p:extLst>
 </p:presentation>
 </file>
 
 <file path=ppt/revisionInfo.xml><?xml version="1.0" encoding="utf-8"?>
 <p1510:revInfo xmlns:a="http://schemas.openxmlformats.org/drawingml/2006/main" xmlns:r="http://schemas.openxmlformats.org/officeDocument/2006/relationships" xmlns:p1510="http://schemas.microsoft.com/office/powerpoint/2015/10/main">
   <p1510:revLst>
-    <p1510:client id="{5C71AA42-7C81-451D-8AF1-BA5B39FB2CF2}" v="1" dt="2023-03-14T13:18:26.911"/>
+    <p1510:client id="{5C71AA42-7C81-451D-8AF1-BA5B39FB2CF2}" v="12" dt="2023-03-20T07:28:02.046"/>
   </p1510:revLst>
 </p1510:revInfo>
 </file>
@@ -119,13 +125,13 @@
 <pc:chgInfo xmlns:a="http://schemas.openxmlformats.org/drawingml/2006/main" xmlns:r="http://schemas.openxmlformats.org/officeDocument/2006/relationships" xmlns:ac="http://schemas.microsoft.com/office/drawing/2013/main/command" xmlns:pc="http://schemas.microsoft.com/office/powerpoint/2013/main/command">
   <pc:docChgLst>
     <pc:chgData name="Snir Barzilay" userId="25ae7c42a3a23ea8" providerId="LiveId" clId="{5C71AA42-7C81-451D-8AF1-BA5B39FB2CF2}"/>
-    <pc:docChg chg="custSel addSld modSld">
-      <pc:chgData name="Snir Barzilay" userId="25ae7c42a3a23ea8" providerId="LiveId" clId="{5C71AA42-7C81-451D-8AF1-BA5B39FB2CF2}" dt="2023-03-14T13:38:29.611" v="368" actId="20577"/>
+    <pc:docChg chg="undo custSel addSld delSld modSld modMainMaster">
+      <pc:chgData name="Snir Barzilay" userId="25ae7c42a3a23ea8" providerId="LiveId" clId="{5C71AA42-7C81-451D-8AF1-BA5B39FB2CF2}" dt="2023-03-20T07:33:07.640" v="1320" actId="2696"/>
       <pc:docMkLst>
         <pc:docMk/>
       </pc:docMkLst>
-      <pc:sldChg chg="addSp delSp modSp new mod">
-        <pc:chgData name="Snir Barzilay" userId="25ae7c42a3a23ea8" providerId="LiveId" clId="{5C71AA42-7C81-451D-8AF1-BA5B39FB2CF2}" dt="2023-03-14T13:38:29.611" v="368" actId="20577"/>
+      <pc:sldChg chg="addSp delSp modSp new mod setBg">
+        <pc:chgData name="Snir Barzilay" userId="25ae7c42a3a23ea8" providerId="LiveId" clId="{5C71AA42-7C81-451D-8AF1-BA5B39FB2CF2}" dt="2023-03-15T13:23:33.570" v="1318" actId="1076"/>
         <pc:sldMkLst>
           <pc:docMk/>
           <pc:sldMk cId="3879652901" sldId="256"/>
@@ -147,14 +153,533 @@
           </ac:spMkLst>
         </pc:spChg>
         <pc:spChg chg="add mod">
-          <ac:chgData name="Snir Barzilay" userId="25ae7c42a3a23ea8" providerId="LiveId" clId="{5C71AA42-7C81-451D-8AF1-BA5B39FB2CF2}" dt="2023-03-14T13:38:29.611" v="368" actId="20577"/>
+          <ac:chgData name="Snir Barzilay" userId="25ae7c42a3a23ea8" providerId="LiveId" clId="{5C71AA42-7C81-451D-8AF1-BA5B39FB2CF2}" dt="2023-03-15T13:22:58.492" v="1312" actId="255"/>
           <ac:spMkLst>
             <pc:docMk/>
             <pc:sldMk cId="3879652901" sldId="256"/>
             <ac:spMk id="4" creationId="{14610072-524F-1463-E51C-B5606B4B245B}"/>
           </ac:spMkLst>
         </pc:spChg>
+        <pc:spChg chg="add mod">
+          <ac:chgData name="Snir Barzilay" userId="25ae7c42a3a23ea8" providerId="LiveId" clId="{5C71AA42-7C81-451D-8AF1-BA5B39FB2CF2}" dt="2023-03-15T13:23:05.621" v="1313" actId="255"/>
+          <ac:spMkLst>
+            <pc:docMk/>
+            <pc:sldMk cId="3879652901" sldId="256"/>
+            <ac:spMk id="8" creationId="{461EB362-8CC4-3AD7-12D9-B0DEECDAD8D1}"/>
+          </ac:spMkLst>
+        </pc:spChg>
+        <pc:spChg chg="add mod">
+          <ac:chgData name="Snir Barzilay" userId="25ae7c42a3a23ea8" providerId="LiveId" clId="{5C71AA42-7C81-451D-8AF1-BA5B39FB2CF2}" dt="2023-03-15T13:23:10.955" v="1314" actId="255"/>
+          <ac:spMkLst>
+            <pc:docMk/>
+            <pc:sldMk cId="3879652901" sldId="256"/>
+            <ac:spMk id="10" creationId="{AF5C1BCB-FD5D-F37C-7541-60C4998F365D}"/>
+          </ac:spMkLst>
+        </pc:spChg>
+        <pc:spChg chg="add mod">
+          <ac:chgData name="Snir Barzilay" userId="25ae7c42a3a23ea8" providerId="LiveId" clId="{5C71AA42-7C81-451D-8AF1-BA5B39FB2CF2}" dt="2023-03-15T12:56:59.721" v="770" actId="1076"/>
+          <ac:spMkLst>
+            <pc:docMk/>
+            <pc:sldMk cId="3879652901" sldId="256"/>
+            <ac:spMk id="15" creationId="{A70BA71A-A026-8B1C-1927-C10CFAECF46B}"/>
+          </ac:spMkLst>
+        </pc:spChg>
+        <pc:picChg chg="add mod">
+          <ac:chgData name="Snir Barzilay" userId="25ae7c42a3a23ea8" providerId="LiveId" clId="{5C71AA42-7C81-451D-8AF1-BA5B39FB2CF2}" dt="2023-03-15T12:56:27.631" v="756" actId="1076"/>
+          <ac:picMkLst>
+            <pc:docMk/>
+            <pc:sldMk cId="3879652901" sldId="256"/>
+            <ac:picMk id="3" creationId="{642C228D-8C30-8564-3D78-6B9C312AEB6B}"/>
+          </ac:picMkLst>
+        </pc:picChg>
+        <pc:picChg chg="add mod">
+          <ac:chgData name="Snir Barzilay" userId="25ae7c42a3a23ea8" providerId="LiveId" clId="{5C71AA42-7C81-451D-8AF1-BA5B39FB2CF2}" dt="2023-03-15T12:56:25.464" v="755" actId="1076"/>
+          <ac:picMkLst>
+            <pc:docMk/>
+            <pc:sldMk cId="3879652901" sldId="256"/>
+            <ac:picMk id="6" creationId="{410CC1BC-6523-BE74-2AD2-99EB70D0DB1E}"/>
+          </ac:picMkLst>
+        </pc:picChg>
+        <pc:picChg chg="add mod">
+          <ac:chgData name="Snir Barzilay" userId="25ae7c42a3a23ea8" providerId="LiveId" clId="{5C71AA42-7C81-451D-8AF1-BA5B39FB2CF2}" dt="2023-03-15T13:23:33.570" v="1318" actId="1076"/>
+          <ac:picMkLst>
+            <pc:docMk/>
+            <pc:sldMk cId="3879652901" sldId="256"/>
+            <ac:picMk id="11" creationId="{DECC68EC-0E76-C00C-2DFA-77C32B3B1D90}"/>
+          </ac:picMkLst>
+        </pc:picChg>
+        <pc:cxnChg chg="add mod">
+          <ac:chgData name="Snir Barzilay" userId="25ae7c42a3a23ea8" providerId="LiveId" clId="{5C71AA42-7C81-451D-8AF1-BA5B39FB2CF2}" dt="2023-03-15T13:21:53.799" v="1306" actId="1076"/>
+          <ac:cxnSpMkLst>
+            <pc:docMk/>
+            <pc:sldMk cId="3879652901" sldId="256"/>
+            <ac:cxnSpMk id="13" creationId="{D0ACC1A4-DE9D-7A59-2AAD-68479EAFDF92}"/>
+          </ac:cxnSpMkLst>
+        </pc:cxnChg>
       </pc:sldChg>
+      <pc:sldChg chg="addSp delSp modSp add mod setBg">
+        <pc:chgData name="Snir Barzilay" userId="25ae7c42a3a23ea8" providerId="LiveId" clId="{5C71AA42-7C81-451D-8AF1-BA5B39FB2CF2}" dt="2023-03-15T13:23:25.435" v="1317" actId="255"/>
+        <pc:sldMkLst>
+          <pc:docMk/>
+          <pc:sldMk cId="2433336688" sldId="257"/>
+        </pc:sldMkLst>
+        <pc:spChg chg="add mod ord">
+          <ac:chgData name="Snir Barzilay" userId="25ae7c42a3a23ea8" providerId="LiveId" clId="{5C71AA42-7C81-451D-8AF1-BA5B39FB2CF2}" dt="2023-03-15T13:20:20.845" v="1301" actId="1076"/>
+          <ac:spMkLst>
+            <pc:docMk/>
+            <pc:sldMk cId="2433336688" sldId="257"/>
+            <ac:spMk id="2" creationId="{FE7764C1-95F5-6113-B236-79FEDA8D0EBE}"/>
+          </ac:spMkLst>
+        </pc:spChg>
+        <pc:spChg chg="mod">
+          <ac:chgData name="Snir Barzilay" userId="25ae7c42a3a23ea8" providerId="LiveId" clId="{5C71AA42-7C81-451D-8AF1-BA5B39FB2CF2}" dt="2023-03-15T13:23:17.229" v="1315" actId="255"/>
+          <ac:spMkLst>
+            <pc:docMk/>
+            <pc:sldMk cId="2433336688" sldId="257"/>
+            <ac:spMk id="4" creationId="{14610072-524F-1463-E51C-B5606B4B245B}"/>
+          </ac:spMkLst>
+        </pc:spChg>
+        <pc:spChg chg="mod">
+          <ac:chgData name="Snir Barzilay" userId="25ae7c42a3a23ea8" providerId="LiveId" clId="{5C71AA42-7C81-451D-8AF1-BA5B39FB2CF2}" dt="2023-03-15T13:23:22.255" v="1316" actId="255"/>
+          <ac:spMkLst>
+            <pc:docMk/>
+            <pc:sldMk cId="2433336688" sldId="257"/>
+            <ac:spMk id="8" creationId="{461EB362-8CC4-3AD7-12D9-B0DEECDAD8D1}"/>
+          </ac:spMkLst>
+        </pc:spChg>
+        <pc:spChg chg="mod">
+          <ac:chgData name="Snir Barzilay" userId="25ae7c42a3a23ea8" providerId="LiveId" clId="{5C71AA42-7C81-451D-8AF1-BA5B39FB2CF2}" dt="2023-03-15T13:23:25.435" v="1317" actId="255"/>
+          <ac:spMkLst>
+            <pc:docMk/>
+            <pc:sldMk cId="2433336688" sldId="257"/>
+            <ac:spMk id="10" creationId="{AF5C1BCB-FD5D-F37C-7541-60C4998F365D}"/>
+          </ac:spMkLst>
+        </pc:spChg>
+        <pc:spChg chg="mod">
+          <ac:chgData name="Snir Barzilay" userId="25ae7c42a3a23ea8" providerId="LiveId" clId="{5C71AA42-7C81-451D-8AF1-BA5B39FB2CF2}" dt="2023-03-15T13:17:23.991" v="1074" actId="20577"/>
+          <ac:spMkLst>
+            <pc:docMk/>
+            <pc:sldMk cId="2433336688" sldId="257"/>
+            <ac:spMk id="15" creationId="{A70BA71A-A026-8B1C-1927-C10CFAECF46B}"/>
+          </ac:spMkLst>
+        </pc:spChg>
+        <pc:picChg chg="del mod">
+          <ac:chgData name="Snir Barzilay" userId="25ae7c42a3a23ea8" providerId="LiveId" clId="{5C71AA42-7C81-451D-8AF1-BA5B39FB2CF2}" dt="2023-03-15T12:59:48.881" v="979" actId="478"/>
+          <ac:picMkLst>
+            <pc:docMk/>
+            <pc:sldMk cId="2433336688" sldId="257"/>
+            <ac:picMk id="3" creationId="{642C228D-8C30-8564-3D78-6B9C312AEB6B}"/>
+          </ac:picMkLst>
+        </pc:picChg>
+        <pc:picChg chg="add mod">
+          <ac:chgData name="Snir Barzilay" userId="25ae7c42a3a23ea8" providerId="LiveId" clId="{5C71AA42-7C81-451D-8AF1-BA5B39FB2CF2}" dt="2023-03-15T13:20:24.858" v="1302" actId="1035"/>
+          <ac:picMkLst>
+            <pc:docMk/>
+            <pc:sldMk cId="2433336688" sldId="257"/>
+            <ac:picMk id="7" creationId="{33AD3C0A-5FEE-4BEF-CAD5-E75FCFBBB65A}"/>
+          </ac:picMkLst>
+        </pc:picChg>
+        <pc:picChg chg="del">
+          <ac:chgData name="Snir Barzilay" userId="25ae7c42a3a23ea8" providerId="LiveId" clId="{5C71AA42-7C81-451D-8AF1-BA5B39FB2CF2}" dt="2023-03-15T13:12:12.655" v="1066" actId="478"/>
+          <ac:picMkLst>
+            <pc:docMk/>
+            <pc:sldMk cId="2433336688" sldId="257"/>
+            <ac:picMk id="11" creationId="{DECC68EC-0E76-C00C-2DFA-77C32B3B1D90}"/>
+          </ac:picMkLst>
+        </pc:picChg>
+        <pc:picChg chg="add mod">
+          <ac:chgData name="Snir Barzilay" userId="25ae7c42a3a23ea8" providerId="LiveId" clId="{5C71AA42-7C81-451D-8AF1-BA5B39FB2CF2}" dt="2023-03-15T13:21:58.071" v="1307" actId="1076"/>
+          <ac:picMkLst>
+            <pc:docMk/>
+            <pc:sldMk cId="2433336688" sldId="257"/>
+            <ac:picMk id="12" creationId="{CEFD6197-4D3C-C27B-5675-4DB974615836}"/>
+          </ac:picMkLst>
+        </pc:picChg>
+        <pc:cxnChg chg="mod">
+          <ac:chgData name="Snir Barzilay" userId="25ae7c42a3a23ea8" providerId="LiveId" clId="{5C71AA42-7C81-451D-8AF1-BA5B39FB2CF2}" dt="2023-03-15T13:22:24.904" v="1309" actId="1076"/>
+          <ac:cxnSpMkLst>
+            <pc:docMk/>
+            <pc:sldMk cId="2433336688" sldId="257"/>
+            <ac:cxnSpMk id="13" creationId="{D0ACC1A4-DE9D-7A59-2AAD-68479EAFDF92}"/>
+          </ac:cxnSpMkLst>
+        </pc:cxnChg>
+      </pc:sldChg>
+      <pc:sldChg chg="add del">
+        <pc:chgData name="Snir Barzilay" userId="25ae7c42a3a23ea8" providerId="LiveId" clId="{5C71AA42-7C81-451D-8AF1-BA5B39FB2CF2}" dt="2023-03-20T07:33:07.640" v="1320" actId="2696"/>
+        <pc:sldMkLst>
+          <pc:docMk/>
+          <pc:sldMk cId="127447819" sldId="258"/>
+        </pc:sldMkLst>
+      </pc:sldChg>
+      <pc:sldMasterChg chg="modSp modSldLayout">
+        <pc:chgData name="Snir Barzilay" userId="25ae7c42a3a23ea8" providerId="LiveId" clId="{5C71AA42-7C81-451D-8AF1-BA5B39FB2CF2}" dt="2023-03-15T12:56:12.939" v="749"/>
+        <pc:sldMasterMkLst>
+          <pc:docMk/>
+          <pc:sldMasterMk cId="492848825" sldId="2147483648"/>
+        </pc:sldMasterMkLst>
+        <pc:spChg chg="mod">
+          <ac:chgData name="Snir Barzilay" userId="25ae7c42a3a23ea8" providerId="LiveId" clId="{5C71AA42-7C81-451D-8AF1-BA5B39FB2CF2}" dt="2023-03-15T12:56:12.939" v="749"/>
+          <ac:spMkLst>
+            <pc:docMk/>
+            <pc:sldMasterMk cId="492848825" sldId="2147483648"/>
+            <ac:spMk id="2" creationId="{6FEDE336-5DEA-2847-90AE-9D142A99A677}"/>
+          </ac:spMkLst>
+        </pc:spChg>
+        <pc:spChg chg="mod">
+          <ac:chgData name="Snir Barzilay" userId="25ae7c42a3a23ea8" providerId="LiveId" clId="{5C71AA42-7C81-451D-8AF1-BA5B39FB2CF2}" dt="2023-03-15T12:56:12.939" v="749"/>
+          <ac:spMkLst>
+            <pc:docMk/>
+            <pc:sldMasterMk cId="492848825" sldId="2147483648"/>
+            <ac:spMk id="3" creationId="{19A1BC5D-2CA5-56A3-1DA6-876BA1E27AEA}"/>
+          </ac:spMkLst>
+        </pc:spChg>
+        <pc:spChg chg="mod">
+          <ac:chgData name="Snir Barzilay" userId="25ae7c42a3a23ea8" providerId="LiveId" clId="{5C71AA42-7C81-451D-8AF1-BA5B39FB2CF2}" dt="2023-03-15T12:56:12.939" v="749"/>
+          <ac:spMkLst>
+            <pc:docMk/>
+            <pc:sldMasterMk cId="492848825" sldId="2147483648"/>
+            <ac:spMk id="4" creationId="{7481AC39-71FC-DCDB-A265-46D496DCEA6B}"/>
+          </ac:spMkLst>
+        </pc:spChg>
+        <pc:spChg chg="mod">
+          <ac:chgData name="Snir Barzilay" userId="25ae7c42a3a23ea8" providerId="LiveId" clId="{5C71AA42-7C81-451D-8AF1-BA5B39FB2CF2}" dt="2023-03-15T12:56:12.939" v="749"/>
+          <ac:spMkLst>
+            <pc:docMk/>
+            <pc:sldMasterMk cId="492848825" sldId="2147483648"/>
+            <ac:spMk id="5" creationId="{A3A6F623-C8C3-A740-90F4-283BC4B021CD}"/>
+          </ac:spMkLst>
+        </pc:spChg>
+        <pc:spChg chg="mod">
+          <ac:chgData name="Snir Barzilay" userId="25ae7c42a3a23ea8" providerId="LiveId" clId="{5C71AA42-7C81-451D-8AF1-BA5B39FB2CF2}" dt="2023-03-15T12:56:12.939" v="749"/>
+          <ac:spMkLst>
+            <pc:docMk/>
+            <pc:sldMasterMk cId="492848825" sldId="2147483648"/>
+            <ac:spMk id="6" creationId="{7686AA11-EB54-9129-11F2-D0F21C3E28CD}"/>
+          </ac:spMkLst>
+        </pc:spChg>
+        <pc:sldLayoutChg chg="modSp">
+          <pc:chgData name="Snir Barzilay" userId="25ae7c42a3a23ea8" providerId="LiveId" clId="{5C71AA42-7C81-451D-8AF1-BA5B39FB2CF2}" dt="2023-03-15T12:56:12.939" v="749"/>
+          <pc:sldLayoutMkLst>
+            <pc:docMk/>
+            <pc:sldMasterMk cId="492848825" sldId="2147483648"/>
+            <pc:sldLayoutMk cId="3355041826" sldId="2147483649"/>
+          </pc:sldLayoutMkLst>
+          <pc:spChg chg="mod">
+            <ac:chgData name="Snir Barzilay" userId="25ae7c42a3a23ea8" providerId="LiveId" clId="{5C71AA42-7C81-451D-8AF1-BA5B39FB2CF2}" dt="2023-03-15T12:56:12.939" v="749"/>
+            <ac:spMkLst>
+              <pc:docMk/>
+              <pc:sldMasterMk cId="492848825" sldId="2147483648"/>
+              <pc:sldLayoutMk cId="3355041826" sldId="2147483649"/>
+              <ac:spMk id="2" creationId="{2F841E13-73FF-DC98-2F06-8AD272F4A352}"/>
+            </ac:spMkLst>
+          </pc:spChg>
+          <pc:spChg chg="mod">
+            <ac:chgData name="Snir Barzilay" userId="25ae7c42a3a23ea8" providerId="LiveId" clId="{5C71AA42-7C81-451D-8AF1-BA5B39FB2CF2}" dt="2023-03-15T12:56:12.939" v="749"/>
+            <ac:spMkLst>
+              <pc:docMk/>
+              <pc:sldMasterMk cId="492848825" sldId="2147483648"/>
+              <pc:sldLayoutMk cId="3355041826" sldId="2147483649"/>
+              <ac:spMk id="3" creationId="{8579C85F-22A8-E072-DB45-EBC80A78BC54}"/>
+            </ac:spMkLst>
+          </pc:spChg>
+        </pc:sldLayoutChg>
+        <pc:sldLayoutChg chg="modSp">
+          <pc:chgData name="Snir Barzilay" userId="25ae7c42a3a23ea8" providerId="LiveId" clId="{5C71AA42-7C81-451D-8AF1-BA5B39FB2CF2}" dt="2023-03-15T12:56:12.939" v="749"/>
+          <pc:sldLayoutMkLst>
+            <pc:docMk/>
+            <pc:sldMasterMk cId="492848825" sldId="2147483648"/>
+            <pc:sldLayoutMk cId="3874803781" sldId="2147483651"/>
+          </pc:sldLayoutMkLst>
+          <pc:spChg chg="mod">
+            <ac:chgData name="Snir Barzilay" userId="25ae7c42a3a23ea8" providerId="LiveId" clId="{5C71AA42-7C81-451D-8AF1-BA5B39FB2CF2}" dt="2023-03-15T12:56:12.939" v="749"/>
+            <ac:spMkLst>
+              <pc:docMk/>
+              <pc:sldMasterMk cId="492848825" sldId="2147483648"/>
+              <pc:sldLayoutMk cId="3874803781" sldId="2147483651"/>
+              <ac:spMk id="2" creationId="{D1EA1319-FB5F-FE3D-B09D-BDA9B08FBC00}"/>
+            </ac:spMkLst>
+          </pc:spChg>
+          <pc:spChg chg="mod">
+            <ac:chgData name="Snir Barzilay" userId="25ae7c42a3a23ea8" providerId="LiveId" clId="{5C71AA42-7C81-451D-8AF1-BA5B39FB2CF2}" dt="2023-03-15T12:56:12.939" v="749"/>
+            <ac:spMkLst>
+              <pc:docMk/>
+              <pc:sldMasterMk cId="492848825" sldId="2147483648"/>
+              <pc:sldLayoutMk cId="3874803781" sldId="2147483651"/>
+              <ac:spMk id="3" creationId="{9ED60314-6063-4B99-4B0A-300409CC95DB}"/>
+            </ac:spMkLst>
+          </pc:spChg>
+        </pc:sldLayoutChg>
+        <pc:sldLayoutChg chg="modSp">
+          <pc:chgData name="Snir Barzilay" userId="25ae7c42a3a23ea8" providerId="LiveId" clId="{5C71AA42-7C81-451D-8AF1-BA5B39FB2CF2}" dt="2023-03-15T12:56:12.939" v="749"/>
+          <pc:sldLayoutMkLst>
+            <pc:docMk/>
+            <pc:sldMasterMk cId="492848825" sldId="2147483648"/>
+            <pc:sldLayoutMk cId="130710047" sldId="2147483652"/>
+          </pc:sldLayoutMkLst>
+          <pc:spChg chg="mod">
+            <ac:chgData name="Snir Barzilay" userId="25ae7c42a3a23ea8" providerId="LiveId" clId="{5C71AA42-7C81-451D-8AF1-BA5B39FB2CF2}" dt="2023-03-15T12:56:12.939" v="749"/>
+            <ac:spMkLst>
+              <pc:docMk/>
+              <pc:sldMasterMk cId="492848825" sldId="2147483648"/>
+              <pc:sldLayoutMk cId="130710047" sldId="2147483652"/>
+              <ac:spMk id="3" creationId="{FA06FB5D-603C-F9E2-3969-2968B43ECCFF}"/>
+            </ac:spMkLst>
+          </pc:spChg>
+          <pc:spChg chg="mod">
+            <ac:chgData name="Snir Barzilay" userId="25ae7c42a3a23ea8" providerId="LiveId" clId="{5C71AA42-7C81-451D-8AF1-BA5B39FB2CF2}" dt="2023-03-15T12:56:12.939" v="749"/>
+            <ac:spMkLst>
+              <pc:docMk/>
+              <pc:sldMasterMk cId="492848825" sldId="2147483648"/>
+              <pc:sldLayoutMk cId="130710047" sldId="2147483652"/>
+              <ac:spMk id="4" creationId="{09804D1C-1637-29D7-0FB2-7A3D1F0FC06A}"/>
+            </ac:spMkLst>
+          </pc:spChg>
+        </pc:sldLayoutChg>
+        <pc:sldLayoutChg chg="modSp">
+          <pc:chgData name="Snir Barzilay" userId="25ae7c42a3a23ea8" providerId="LiveId" clId="{5C71AA42-7C81-451D-8AF1-BA5B39FB2CF2}" dt="2023-03-15T12:56:12.939" v="749"/>
+          <pc:sldLayoutMkLst>
+            <pc:docMk/>
+            <pc:sldMasterMk cId="492848825" sldId="2147483648"/>
+            <pc:sldLayoutMk cId="1026232434" sldId="2147483653"/>
+          </pc:sldLayoutMkLst>
+          <pc:spChg chg="mod">
+            <ac:chgData name="Snir Barzilay" userId="25ae7c42a3a23ea8" providerId="LiveId" clId="{5C71AA42-7C81-451D-8AF1-BA5B39FB2CF2}" dt="2023-03-15T12:56:12.939" v="749"/>
+            <ac:spMkLst>
+              <pc:docMk/>
+              <pc:sldMasterMk cId="492848825" sldId="2147483648"/>
+              <pc:sldLayoutMk cId="1026232434" sldId="2147483653"/>
+              <ac:spMk id="2" creationId="{B9786C73-74F7-595A-7CD9-1B14AF055313}"/>
+            </ac:spMkLst>
+          </pc:spChg>
+          <pc:spChg chg="mod">
+            <ac:chgData name="Snir Barzilay" userId="25ae7c42a3a23ea8" providerId="LiveId" clId="{5C71AA42-7C81-451D-8AF1-BA5B39FB2CF2}" dt="2023-03-15T12:56:12.939" v="749"/>
+            <ac:spMkLst>
+              <pc:docMk/>
+              <pc:sldMasterMk cId="492848825" sldId="2147483648"/>
+              <pc:sldLayoutMk cId="1026232434" sldId="2147483653"/>
+              <ac:spMk id="3" creationId="{B4BF84E1-69B2-DB3B-6BD9-9205BF7EEAA3}"/>
+            </ac:spMkLst>
+          </pc:spChg>
+          <pc:spChg chg="mod">
+            <ac:chgData name="Snir Barzilay" userId="25ae7c42a3a23ea8" providerId="LiveId" clId="{5C71AA42-7C81-451D-8AF1-BA5B39FB2CF2}" dt="2023-03-15T12:56:12.939" v="749"/>
+            <ac:spMkLst>
+              <pc:docMk/>
+              <pc:sldMasterMk cId="492848825" sldId="2147483648"/>
+              <pc:sldLayoutMk cId="1026232434" sldId="2147483653"/>
+              <ac:spMk id="4" creationId="{D5AE7A8C-390D-E28B-DA9F-8D9805916E2A}"/>
+            </ac:spMkLst>
+          </pc:spChg>
+          <pc:spChg chg="mod">
+            <ac:chgData name="Snir Barzilay" userId="25ae7c42a3a23ea8" providerId="LiveId" clId="{5C71AA42-7C81-451D-8AF1-BA5B39FB2CF2}" dt="2023-03-15T12:56:12.939" v="749"/>
+            <ac:spMkLst>
+              <pc:docMk/>
+              <pc:sldMasterMk cId="492848825" sldId="2147483648"/>
+              <pc:sldLayoutMk cId="1026232434" sldId="2147483653"/>
+              <ac:spMk id="5" creationId="{5DCCF450-3E86-FDB0-579B-C58F27E67510}"/>
+            </ac:spMkLst>
+          </pc:spChg>
+          <pc:spChg chg="mod">
+            <ac:chgData name="Snir Barzilay" userId="25ae7c42a3a23ea8" providerId="LiveId" clId="{5C71AA42-7C81-451D-8AF1-BA5B39FB2CF2}" dt="2023-03-15T12:56:12.939" v="749"/>
+            <ac:spMkLst>
+              <pc:docMk/>
+              <pc:sldMasterMk cId="492848825" sldId="2147483648"/>
+              <pc:sldLayoutMk cId="1026232434" sldId="2147483653"/>
+              <ac:spMk id="6" creationId="{4C468AED-695D-0A3A-CE25-E04C65ADF77E}"/>
+            </ac:spMkLst>
+          </pc:spChg>
+        </pc:sldLayoutChg>
+        <pc:sldLayoutChg chg="modSp">
+          <pc:chgData name="Snir Barzilay" userId="25ae7c42a3a23ea8" providerId="LiveId" clId="{5C71AA42-7C81-451D-8AF1-BA5B39FB2CF2}" dt="2023-03-15T12:56:12.939" v="749"/>
+          <pc:sldLayoutMkLst>
+            <pc:docMk/>
+            <pc:sldMasterMk cId="492848825" sldId="2147483648"/>
+            <pc:sldLayoutMk cId="2498146183" sldId="2147483656"/>
+          </pc:sldLayoutMkLst>
+          <pc:spChg chg="mod">
+            <ac:chgData name="Snir Barzilay" userId="25ae7c42a3a23ea8" providerId="LiveId" clId="{5C71AA42-7C81-451D-8AF1-BA5B39FB2CF2}" dt="2023-03-15T12:56:12.939" v="749"/>
+            <ac:spMkLst>
+              <pc:docMk/>
+              <pc:sldMasterMk cId="492848825" sldId="2147483648"/>
+              <pc:sldLayoutMk cId="2498146183" sldId="2147483656"/>
+              <ac:spMk id="2" creationId="{34C43E62-F196-5825-5B9B-363BFDE7DFEF}"/>
+            </ac:spMkLst>
+          </pc:spChg>
+          <pc:spChg chg="mod">
+            <ac:chgData name="Snir Barzilay" userId="25ae7c42a3a23ea8" providerId="LiveId" clId="{5C71AA42-7C81-451D-8AF1-BA5B39FB2CF2}" dt="2023-03-15T12:56:12.939" v="749"/>
+            <ac:spMkLst>
+              <pc:docMk/>
+              <pc:sldMasterMk cId="492848825" sldId="2147483648"/>
+              <pc:sldLayoutMk cId="2498146183" sldId="2147483656"/>
+              <ac:spMk id="3" creationId="{771853E4-2F7F-AB02-E5EA-E59DBA51EA1F}"/>
+            </ac:spMkLst>
+          </pc:spChg>
+          <pc:spChg chg="mod">
+            <ac:chgData name="Snir Barzilay" userId="25ae7c42a3a23ea8" providerId="LiveId" clId="{5C71AA42-7C81-451D-8AF1-BA5B39FB2CF2}" dt="2023-03-15T12:56:12.939" v="749"/>
+            <ac:spMkLst>
+              <pc:docMk/>
+              <pc:sldMasterMk cId="492848825" sldId="2147483648"/>
+              <pc:sldLayoutMk cId="2498146183" sldId="2147483656"/>
+              <ac:spMk id="4" creationId="{9A1B333E-764A-BE57-5864-86EE491EC294}"/>
+            </ac:spMkLst>
+          </pc:spChg>
+        </pc:sldLayoutChg>
+        <pc:sldLayoutChg chg="modSp">
+          <pc:chgData name="Snir Barzilay" userId="25ae7c42a3a23ea8" providerId="LiveId" clId="{5C71AA42-7C81-451D-8AF1-BA5B39FB2CF2}" dt="2023-03-15T12:56:12.939" v="749"/>
+          <pc:sldLayoutMkLst>
+            <pc:docMk/>
+            <pc:sldMasterMk cId="492848825" sldId="2147483648"/>
+            <pc:sldLayoutMk cId="2688792213" sldId="2147483657"/>
+          </pc:sldLayoutMkLst>
+          <pc:spChg chg="mod">
+            <ac:chgData name="Snir Barzilay" userId="25ae7c42a3a23ea8" providerId="LiveId" clId="{5C71AA42-7C81-451D-8AF1-BA5B39FB2CF2}" dt="2023-03-15T12:56:12.939" v="749"/>
+            <ac:spMkLst>
+              <pc:docMk/>
+              <pc:sldMasterMk cId="492848825" sldId="2147483648"/>
+              <pc:sldLayoutMk cId="2688792213" sldId="2147483657"/>
+              <ac:spMk id="2" creationId="{A4172729-F636-5F31-3EF5-C8FA7C17AEB0}"/>
+            </ac:spMkLst>
+          </pc:spChg>
+          <pc:spChg chg="mod">
+            <ac:chgData name="Snir Barzilay" userId="25ae7c42a3a23ea8" providerId="LiveId" clId="{5C71AA42-7C81-451D-8AF1-BA5B39FB2CF2}" dt="2023-03-15T12:56:12.939" v="749"/>
+            <ac:spMkLst>
+              <pc:docMk/>
+              <pc:sldMasterMk cId="492848825" sldId="2147483648"/>
+              <pc:sldLayoutMk cId="2688792213" sldId="2147483657"/>
+              <ac:spMk id="3" creationId="{F9FF316A-6D66-7D36-8711-5CE2FFBC283F}"/>
+            </ac:spMkLst>
+          </pc:spChg>
+          <pc:spChg chg="mod">
+            <ac:chgData name="Snir Barzilay" userId="25ae7c42a3a23ea8" providerId="LiveId" clId="{5C71AA42-7C81-451D-8AF1-BA5B39FB2CF2}" dt="2023-03-15T12:56:12.939" v="749"/>
+            <ac:spMkLst>
+              <pc:docMk/>
+              <pc:sldMasterMk cId="492848825" sldId="2147483648"/>
+              <pc:sldLayoutMk cId="2688792213" sldId="2147483657"/>
+              <ac:spMk id="4" creationId="{2A50A328-044C-A50C-9C30-71D2EAF795D7}"/>
+            </ac:spMkLst>
+          </pc:spChg>
+        </pc:sldLayoutChg>
+        <pc:sldLayoutChg chg="modSp">
+          <pc:chgData name="Snir Barzilay" userId="25ae7c42a3a23ea8" providerId="LiveId" clId="{5C71AA42-7C81-451D-8AF1-BA5B39FB2CF2}" dt="2023-03-15T12:56:12.939" v="749"/>
+          <pc:sldLayoutMkLst>
+            <pc:docMk/>
+            <pc:sldMasterMk cId="492848825" sldId="2147483648"/>
+            <pc:sldLayoutMk cId="3470515479" sldId="2147483659"/>
+          </pc:sldLayoutMkLst>
+          <pc:spChg chg="mod">
+            <ac:chgData name="Snir Barzilay" userId="25ae7c42a3a23ea8" providerId="LiveId" clId="{5C71AA42-7C81-451D-8AF1-BA5B39FB2CF2}" dt="2023-03-15T12:56:12.939" v="749"/>
+            <ac:spMkLst>
+              <pc:docMk/>
+              <pc:sldMasterMk cId="492848825" sldId="2147483648"/>
+              <pc:sldLayoutMk cId="3470515479" sldId="2147483659"/>
+              <ac:spMk id="2" creationId="{572E003F-46EC-A70D-9A91-08DE44B1D12A}"/>
+            </ac:spMkLst>
+          </pc:spChg>
+          <pc:spChg chg="mod">
+            <ac:chgData name="Snir Barzilay" userId="25ae7c42a3a23ea8" providerId="LiveId" clId="{5C71AA42-7C81-451D-8AF1-BA5B39FB2CF2}" dt="2023-03-15T12:56:12.939" v="749"/>
+            <ac:spMkLst>
+              <pc:docMk/>
+              <pc:sldMasterMk cId="492848825" sldId="2147483648"/>
+              <pc:sldLayoutMk cId="3470515479" sldId="2147483659"/>
+              <ac:spMk id="3" creationId="{053EF308-6978-205D-CA30-358BCAFEFD8B}"/>
+            </ac:spMkLst>
+          </pc:spChg>
+        </pc:sldLayoutChg>
+      </pc:sldMasterChg>
+      <pc:sldMasterChg chg="setBg modSldLayout">
+        <pc:chgData name="Snir Barzilay" userId="25ae7c42a3a23ea8" providerId="LiveId" clId="{5C71AA42-7C81-451D-8AF1-BA5B39FB2CF2}" dt="2023-03-15T12:58:26.267" v="964"/>
+        <pc:sldMasterMkLst>
+          <pc:docMk/>
+          <pc:sldMasterMk cId="2755538467" sldId="2147483660"/>
+        </pc:sldMasterMkLst>
+        <pc:sldLayoutChg chg="setBg">
+          <pc:chgData name="Snir Barzilay" userId="25ae7c42a3a23ea8" providerId="LiveId" clId="{5C71AA42-7C81-451D-8AF1-BA5B39FB2CF2}" dt="2023-03-15T12:58:26.267" v="964"/>
+          <pc:sldLayoutMkLst>
+            <pc:docMk/>
+            <pc:sldMasterMk cId="2755538467" sldId="2147483660"/>
+            <pc:sldLayoutMk cId="1228754951" sldId="2147483661"/>
+          </pc:sldLayoutMkLst>
+        </pc:sldLayoutChg>
+        <pc:sldLayoutChg chg="setBg">
+          <pc:chgData name="Snir Barzilay" userId="25ae7c42a3a23ea8" providerId="LiveId" clId="{5C71AA42-7C81-451D-8AF1-BA5B39FB2CF2}" dt="2023-03-15T12:58:26.267" v="964"/>
+          <pc:sldLayoutMkLst>
+            <pc:docMk/>
+            <pc:sldMasterMk cId="2755538467" sldId="2147483660"/>
+            <pc:sldLayoutMk cId="1870621768" sldId="2147483662"/>
+          </pc:sldLayoutMkLst>
+        </pc:sldLayoutChg>
+        <pc:sldLayoutChg chg="setBg">
+          <pc:chgData name="Snir Barzilay" userId="25ae7c42a3a23ea8" providerId="LiveId" clId="{5C71AA42-7C81-451D-8AF1-BA5B39FB2CF2}" dt="2023-03-15T12:58:26.267" v="964"/>
+          <pc:sldLayoutMkLst>
+            <pc:docMk/>
+            <pc:sldMasterMk cId="2755538467" sldId="2147483660"/>
+            <pc:sldLayoutMk cId="124250887" sldId="2147483663"/>
+          </pc:sldLayoutMkLst>
+        </pc:sldLayoutChg>
+        <pc:sldLayoutChg chg="setBg">
+          <pc:chgData name="Snir Barzilay" userId="25ae7c42a3a23ea8" providerId="LiveId" clId="{5C71AA42-7C81-451D-8AF1-BA5B39FB2CF2}" dt="2023-03-15T12:58:26.267" v="964"/>
+          <pc:sldLayoutMkLst>
+            <pc:docMk/>
+            <pc:sldMasterMk cId="2755538467" sldId="2147483660"/>
+            <pc:sldLayoutMk cId="2952914809" sldId="2147483664"/>
+          </pc:sldLayoutMkLst>
+        </pc:sldLayoutChg>
+        <pc:sldLayoutChg chg="setBg">
+          <pc:chgData name="Snir Barzilay" userId="25ae7c42a3a23ea8" providerId="LiveId" clId="{5C71AA42-7C81-451D-8AF1-BA5B39FB2CF2}" dt="2023-03-15T12:58:26.267" v="964"/>
+          <pc:sldLayoutMkLst>
+            <pc:docMk/>
+            <pc:sldMasterMk cId="2755538467" sldId="2147483660"/>
+            <pc:sldLayoutMk cId="977383090" sldId="2147483665"/>
+          </pc:sldLayoutMkLst>
+        </pc:sldLayoutChg>
+        <pc:sldLayoutChg chg="setBg">
+          <pc:chgData name="Snir Barzilay" userId="25ae7c42a3a23ea8" providerId="LiveId" clId="{5C71AA42-7C81-451D-8AF1-BA5B39FB2CF2}" dt="2023-03-15T12:58:26.267" v="964"/>
+          <pc:sldLayoutMkLst>
+            <pc:docMk/>
+            <pc:sldMasterMk cId="2755538467" sldId="2147483660"/>
+            <pc:sldLayoutMk cId="2515220094" sldId="2147483666"/>
+          </pc:sldLayoutMkLst>
+        </pc:sldLayoutChg>
+        <pc:sldLayoutChg chg="setBg">
+          <pc:chgData name="Snir Barzilay" userId="25ae7c42a3a23ea8" providerId="LiveId" clId="{5C71AA42-7C81-451D-8AF1-BA5B39FB2CF2}" dt="2023-03-15T12:58:26.267" v="964"/>
+          <pc:sldLayoutMkLst>
+            <pc:docMk/>
+            <pc:sldMasterMk cId="2755538467" sldId="2147483660"/>
+            <pc:sldLayoutMk cId="2230154668" sldId="2147483667"/>
+          </pc:sldLayoutMkLst>
+        </pc:sldLayoutChg>
+        <pc:sldLayoutChg chg="setBg">
+          <pc:chgData name="Snir Barzilay" userId="25ae7c42a3a23ea8" providerId="LiveId" clId="{5C71AA42-7C81-451D-8AF1-BA5B39FB2CF2}" dt="2023-03-15T12:58:26.267" v="964"/>
+          <pc:sldLayoutMkLst>
+            <pc:docMk/>
+            <pc:sldMasterMk cId="2755538467" sldId="2147483660"/>
+            <pc:sldLayoutMk cId="2236766523" sldId="2147483668"/>
+          </pc:sldLayoutMkLst>
+        </pc:sldLayoutChg>
+        <pc:sldLayoutChg chg="setBg">
+          <pc:chgData name="Snir Barzilay" userId="25ae7c42a3a23ea8" providerId="LiveId" clId="{5C71AA42-7C81-451D-8AF1-BA5B39FB2CF2}" dt="2023-03-15T12:58:26.267" v="964"/>
+          <pc:sldLayoutMkLst>
+            <pc:docMk/>
+            <pc:sldMasterMk cId="2755538467" sldId="2147483660"/>
+            <pc:sldLayoutMk cId="3554983871" sldId="2147483669"/>
+          </pc:sldLayoutMkLst>
+        </pc:sldLayoutChg>
+        <pc:sldLayoutChg chg="setBg">
+          <pc:chgData name="Snir Barzilay" userId="25ae7c42a3a23ea8" providerId="LiveId" clId="{5C71AA42-7C81-451D-8AF1-BA5B39FB2CF2}" dt="2023-03-15T12:58:26.267" v="964"/>
+          <pc:sldLayoutMkLst>
+            <pc:docMk/>
+            <pc:sldMasterMk cId="2755538467" sldId="2147483660"/>
+            <pc:sldLayoutMk cId="4080930790" sldId="2147483670"/>
+          </pc:sldLayoutMkLst>
+        </pc:sldLayoutChg>
+        <pc:sldLayoutChg chg="setBg">
+          <pc:chgData name="Snir Barzilay" userId="25ae7c42a3a23ea8" providerId="LiveId" clId="{5C71AA42-7C81-451D-8AF1-BA5B39FB2CF2}" dt="2023-03-15T12:58:26.267" v="964"/>
+          <pc:sldLayoutMkLst>
+            <pc:docMk/>
+            <pc:sldMasterMk cId="2755538467" sldId="2147483660"/>
+            <pc:sldLayoutMk cId="2878340625" sldId="2147483671"/>
+          </pc:sldLayoutMkLst>
+        </pc:sldLayoutChg>
+      </pc:sldMasterChg>
     </pc:docChg>
   </pc:docChgLst>
 </pc:chgInfo>
@@ -179,13 +704,7 @@
       </p:grpSpPr>
       <p:sp>
         <p:nvSpPr>
-          <p:cNvPr id="2" name="Title 1">
-            <a:extLst>
-              <a:ext uri="{FF2B5EF4-FFF2-40B4-BE49-F238E27FC236}">
-                <a16:creationId xmlns:a16="http://schemas.microsoft.com/office/drawing/2014/main" id="{2F841E13-73FF-DC98-2F06-8AD272F4A352}"/>
-              </a:ext>
-            </a:extLst>
-          </p:cNvPr>
+          <p:cNvPr id="2" name="Title 1"/>
           <p:cNvSpPr>
             <a:spLocks noGrp="1"/>
           </p:cNvSpPr>
@@ -195,8 +714,8 @@
         </p:nvSpPr>
         <p:spPr>
           <a:xfrm>
-            <a:off x="1524000" y="1122363"/>
-            <a:ext cx="9144000" cy="2387600"/>
+            <a:off x="685800" y="1122363"/>
+            <a:ext cx="7772400" cy="2387600"/>
           </a:xfrm>
         </p:spPr>
         <p:txBody>
@@ -211,18 +730,13 @@
               <a:rPr lang="en-US"/>
               <a:t>Click to edit Master title style</a:t>
             </a:r>
-          </a:p>
-        </p:txBody>
-      </p:sp>
-      <p:sp>
-        <p:nvSpPr>
-          <p:cNvPr id="3" name="Subtitle 2">
-            <a:extLst>
-              <a:ext uri="{FF2B5EF4-FFF2-40B4-BE49-F238E27FC236}">
-                <a16:creationId xmlns:a16="http://schemas.microsoft.com/office/drawing/2014/main" id="{8579C85F-22A8-E072-DB45-EBC80A78BC54}"/>
-              </a:ext>
-            </a:extLst>
-          </p:cNvPr>
+            <a:endParaRPr lang="en-US" dirty="0"/>
+          </a:p>
+        </p:txBody>
+      </p:sp>
+      <p:sp>
+        <p:nvSpPr>
+          <p:cNvPr id="3" name="Subtitle 2"/>
           <p:cNvSpPr>
             <a:spLocks noGrp="1"/>
           </p:cNvSpPr>
@@ -232,8 +746,8 @@
         </p:nvSpPr>
         <p:spPr>
           <a:xfrm>
-            <a:off x="1524000" y="3602038"/>
-            <a:ext cx="9144000" cy="1655762"/>
+            <a:off x="1143000" y="3602038"/>
+            <a:ext cx="6858000" cy="1655762"/>
           </a:xfrm>
         </p:spPr>
         <p:txBody>
@@ -281,18 +795,13 @@
               <a:rPr lang="en-US"/>
               <a:t>Click to edit Master subtitle style</a:t>
             </a:r>
-          </a:p>
-        </p:txBody>
-      </p:sp>
-      <p:sp>
-        <p:nvSpPr>
-          <p:cNvPr id="4" name="Date Placeholder 3">
-            <a:extLst>
-              <a:ext uri="{FF2B5EF4-FFF2-40B4-BE49-F238E27FC236}">
-                <a16:creationId xmlns:a16="http://schemas.microsoft.com/office/drawing/2014/main" id="{56DC59C2-000D-B6CA-C675-7AE23E9474EC}"/>
-              </a:ext>
-            </a:extLst>
-          </p:cNvPr>
+            <a:endParaRPr lang="en-US" dirty="0"/>
+          </a:p>
+        </p:txBody>
+      </p:sp>
+      <p:sp>
+        <p:nvSpPr>
+          <p:cNvPr id="4" name="Date Placeholder 3"/>
           <p:cNvSpPr>
             <a:spLocks noGrp="1"/>
           </p:cNvSpPr>
@@ -307,7 +816,7 @@
           <a:p>
             <a:fld id="{FFB54A5F-3255-4218-9BCB-8C6EAB0F2463}" type="datetimeFigureOut">
               <a:rPr lang="en-US" smtClean="0"/>
-              <a:t>3/14/2023</a:t>
+              <a:t>3/20/2023</a:t>
             </a:fld>
             <a:endParaRPr lang="en-US"/>
           </a:p>
@@ -315,13 +824,7 @@
       </p:sp>
       <p:sp>
         <p:nvSpPr>
-          <p:cNvPr id="5" name="Footer Placeholder 4">
-            <a:extLst>
-              <a:ext uri="{FF2B5EF4-FFF2-40B4-BE49-F238E27FC236}">
-                <a16:creationId xmlns:a16="http://schemas.microsoft.com/office/drawing/2014/main" id="{99555F12-E883-422C-5C54-DDA4E3706B6B}"/>
-              </a:ext>
-            </a:extLst>
-          </p:cNvPr>
+          <p:cNvPr id="5" name="Footer Placeholder 4"/>
           <p:cNvSpPr>
             <a:spLocks noGrp="1"/>
           </p:cNvSpPr>
@@ -340,13 +843,7 @@
       </p:sp>
       <p:sp>
         <p:nvSpPr>
-          <p:cNvPr id="6" name="Slide Number Placeholder 5">
-            <a:extLst>
-              <a:ext uri="{FF2B5EF4-FFF2-40B4-BE49-F238E27FC236}">
-                <a16:creationId xmlns:a16="http://schemas.microsoft.com/office/drawing/2014/main" id="{F84B9B99-75FB-D636-A097-C11226B42C07}"/>
-              </a:ext>
-            </a:extLst>
-          </p:cNvPr>
+          <p:cNvPr id="6" name="Slide Number Placeholder 5"/>
           <p:cNvSpPr>
             <a:spLocks noGrp="1"/>
           </p:cNvSpPr>
@@ -370,7 +867,7 @@
     </p:spTree>
     <p:extLst>
       <p:ext uri="{BB962C8B-B14F-4D97-AF65-F5344CB8AC3E}">
-        <p14:creationId xmlns:p14="http://schemas.microsoft.com/office/powerpoint/2010/main" val="3355041826"/>
+        <p14:creationId xmlns:p14="http://schemas.microsoft.com/office/powerpoint/2010/main" val="1228754951"/>
       </p:ext>
     </p:extLst>
   </p:cSld>
@@ -399,13 +896,7 @@
       </p:grpSpPr>
       <p:sp>
         <p:nvSpPr>
-          <p:cNvPr id="2" name="Title 1">
-            <a:extLst>
-              <a:ext uri="{FF2B5EF4-FFF2-40B4-BE49-F238E27FC236}">
-                <a16:creationId xmlns:a16="http://schemas.microsoft.com/office/drawing/2014/main" id="{845EF52A-A906-7625-E18F-1A87371842FF}"/>
-              </a:ext>
-            </a:extLst>
-          </p:cNvPr>
+          <p:cNvPr id="2" name="Title 1"/>
           <p:cNvSpPr>
             <a:spLocks noGrp="1"/>
           </p:cNvSpPr>
@@ -422,18 +913,13 @@
               <a:rPr lang="en-US"/>
               <a:t>Click to edit Master title style</a:t>
             </a:r>
-          </a:p>
-        </p:txBody>
-      </p:sp>
-      <p:sp>
-        <p:nvSpPr>
-          <p:cNvPr id="3" name="Vertical Text Placeholder 2">
-            <a:extLst>
-              <a:ext uri="{FF2B5EF4-FFF2-40B4-BE49-F238E27FC236}">
-                <a16:creationId xmlns:a16="http://schemas.microsoft.com/office/drawing/2014/main" id="{4920F194-D788-4F6F-B95B-B7C1A811BE98}"/>
-              </a:ext>
-            </a:extLst>
-          </p:cNvPr>
+            <a:endParaRPr lang="en-US" dirty="0"/>
+          </a:p>
+        </p:txBody>
+      </p:sp>
+      <p:sp>
+        <p:nvSpPr>
+          <p:cNvPr id="3" name="Vertical Text Placeholder 2"/>
           <p:cNvSpPr>
             <a:spLocks noGrp="1"/>
           </p:cNvSpPr>
@@ -479,18 +965,13 @@
               <a:rPr lang="en-US"/>
               <a:t>Fifth level</a:t>
             </a:r>
-          </a:p>
-        </p:txBody>
-      </p:sp>
-      <p:sp>
-        <p:nvSpPr>
-          <p:cNvPr id="4" name="Date Placeholder 3">
-            <a:extLst>
-              <a:ext uri="{FF2B5EF4-FFF2-40B4-BE49-F238E27FC236}">
-                <a16:creationId xmlns:a16="http://schemas.microsoft.com/office/drawing/2014/main" id="{1BBB7D6E-5818-3A68-EB4F-B06E409FF765}"/>
-              </a:ext>
-            </a:extLst>
-          </p:cNvPr>
+            <a:endParaRPr lang="en-US" dirty="0"/>
+          </a:p>
+        </p:txBody>
+      </p:sp>
+      <p:sp>
+        <p:nvSpPr>
+          <p:cNvPr id="4" name="Date Placeholder 3"/>
           <p:cNvSpPr>
             <a:spLocks noGrp="1"/>
           </p:cNvSpPr>
@@ -505,7 +986,7 @@
           <a:p>
             <a:fld id="{FFB54A5F-3255-4218-9BCB-8C6EAB0F2463}" type="datetimeFigureOut">
               <a:rPr lang="en-US" smtClean="0"/>
-              <a:t>3/14/2023</a:t>
+              <a:t>3/20/2023</a:t>
             </a:fld>
             <a:endParaRPr lang="en-US"/>
           </a:p>
@@ -513,13 +994,7 @@
       </p:sp>
       <p:sp>
         <p:nvSpPr>
-          <p:cNvPr id="5" name="Footer Placeholder 4">
-            <a:extLst>
-              <a:ext uri="{FF2B5EF4-FFF2-40B4-BE49-F238E27FC236}">
-                <a16:creationId xmlns:a16="http://schemas.microsoft.com/office/drawing/2014/main" id="{F8B7F49D-A1F6-41B6-9CB2-97A46AA1ACE7}"/>
-              </a:ext>
-            </a:extLst>
-          </p:cNvPr>
+          <p:cNvPr id="5" name="Footer Placeholder 4"/>
           <p:cNvSpPr>
             <a:spLocks noGrp="1"/>
           </p:cNvSpPr>
@@ -538,13 +1013,7 @@
       </p:sp>
       <p:sp>
         <p:nvSpPr>
-          <p:cNvPr id="6" name="Slide Number Placeholder 5">
-            <a:extLst>
-              <a:ext uri="{FF2B5EF4-FFF2-40B4-BE49-F238E27FC236}">
-                <a16:creationId xmlns:a16="http://schemas.microsoft.com/office/drawing/2014/main" id="{5A9F245D-34CC-FB18-A45F-B9301262DAC1}"/>
-              </a:ext>
-            </a:extLst>
-          </p:cNvPr>
+          <p:cNvPr id="6" name="Slide Number Placeholder 5"/>
           <p:cNvSpPr>
             <a:spLocks noGrp="1"/>
           </p:cNvSpPr>
@@ -568,7 +1037,7 @@
     </p:spTree>
     <p:extLst>
       <p:ext uri="{BB962C8B-B14F-4D97-AF65-F5344CB8AC3E}">
-        <p14:creationId xmlns:p14="http://schemas.microsoft.com/office/powerpoint/2010/main" val="2228942352"/>
+        <p14:creationId xmlns:p14="http://schemas.microsoft.com/office/powerpoint/2010/main" val="4080930790"/>
       </p:ext>
     </p:extLst>
   </p:cSld>
@@ -597,13 +1066,7 @@
       </p:grpSpPr>
       <p:sp>
         <p:nvSpPr>
-          <p:cNvPr id="2" name="Vertical Title 1">
-            <a:extLst>
-              <a:ext uri="{FF2B5EF4-FFF2-40B4-BE49-F238E27FC236}">
-                <a16:creationId xmlns:a16="http://schemas.microsoft.com/office/drawing/2014/main" id="{572E003F-46EC-A70D-9A91-08DE44B1D12A}"/>
-              </a:ext>
-            </a:extLst>
-          </p:cNvPr>
+          <p:cNvPr id="2" name="Vertical Title 1"/>
           <p:cNvSpPr>
             <a:spLocks noGrp="1"/>
           </p:cNvSpPr>
@@ -613,8 +1076,8 @@
         </p:nvSpPr>
         <p:spPr>
           <a:xfrm>
-            <a:off x="8724900" y="365125"/>
-            <a:ext cx="2628900" cy="5811838"/>
+            <a:off x="6543675" y="365125"/>
+            <a:ext cx="1971675" cy="5811838"/>
           </a:xfrm>
         </p:spPr>
         <p:txBody>
@@ -625,18 +1088,13 @@
               <a:rPr lang="en-US"/>
               <a:t>Click to edit Master title style</a:t>
             </a:r>
-          </a:p>
-        </p:txBody>
-      </p:sp>
-      <p:sp>
-        <p:nvSpPr>
-          <p:cNvPr id="3" name="Vertical Text Placeholder 2">
-            <a:extLst>
-              <a:ext uri="{FF2B5EF4-FFF2-40B4-BE49-F238E27FC236}">
-                <a16:creationId xmlns:a16="http://schemas.microsoft.com/office/drawing/2014/main" id="{053EF308-6978-205D-CA30-358BCAFEFD8B}"/>
-              </a:ext>
-            </a:extLst>
-          </p:cNvPr>
+            <a:endParaRPr lang="en-US" dirty="0"/>
+          </a:p>
+        </p:txBody>
+      </p:sp>
+      <p:sp>
+        <p:nvSpPr>
+          <p:cNvPr id="3" name="Vertical Text Placeholder 2"/>
           <p:cNvSpPr>
             <a:spLocks noGrp="1"/>
           </p:cNvSpPr>
@@ -646,8 +1104,8 @@
         </p:nvSpPr>
         <p:spPr>
           <a:xfrm>
-            <a:off x="838200" y="365125"/>
-            <a:ext cx="7734300" cy="5811838"/>
+            <a:off x="628650" y="365125"/>
+            <a:ext cx="5800725" cy="5811838"/>
           </a:xfrm>
         </p:spPr>
         <p:txBody>
@@ -687,18 +1145,13 @@
               <a:rPr lang="en-US"/>
               <a:t>Fifth level</a:t>
             </a:r>
-          </a:p>
-        </p:txBody>
-      </p:sp>
-      <p:sp>
-        <p:nvSpPr>
-          <p:cNvPr id="4" name="Date Placeholder 3">
-            <a:extLst>
-              <a:ext uri="{FF2B5EF4-FFF2-40B4-BE49-F238E27FC236}">
-                <a16:creationId xmlns:a16="http://schemas.microsoft.com/office/drawing/2014/main" id="{AC18B839-3AA0-06F9-D1EB-3CA3EF23F7E5}"/>
-              </a:ext>
-            </a:extLst>
-          </p:cNvPr>
+            <a:endParaRPr lang="en-US" dirty="0"/>
+          </a:p>
+        </p:txBody>
+      </p:sp>
+      <p:sp>
+        <p:nvSpPr>
+          <p:cNvPr id="4" name="Date Placeholder 3"/>
           <p:cNvSpPr>
             <a:spLocks noGrp="1"/>
           </p:cNvSpPr>
@@ -713,7 +1166,7 @@
           <a:p>
             <a:fld id="{FFB54A5F-3255-4218-9BCB-8C6EAB0F2463}" type="datetimeFigureOut">
               <a:rPr lang="en-US" smtClean="0"/>
-              <a:t>3/14/2023</a:t>
+              <a:t>3/20/2023</a:t>
             </a:fld>
             <a:endParaRPr lang="en-US"/>
           </a:p>
@@ -721,13 +1174,7 @@
       </p:sp>
       <p:sp>
         <p:nvSpPr>
-          <p:cNvPr id="5" name="Footer Placeholder 4">
-            <a:extLst>
-              <a:ext uri="{FF2B5EF4-FFF2-40B4-BE49-F238E27FC236}">
-                <a16:creationId xmlns:a16="http://schemas.microsoft.com/office/drawing/2014/main" id="{154E6159-C590-9BB8-3A33-26218894506D}"/>
-              </a:ext>
-            </a:extLst>
-          </p:cNvPr>
+          <p:cNvPr id="5" name="Footer Placeholder 4"/>
           <p:cNvSpPr>
             <a:spLocks noGrp="1"/>
           </p:cNvSpPr>
@@ -746,13 +1193,7 @@
       </p:sp>
       <p:sp>
         <p:nvSpPr>
-          <p:cNvPr id="6" name="Slide Number Placeholder 5">
-            <a:extLst>
-              <a:ext uri="{FF2B5EF4-FFF2-40B4-BE49-F238E27FC236}">
-                <a16:creationId xmlns:a16="http://schemas.microsoft.com/office/drawing/2014/main" id="{F2974B82-BB19-6E0A-B2EB-DF253B450481}"/>
-              </a:ext>
-            </a:extLst>
-          </p:cNvPr>
+          <p:cNvPr id="6" name="Slide Number Placeholder 5"/>
           <p:cNvSpPr>
             <a:spLocks noGrp="1"/>
           </p:cNvSpPr>
@@ -776,7 +1217,7 @@
     </p:spTree>
     <p:extLst>
       <p:ext uri="{BB962C8B-B14F-4D97-AF65-F5344CB8AC3E}">
-        <p14:creationId xmlns:p14="http://schemas.microsoft.com/office/powerpoint/2010/main" val="3470515479"/>
+        <p14:creationId xmlns:p14="http://schemas.microsoft.com/office/powerpoint/2010/main" val="2878340625"/>
       </p:ext>
     </p:extLst>
   </p:cSld>
@@ -805,13 +1246,7 @@
       </p:grpSpPr>
       <p:sp>
         <p:nvSpPr>
-          <p:cNvPr id="2" name="Title 1">
-            <a:extLst>
-              <a:ext uri="{FF2B5EF4-FFF2-40B4-BE49-F238E27FC236}">
-                <a16:creationId xmlns:a16="http://schemas.microsoft.com/office/drawing/2014/main" id="{E182419D-5BA2-4210-E1F6-1AFBB95A8449}"/>
-              </a:ext>
-            </a:extLst>
-          </p:cNvPr>
+          <p:cNvPr id="2" name="Title 1"/>
           <p:cNvSpPr>
             <a:spLocks noGrp="1"/>
           </p:cNvSpPr>
@@ -828,18 +1263,13 @@
               <a:rPr lang="en-US"/>
               <a:t>Click to edit Master title style</a:t>
             </a:r>
-          </a:p>
-        </p:txBody>
-      </p:sp>
-      <p:sp>
-        <p:nvSpPr>
-          <p:cNvPr id="3" name="Content Placeholder 2">
-            <a:extLst>
-              <a:ext uri="{FF2B5EF4-FFF2-40B4-BE49-F238E27FC236}">
-                <a16:creationId xmlns:a16="http://schemas.microsoft.com/office/drawing/2014/main" id="{57CA6406-F256-CF56-170B-C5795C7AC79E}"/>
-              </a:ext>
-            </a:extLst>
-          </p:cNvPr>
+            <a:endParaRPr lang="en-US" dirty="0"/>
+          </a:p>
+        </p:txBody>
+      </p:sp>
+      <p:sp>
+        <p:nvSpPr>
+          <p:cNvPr id="3" name="Content Placeholder 2"/>
           <p:cNvSpPr>
             <a:spLocks noGrp="1"/>
           </p:cNvSpPr>
@@ -885,18 +1315,13 @@
               <a:rPr lang="en-US"/>
               <a:t>Fifth level</a:t>
             </a:r>
-          </a:p>
-        </p:txBody>
-      </p:sp>
-      <p:sp>
-        <p:nvSpPr>
-          <p:cNvPr id="4" name="Date Placeholder 3">
-            <a:extLst>
-              <a:ext uri="{FF2B5EF4-FFF2-40B4-BE49-F238E27FC236}">
-                <a16:creationId xmlns:a16="http://schemas.microsoft.com/office/drawing/2014/main" id="{BB7E1F02-EC84-7974-F2AC-673C9CFB540F}"/>
-              </a:ext>
-            </a:extLst>
-          </p:cNvPr>
+            <a:endParaRPr lang="en-US" dirty="0"/>
+          </a:p>
+        </p:txBody>
+      </p:sp>
+      <p:sp>
+        <p:nvSpPr>
+          <p:cNvPr id="4" name="Date Placeholder 3"/>
           <p:cNvSpPr>
             <a:spLocks noGrp="1"/>
           </p:cNvSpPr>
@@ -911,7 +1336,7 @@
           <a:p>
             <a:fld id="{FFB54A5F-3255-4218-9BCB-8C6EAB0F2463}" type="datetimeFigureOut">
               <a:rPr lang="en-US" smtClean="0"/>
-              <a:t>3/14/2023</a:t>
+              <a:t>3/20/2023</a:t>
             </a:fld>
             <a:endParaRPr lang="en-US"/>
           </a:p>
@@ -919,13 +1344,7 @@
       </p:sp>
       <p:sp>
         <p:nvSpPr>
-          <p:cNvPr id="5" name="Footer Placeholder 4">
-            <a:extLst>
-              <a:ext uri="{FF2B5EF4-FFF2-40B4-BE49-F238E27FC236}">
-                <a16:creationId xmlns:a16="http://schemas.microsoft.com/office/drawing/2014/main" id="{49779F90-1C84-0497-8900-7826AF232478}"/>
-              </a:ext>
-            </a:extLst>
-          </p:cNvPr>
+          <p:cNvPr id="5" name="Footer Placeholder 4"/>
           <p:cNvSpPr>
             <a:spLocks noGrp="1"/>
           </p:cNvSpPr>
@@ -944,13 +1363,7 @@
       </p:sp>
       <p:sp>
         <p:nvSpPr>
-          <p:cNvPr id="6" name="Slide Number Placeholder 5">
-            <a:extLst>
-              <a:ext uri="{FF2B5EF4-FFF2-40B4-BE49-F238E27FC236}">
-                <a16:creationId xmlns:a16="http://schemas.microsoft.com/office/drawing/2014/main" id="{1FB88441-9E5E-2745-0601-CF08A64C684F}"/>
-              </a:ext>
-            </a:extLst>
-          </p:cNvPr>
+          <p:cNvPr id="6" name="Slide Number Placeholder 5"/>
           <p:cNvSpPr>
             <a:spLocks noGrp="1"/>
           </p:cNvSpPr>
@@ -974,7 +1387,7 @@
     </p:spTree>
     <p:extLst>
       <p:ext uri="{BB962C8B-B14F-4D97-AF65-F5344CB8AC3E}">
-        <p14:creationId xmlns:p14="http://schemas.microsoft.com/office/powerpoint/2010/main" val="1668186197"/>
+        <p14:creationId xmlns:p14="http://schemas.microsoft.com/office/powerpoint/2010/main" val="1870621768"/>
       </p:ext>
     </p:extLst>
   </p:cSld>
@@ -1003,13 +1416,7 @@
       </p:grpSpPr>
       <p:sp>
         <p:nvSpPr>
-          <p:cNvPr id="2" name="Title 1">
-            <a:extLst>
-              <a:ext uri="{FF2B5EF4-FFF2-40B4-BE49-F238E27FC236}">
-                <a16:creationId xmlns:a16="http://schemas.microsoft.com/office/drawing/2014/main" id="{D1EA1319-FB5F-FE3D-B09D-BDA9B08FBC00}"/>
-              </a:ext>
-            </a:extLst>
-          </p:cNvPr>
+          <p:cNvPr id="2" name="Title 1"/>
           <p:cNvSpPr>
             <a:spLocks noGrp="1"/>
           </p:cNvSpPr>
@@ -1019,8 +1426,8 @@
         </p:nvSpPr>
         <p:spPr>
           <a:xfrm>
-            <a:off x="831850" y="1709738"/>
-            <a:ext cx="10515600" cy="2852737"/>
+            <a:off x="623888" y="1709739"/>
+            <a:ext cx="7886700" cy="2852737"/>
           </a:xfrm>
         </p:spPr>
         <p:txBody>
@@ -1035,18 +1442,13 @@
               <a:rPr lang="en-US"/>
               <a:t>Click to edit Master title style</a:t>
             </a:r>
-          </a:p>
-        </p:txBody>
-      </p:sp>
-      <p:sp>
-        <p:nvSpPr>
-          <p:cNvPr id="3" name="Text Placeholder 2">
-            <a:extLst>
-              <a:ext uri="{FF2B5EF4-FFF2-40B4-BE49-F238E27FC236}">
-                <a16:creationId xmlns:a16="http://schemas.microsoft.com/office/drawing/2014/main" id="{9ED60314-6063-4B99-4B0A-300409CC95DB}"/>
-              </a:ext>
-            </a:extLst>
-          </p:cNvPr>
+            <a:endParaRPr lang="en-US" dirty="0"/>
+          </a:p>
+        </p:txBody>
+      </p:sp>
+      <p:sp>
+        <p:nvSpPr>
+          <p:cNvPr id="3" name="Text Placeholder 2"/>
           <p:cNvSpPr>
             <a:spLocks noGrp="1"/>
           </p:cNvSpPr>
@@ -1056,8 +1458,8 @@
         </p:nvSpPr>
         <p:spPr>
           <a:xfrm>
-            <a:off x="831850" y="4589463"/>
-            <a:ext cx="10515600" cy="1500187"/>
+            <a:off x="623888" y="4589464"/>
+            <a:ext cx="7886700" cy="1500187"/>
           </a:xfrm>
         </p:spPr>
         <p:txBody>
@@ -1067,9 +1469,7 @@
               <a:buNone/>
               <a:defRPr sz="2400">
                 <a:solidFill>
-                  <a:schemeClr val="tx1">
-                    <a:tint val="75000"/>
-                  </a:schemeClr>
+                  <a:schemeClr val="tx1"/>
                 </a:solidFill>
               </a:defRPr>
             </a:lvl1pPr>
@@ -1165,13 +1565,7 @@
       </p:sp>
       <p:sp>
         <p:nvSpPr>
-          <p:cNvPr id="4" name="Date Placeholder 3">
-            <a:extLst>
-              <a:ext uri="{FF2B5EF4-FFF2-40B4-BE49-F238E27FC236}">
-                <a16:creationId xmlns:a16="http://schemas.microsoft.com/office/drawing/2014/main" id="{947F5254-C969-A9DC-1A10-93EA35A0A019}"/>
-              </a:ext>
-            </a:extLst>
-          </p:cNvPr>
+          <p:cNvPr id="4" name="Date Placeholder 3"/>
           <p:cNvSpPr>
             <a:spLocks noGrp="1"/>
           </p:cNvSpPr>
@@ -1186,7 +1580,7 @@
           <a:p>
             <a:fld id="{FFB54A5F-3255-4218-9BCB-8C6EAB0F2463}" type="datetimeFigureOut">
               <a:rPr lang="en-US" smtClean="0"/>
-              <a:t>3/14/2023</a:t>
+              <a:t>3/20/2023</a:t>
             </a:fld>
             <a:endParaRPr lang="en-US"/>
           </a:p>
@@ -1194,13 +1588,7 @@
       </p:sp>
       <p:sp>
         <p:nvSpPr>
-          <p:cNvPr id="5" name="Footer Placeholder 4">
-            <a:extLst>
-              <a:ext uri="{FF2B5EF4-FFF2-40B4-BE49-F238E27FC236}">
-                <a16:creationId xmlns:a16="http://schemas.microsoft.com/office/drawing/2014/main" id="{63CA06C6-7093-500C-A546-66A997BF67A7}"/>
-              </a:ext>
-            </a:extLst>
-          </p:cNvPr>
+          <p:cNvPr id="5" name="Footer Placeholder 4"/>
           <p:cNvSpPr>
             <a:spLocks noGrp="1"/>
           </p:cNvSpPr>
@@ -1219,13 +1607,7 @@
       </p:sp>
       <p:sp>
         <p:nvSpPr>
-          <p:cNvPr id="6" name="Slide Number Placeholder 5">
-            <a:extLst>
-              <a:ext uri="{FF2B5EF4-FFF2-40B4-BE49-F238E27FC236}">
-                <a16:creationId xmlns:a16="http://schemas.microsoft.com/office/drawing/2014/main" id="{1AD6BDCF-0587-64A2-FE95-B90B2E1BE82E}"/>
-              </a:ext>
-            </a:extLst>
-          </p:cNvPr>
+          <p:cNvPr id="6" name="Slide Number Placeholder 5"/>
           <p:cNvSpPr>
             <a:spLocks noGrp="1"/>
           </p:cNvSpPr>
@@ -1249,7 +1631,7 @@
     </p:spTree>
     <p:extLst>
       <p:ext uri="{BB962C8B-B14F-4D97-AF65-F5344CB8AC3E}">
-        <p14:creationId xmlns:p14="http://schemas.microsoft.com/office/powerpoint/2010/main" val="3874803781"/>
+        <p14:creationId xmlns:p14="http://schemas.microsoft.com/office/powerpoint/2010/main" val="124250887"/>
       </p:ext>
     </p:extLst>
   </p:cSld>
@@ -1278,13 +1660,7 @@
       </p:grpSpPr>
       <p:sp>
         <p:nvSpPr>
-          <p:cNvPr id="2" name="Title 1">
-            <a:extLst>
-              <a:ext uri="{FF2B5EF4-FFF2-40B4-BE49-F238E27FC236}">
-                <a16:creationId xmlns:a16="http://schemas.microsoft.com/office/drawing/2014/main" id="{F9A1C691-275D-D21F-FF36-77AC3155CB10}"/>
-              </a:ext>
-            </a:extLst>
-          </p:cNvPr>
+          <p:cNvPr id="2" name="Title 1"/>
           <p:cNvSpPr>
             <a:spLocks noGrp="1"/>
           </p:cNvSpPr>
@@ -1301,18 +1677,13 @@
               <a:rPr lang="en-US"/>
               <a:t>Click to edit Master title style</a:t>
             </a:r>
-          </a:p>
-        </p:txBody>
-      </p:sp>
-      <p:sp>
-        <p:nvSpPr>
-          <p:cNvPr id="3" name="Content Placeholder 2">
-            <a:extLst>
-              <a:ext uri="{FF2B5EF4-FFF2-40B4-BE49-F238E27FC236}">
-                <a16:creationId xmlns:a16="http://schemas.microsoft.com/office/drawing/2014/main" id="{FA06FB5D-603C-F9E2-3969-2968B43ECCFF}"/>
-              </a:ext>
-            </a:extLst>
-          </p:cNvPr>
+            <a:endParaRPr lang="en-US" dirty="0"/>
+          </a:p>
+        </p:txBody>
+      </p:sp>
+      <p:sp>
+        <p:nvSpPr>
+          <p:cNvPr id="3" name="Content Placeholder 2"/>
           <p:cNvSpPr>
             <a:spLocks noGrp="1"/>
           </p:cNvSpPr>
@@ -1322,8 +1693,8 @@
         </p:nvSpPr>
         <p:spPr>
           <a:xfrm>
-            <a:off x="838200" y="1825625"/>
-            <a:ext cx="5181600" cy="4351338"/>
+            <a:off x="628650" y="1825625"/>
+            <a:ext cx="3886200" cy="4351338"/>
           </a:xfrm>
         </p:spPr>
         <p:txBody>
@@ -1363,18 +1734,13 @@
               <a:rPr lang="en-US"/>
               <a:t>Fifth level</a:t>
             </a:r>
-          </a:p>
-        </p:txBody>
-      </p:sp>
-      <p:sp>
-        <p:nvSpPr>
-          <p:cNvPr id="4" name="Content Placeholder 3">
-            <a:extLst>
-              <a:ext uri="{FF2B5EF4-FFF2-40B4-BE49-F238E27FC236}">
-                <a16:creationId xmlns:a16="http://schemas.microsoft.com/office/drawing/2014/main" id="{09804D1C-1637-29D7-0FB2-7A3D1F0FC06A}"/>
-              </a:ext>
-            </a:extLst>
-          </p:cNvPr>
+            <a:endParaRPr lang="en-US" dirty="0"/>
+          </a:p>
+        </p:txBody>
+      </p:sp>
+      <p:sp>
+        <p:nvSpPr>
+          <p:cNvPr id="4" name="Content Placeholder 3"/>
           <p:cNvSpPr>
             <a:spLocks noGrp="1"/>
           </p:cNvSpPr>
@@ -1384,8 +1750,8 @@
         </p:nvSpPr>
         <p:spPr>
           <a:xfrm>
-            <a:off x="6172200" y="1825625"/>
-            <a:ext cx="5181600" cy="4351338"/>
+            <a:off x="4629150" y="1825625"/>
+            <a:ext cx="3886200" cy="4351338"/>
           </a:xfrm>
         </p:spPr>
         <p:txBody>
@@ -1425,18 +1791,13 @@
               <a:rPr lang="en-US"/>
               <a:t>Fifth level</a:t>
             </a:r>
-          </a:p>
-        </p:txBody>
-      </p:sp>
-      <p:sp>
-        <p:nvSpPr>
-          <p:cNvPr id="5" name="Date Placeholder 4">
-            <a:extLst>
-              <a:ext uri="{FF2B5EF4-FFF2-40B4-BE49-F238E27FC236}">
-                <a16:creationId xmlns:a16="http://schemas.microsoft.com/office/drawing/2014/main" id="{ECC30434-9E33-C719-13D2-E67059D68243}"/>
-              </a:ext>
-            </a:extLst>
-          </p:cNvPr>
+            <a:endParaRPr lang="en-US" dirty="0"/>
+          </a:p>
+        </p:txBody>
+      </p:sp>
+      <p:sp>
+        <p:nvSpPr>
+          <p:cNvPr id="5" name="Date Placeholder 4"/>
           <p:cNvSpPr>
             <a:spLocks noGrp="1"/>
           </p:cNvSpPr>
@@ -1451,7 +1812,7 @@
           <a:p>
             <a:fld id="{FFB54A5F-3255-4218-9BCB-8C6EAB0F2463}" type="datetimeFigureOut">
               <a:rPr lang="en-US" smtClean="0"/>
-              <a:t>3/14/2023</a:t>
+              <a:t>3/20/2023</a:t>
             </a:fld>
             <a:endParaRPr lang="en-US"/>
           </a:p>
@@ -1459,13 +1820,7 @@
       </p:sp>
       <p:sp>
         <p:nvSpPr>
-          <p:cNvPr id="6" name="Footer Placeholder 5">
-            <a:extLst>
-              <a:ext uri="{FF2B5EF4-FFF2-40B4-BE49-F238E27FC236}">
-                <a16:creationId xmlns:a16="http://schemas.microsoft.com/office/drawing/2014/main" id="{2D695AB6-6330-4B69-1E61-F1C2D0934ABD}"/>
-              </a:ext>
-            </a:extLst>
-          </p:cNvPr>
+          <p:cNvPr id="6" name="Footer Placeholder 5"/>
           <p:cNvSpPr>
             <a:spLocks noGrp="1"/>
           </p:cNvSpPr>
@@ -1484,13 +1839,7 @@
       </p:sp>
       <p:sp>
         <p:nvSpPr>
-          <p:cNvPr id="7" name="Slide Number Placeholder 6">
-            <a:extLst>
-              <a:ext uri="{FF2B5EF4-FFF2-40B4-BE49-F238E27FC236}">
-                <a16:creationId xmlns:a16="http://schemas.microsoft.com/office/drawing/2014/main" id="{434ECA6D-8344-D879-5EB6-7B1B63FD741F}"/>
-              </a:ext>
-            </a:extLst>
-          </p:cNvPr>
+          <p:cNvPr id="7" name="Slide Number Placeholder 6"/>
           <p:cNvSpPr>
             <a:spLocks noGrp="1"/>
           </p:cNvSpPr>
@@ -1514,7 +1863,7 @@
     </p:spTree>
     <p:extLst>
       <p:ext uri="{BB962C8B-B14F-4D97-AF65-F5344CB8AC3E}">
-        <p14:creationId xmlns:p14="http://schemas.microsoft.com/office/powerpoint/2010/main" val="130710047"/>
+        <p14:creationId xmlns:p14="http://schemas.microsoft.com/office/powerpoint/2010/main" val="2952914809"/>
       </p:ext>
     </p:extLst>
   </p:cSld>
@@ -1543,13 +1892,7 @@
       </p:grpSpPr>
       <p:sp>
         <p:nvSpPr>
-          <p:cNvPr id="2" name="Title 1">
-            <a:extLst>
-              <a:ext uri="{FF2B5EF4-FFF2-40B4-BE49-F238E27FC236}">
-                <a16:creationId xmlns:a16="http://schemas.microsoft.com/office/drawing/2014/main" id="{B9786C73-74F7-595A-7CD9-1B14AF055313}"/>
-              </a:ext>
-            </a:extLst>
-          </p:cNvPr>
+          <p:cNvPr id="2" name="Title 1"/>
           <p:cNvSpPr>
             <a:spLocks noGrp="1"/>
           </p:cNvSpPr>
@@ -1559,8 +1902,8 @@
         </p:nvSpPr>
         <p:spPr>
           <a:xfrm>
-            <a:off x="839788" y="365125"/>
-            <a:ext cx="10515600" cy="1325563"/>
+            <a:off x="629841" y="365126"/>
+            <a:ext cx="7886700" cy="1325563"/>
           </a:xfrm>
         </p:spPr>
         <p:txBody>
@@ -1571,18 +1914,13 @@
               <a:rPr lang="en-US"/>
               <a:t>Click to edit Master title style</a:t>
             </a:r>
-          </a:p>
-        </p:txBody>
-      </p:sp>
-      <p:sp>
-        <p:nvSpPr>
-          <p:cNvPr id="3" name="Text Placeholder 2">
-            <a:extLst>
-              <a:ext uri="{FF2B5EF4-FFF2-40B4-BE49-F238E27FC236}">
-                <a16:creationId xmlns:a16="http://schemas.microsoft.com/office/drawing/2014/main" id="{B4BF84E1-69B2-DB3B-6BD9-9205BF7EEAA3}"/>
-              </a:ext>
-            </a:extLst>
-          </p:cNvPr>
+            <a:endParaRPr lang="en-US" dirty="0"/>
+          </a:p>
+        </p:txBody>
+      </p:sp>
+      <p:sp>
+        <p:nvSpPr>
+          <p:cNvPr id="3" name="Text Placeholder 2"/>
           <p:cNvSpPr>
             <a:spLocks noGrp="1"/>
           </p:cNvSpPr>
@@ -1592,8 +1930,8 @@
         </p:nvSpPr>
         <p:spPr>
           <a:xfrm>
-            <a:off x="839788" y="1681163"/>
-            <a:ext cx="5157787" cy="823912"/>
+            <a:off x="629842" y="1681163"/>
+            <a:ext cx="3868340" cy="823912"/>
           </a:xfrm>
         </p:spPr>
         <p:txBody>
@@ -1647,13 +1985,7 @@
       </p:sp>
       <p:sp>
         <p:nvSpPr>
-          <p:cNvPr id="4" name="Content Placeholder 3">
-            <a:extLst>
-              <a:ext uri="{FF2B5EF4-FFF2-40B4-BE49-F238E27FC236}">
-                <a16:creationId xmlns:a16="http://schemas.microsoft.com/office/drawing/2014/main" id="{D5AE7A8C-390D-E28B-DA9F-8D9805916E2A}"/>
-              </a:ext>
-            </a:extLst>
-          </p:cNvPr>
+          <p:cNvPr id="4" name="Content Placeholder 3"/>
           <p:cNvSpPr>
             <a:spLocks noGrp="1"/>
           </p:cNvSpPr>
@@ -1663,8 +1995,8 @@
         </p:nvSpPr>
         <p:spPr>
           <a:xfrm>
-            <a:off x="839788" y="2505075"/>
-            <a:ext cx="5157787" cy="3684588"/>
+            <a:off x="629842" y="2505075"/>
+            <a:ext cx="3868340" cy="3684588"/>
           </a:xfrm>
         </p:spPr>
         <p:txBody>
@@ -1704,18 +2036,13 @@
               <a:rPr lang="en-US"/>
               <a:t>Fifth level</a:t>
             </a:r>
-          </a:p>
-        </p:txBody>
-      </p:sp>
-      <p:sp>
-        <p:nvSpPr>
-          <p:cNvPr id="5" name="Text Placeholder 4">
-            <a:extLst>
-              <a:ext uri="{FF2B5EF4-FFF2-40B4-BE49-F238E27FC236}">
-                <a16:creationId xmlns:a16="http://schemas.microsoft.com/office/drawing/2014/main" id="{5DCCF450-3E86-FDB0-579B-C58F27E67510}"/>
-              </a:ext>
-            </a:extLst>
-          </p:cNvPr>
+            <a:endParaRPr lang="en-US" dirty="0"/>
+          </a:p>
+        </p:txBody>
+      </p:sp>
+      <p:sp>
+        <p:nvSpPr>
+          <p:cNvPr id="5" name="Text Placeholder 4"/>
           <p:cNvSpPr>
             <a:spLocks noGrp="1"/>
           </p:cNvSpPr>
@@ -1725,8 +2052,8 @@
         </p:nvSpPr>
         <p:spPr>
           <a:xfrm>
-            <a:off x="6172200" y="1681163"/>
-            <a:ext cx="5183188" cy="823912"/>
+            <a:off x="4629150" y="1681163"/>
+            <a:ext cx="3887391" cy="823912"/>
           </a:xfrm>
         </p:spPr>
         <p:txBody>
@@ -1780,13 +2107,7 @@
       </p:sp>
       <p:sp>
         <p:nvSpPr>
-          <p:cNvPr id="6" name="Content Placeholder 5">
-            <a:extLst>
-              <a:ext uri="{FF2B5EF4-FFF2-40B4-BE49-F238E27FC236}">
-                <a16:creationId xmlns:a16="http://schemas.microsoft.com/office/drawing/2014/main" id="{4C468AED-695D-0A3A-CE25-E04C65ADF77E}"/>
-              </a:ext>
-            </a:extLst>
-          </p:cNvPr>
+          <p:cNvPr id="6" name="Content Placeholder 5"/>
           <p:cNvSpPr>
             <a:spLocks noGrp="1"/>
           </p:cNvSpPr>
@@ -1796,8 +2117,8 @@
         </p:nvSpPr>
         <p:spPr>
           <a:xfrm>
-            <a:off x="6172200" y="2505075"/>
-            <a:ext cx="5183188" cy="3684588"/>
+            <a:off x="4629150" y="2505075"/>
+            <a:ext cx="3887391" cy="3684588"/>
           </a:xfrm>
         </p:spPr>
         <p:txBody>
@@ -1837,18 +2158,13 @@
               <a:rPr lang="en-US"/>
               <a:t>Fifth level</a:t>
             </a:r>
-          </a:p>
-        </p:txBody>
-      </p:sp>
-      <p:sp>
-        <p:nvSpPr>
-          <p:cNvPr id="7" name="Date Placeholder 6">
-            <a:extLst>
-              <a:ext uri="{FF2B5EF4-FFF2-40B4-BE49-F238E27FC236}">
-                <a16:creationId xmlns:a16="http://schemas.microsoft.com/office/drawing/2014/main" id="{2B01E77A-5F88-66CD-8486-132D57579CF1}"/>
-              </a:ext>
-            </a:extLst>
-          </p:cNvPr>
+            <a:endParaRPr lang="en-US" dirty="0"/>
+          </a:p>
+        </p:txBody>
+      </p:sp>
+      <p:sp>
+        <p:nvSpPr>
+          <p:cNvPr id="7" name="Date Placeholder 6"/>
           <p:cNvSpPr>
             <a:spLocks noGrp="1"/>
           </p:cNvSpPr>
@@ -1863,7 +2179,7 @@
           <a:p>
             <a:fld id="{FFB54A5F-3255-4218-9BCB-8C6EAB0F2463}" type="datetimeFigureOut">
               <a:rPr lang="en-US" smtClean="0"/>
-              <a:t>3/14/2023</a:t>
+              <a:t>3/20/2023</a:t>
             </a:fld>
             <a:endParaRPr lang="en-US"/>
           </a:p>
@@ -1871,13 +2187,7 @@
       </p:sp>
       <p:sp>
         <p:nvSpPr>
-          <p:cNvPr id="8" name="Footer Placeholder 7">
-            <a:extLst>
-              <a:ext uri="{FF2B5EF4-FFF2-40B4-BE49-F238E27FC236}">
-                <a16:creationId xmlns:a16="http://schemas.microsoft.com/office/drawing/2014/main" id="{F72031AD-868B-3E7C-0B5A-F25B366FB508}"/>
-              </a:ext>
-            </a:extLst>
-          </p:cNvPr>
+          <p:cNvPr id="8" name="Footer Placeholder 7"/>
           <p:cNvSpPr>
             <a:spLocks noGrp="1"/>
           </p:cNvSpPr>
@@ -1896,13 +2206,7 @@
       </p:sp>
       <p:sp>
         <p:nvSpPr>
-          <p:cNvPr id="9" name="Slide Number Placeholder 8">
-            <a:extLst>
-              <a:ext uri="{FF2B5EF4-FFF2-40B4-BE49-F238E27FC236}">
-                <a16:creationId xmlns:a16="http://schemas.microsoft.com/office/drawing/2014/main" id="{59909214-7E0B-3663-87ED-9CF9F4590C45}"/>
-              </a:ext>
-            </a:extLst>
-          </p:cNvPr>
+          <p:cNvPr id="9" name="Slide Number Placeholder 8"/>
           <p:cNvSpPr>
             <a:spLocks noGrp="1"/>
           </p:cNvSpPr>
@@ -1926,7 +2230,7 @@
     </p:spTree>
     <p:extLst>
       <p:ext uri="{BB962C8B-B14F-4D97-AF65-F5344CB8AC3E}">
-        <p14:creationId xmlns:p14="http://schemas.microsoft.com/office/powerpoint/2010/main" val="1026232434"/>
+        <p14:creationId xmlns:p14="http://schemas.microsoft.com/office/powerpoint/2010/main" val="977383090"/>
       </p:ext>
     </p:extLst>
   </p:cSld>
@@ -1955,13 +2259,7 @@
       </p:grpSpPr>
       <p:sp>
         <p:nvSpPr>
-          <p:cNvPr id="2" name="Title 1">
-            <a:extLst>
-              <a:ext uri="{FF2B5EF4-FFF2-40B4-BE49-F238E27FC236}">
-                <a16:creationId xmlns:a16="http://schemas.microsoft.com/office/drawing/2014/main" id="{7F30D6FB-A629-6BCE-61DE-1667C7C25067}"/>
-              </a:ext>
-            </a:extLst>
-          </p:cNvPr>
+          <p:cNvPr id="2" name="Title 1"/>
           <p:cNvSpPr>
             <a:spLocks noGrp="1"/>
           </p:cNvSpPr>
@@ -1978,18 +2276,13 @@
               <a:rPr lang="en-US"/>
               <a:t>Click to edit Master title style</a:t>
             </a:r>
-          </a:p>
-        </p:txBody>
-      </p:sp>
-      <p:sp>
-        <p:nvSpPr>
-          <p:cNvPr id="3" name="Date Placeholder 2">
-            <a:extLst>
-              <a:ext uri="{FF2B5EF4-FFF2-40B4-BE49-F238E27FC236}">
-                <a16:creationId xmlns:a16="http://schemas.microsoft.com/office/drawing/2014/main" id="{1D792D51-CFDA-EFC5-57CF-EBB6F146E793}"/>
-              </a:ext>
-            </a:extLst>
-          </p:cNvPr>
+            <a:endParaRPr lang="en-US" dirty="0"/>
+          </a:p>
+        </p:txBody>
+      </p:sp>
+      <p:sp>
+        <p:nvSpPr>
+          <p:cNvPr id="3" name="Date Placeholder 2"/>
           <p:cNvSpPr>
             <a:spLocks noGrp="1"/>
           </p:cNvSpPr>
@@ -2004,7 +2297,7 @@
           <a:p>
             <a:fld id="{FFB54A5F-3255-4218-9BCB-8C6EAB0F2463}" type="datetimeFigureOut">
               <a:rPr lang="en-US" smtClean="0"/>
-              <a:t>3/14/2023</a:t>
+              <a:t>3/20/2023</a:t>
             </a:fld>
             <a:endParaRPr lang="en-US"/>
           </a:p>
@@ -2012,13 +2305,7 @@
       </p:sp>
       <p:sp>
         <p:nvSpPr>
-          <p:cNvPr id="4" name="Footer Placeholder 3">
-            <a:extLst>
-              <a:ext uri="{FF2B5EF4-FFF2-40B4-BE49-F238E27FC236}">
-                <a16:creationId xmlns:a16="http://schemas.microsoft.com/office/drawing/2014/main" id="{BE6B8B5C-BE4E-4568-5B2E-A307F5AEA09D}"/>
-              </a:ext>
-            </a:extLst>
-          </p:cNvPr>
+          <p:cNvPr id="4" name="Footer Placeholder 3"/>
           <p:cNvSpPr>
             <a:spLocks noGrp="1"/>
           </p:cNvSpPr>
@@ -2037,13 +2324,7 @@
       </p:sp>
       <p:sp>
         <p:nvSpPr>
-          <p:cNvPr id="5" name="Slide Number Placeholder 4">
-            <a:extLst>
-              <a:ext uri="{FF2B5EF4-FFF2-40B4-BE49-F238E27FC236}">
-                <a16:creationId xmlns:a16="http://schemas.microsoft.com/office/drawing/2014/main" id="{91EE3557-D13F-9410-A96E-0998BB533A5D}"/>
-              </a:ext>
-            </a:extLst>
-          </p:cNvPr>
+          <p:cNvPr id="5" name="Slide Number Placeholder 4"/>
           <p:cNvSpPr>
             <a:spLocks noGrp="1"/>
           </p:cNvSpPr>
@@ -2067,7 +2348,7 @@
     </p:spTree>
     <p:extLst>
       <p:ext uri="{BB962C8B-B14F-4D97-AF65-F5344CB8AC3E}">
-        <p14:creationId xmlns:p14="http://schemas.microsoft.com/office/powerpoint/2010/main" val="1258808523"/>
+        <p14:creationId xmlns:p14="http://schemas.microsoft.com/office/powerpoint/2010/main" val="2515220094"/>
       </p:ext>
     </p:extLst>
   </p:cSld>
@@ -2096,13 +2377,7 @@
       </p:grpSpPr>
       <p:sp>
         <p:nvSpPr>
-          <p:cNvPr id="2" name="Date Placeholder 1">
-            <a:extLst>
-              <a:ext uri="{FF2B5EF4-FFF2-40B4-BE49-F238E27FC236}">
-                <a16:creationId xmlns:a16="http://schemas.microsoft.com/office/drawing/2014/main" id="{C333DE51-E3D6-8E88-6756-B7445E63665A}"/>
-              </a:ext>
-            </a:extLst>
-          </p:cNvPr>
+          <p:cNvPr id="2" name="Date Placeholder 1"/>
           <p:cNvSpPr>
             <a:spLocks noGrp="1"/>
           </p:cNvSpPr>
@@ -2117,7 +2392,7 @@
           <a:p>
             <a:fld id="{FFB54A5F-3255-4218-9BCB-8C6EAB0F2463}" type="datetimeFigureOut">
               <a:rPr lang="en-US" smtClean="0"/>
-              <a:t>3/14/2023</a:t>
+              <a:t>3/20/2023</a:t>
             </a:fld>
             <a:endParaRPr lang="en-US"/>
           </a:p>
@@ -2125,13 +2400,7 @@
       </p:sp>
       <p:sp>
         <p:nvSpPr>
-          <p:cNvPr id="3" name="Footer Placeholder 2">
-            <a:extLst>
-              <a:ext uri="{FF2B5EF4-FFF2-40B4-BE49-F238E27FC236}">
-                <a16:creationId xmlns:a16="http://schemas.microsoft.com/office/drawing/2014/main" id="{4E557ECE-27EB-D0A0-6ADB-5DC7415605E3}"/>
-              </a:ext>
-            </a:extLst>
-          </p:cNvPr>
+          <p:cNvPr id="3" name="Footer Placeholder 2"/>
           <p:cNvSpPr>
             <a:spLocks noGrp="1"/>
           </p:cNvSpPr>
@@ -2150,13 +2419,7 @@
       </p:sp>
       <p:sp>
         <p:nvSpPr>
-          <p:cNvPr id="4" name="Slide Number Placeholder 3">
-            <a:extLst>
-              <a:ext uri="{FF2B5EF4-FFF2-40B4-BE49-F238E27FC236}">
-                <a16:creationId xmlns:a16="http://schemas.microsoft.com/office/drawing/2014/main" id="{8DB26A91-1F85-E14C-8F9E-816D1C9AB6C4}"/>
-              </a:ext>
-            </a:extLst>
-          </p:cNvPr>
+          <p:cNvPr id="4" name="Slide Number Placeholder 3"/>
           <p:cNvSpPr>
             <a:spLocks noGrp="1"/>
           </p:cNvSpPr>
@@ -2180,7 +2443,7 @@
     </p:spTree>
     <p:extLst>
       <p:ext uri="{BB962C8B-B14F-4D97-AF65-F5344CB8AC3E}">
-        <p14:creationId xmlns:p14="http://schemas.microsoft.com/office/powerpoint/2010/main" val="3318976525"/>
+        <p14:creationId xmlns:p14="http://schemas.microsoft.com/office/powerpoint/2010/main" val="2230154668"/>
       </p:ext>
     </p:extLst>
   </p:cSld>
@@ -2209,13 +2472,7 @@
       </p:grpSpPr>
       <p:sp>
         <p:nvSpPr>
-          <p:cNvPr id="2" name="Title 1">
-            <a:extLst>
-              <a:ext uri="{FF2B5EF4-FFF2-40B4-BE49-F238E27FC236}">
-                <a16:creationId xmlns:a16="http://schemas.microsoft.com/office/drawing/2014/main" id="{34C43E62-F196-5825-5B9B-363BFDE7DFEF}"/>
-              </a:ext>
-            </a:extLst>
-          </p:cNvPr>
+          <p:cNvPr id="2" name="Title 1"/>
           <p:cNvSpPr>
             <a:spLocks noGrp="1"/>
           </p:cNvSpPr>
@@ -2225,8 +2482,8 @@
         </p:nvSpPr>
         <p:spPr>
           <a:xfrm>
-            <a:off x="839788" y="457200"/>
-            <a:ext cx="3932237" cy="1600200"/>
+            <a:off x="629841" y="457200"/>
+            <a:ext cx="2949178" cy="1600200"/>
           </a:xfrm>
         </p:spPr>
         <p:txBody>
@@ -2241,18 +2498,13 @@
               <a:rPr lang="en-US"/>
               <a:t>Click to edit Master title style</a:t>
             </a:r>
-          </a:p>
-        </p:txBody>
-      </p:sp>
-      <p:sp>
-        <p:nvSpPr>
-          <p:cNvPr id="3" name="Content Placeholder 2">
-            <a:extLst>
-              <a:ext uri="{FF2B5EF4-FFF2-40B4-BE49-F238E27FC236}">
-                <a16:creationId xmlns:a16="http://schemas.microsoft.com/office/drawing/2014/main" id="{771853E4-2F7F-AB02-E5EA-E59DBA51EA1F}"/>
-              </a:ext>
-            </a:extLst>
-          </p:cNvPr>
+            <a:endParaRPr lang="en-US" dirty="0"/>
+          </a:p>
+        </p:txBody>
+      </p:sp>
+      <p:sp>
+        <p:nvSpPr>
+          <p:cNvPr id="3" name="Content Placeholder 2"/>
           <p:cNvSpPr>
             <a:spLocks noGrp="1"/>
           </p:cNvSpPr>
@@ -2262,8 +2514,8 @@
         </p:nvSpPr>
         <p:spPr>
           <a:xfrm>
-            <a:off x="5183188" y="987425"/>
-            <a:ext cx="6172200" cy="4873625"/>
+            <a:off x="3887391" y="987426"/>
+            <a:ext cx="4629150" cy="4873625"/>
           </a:xfrm>
         </p:spPr>
         <p:txBody>
@@ -2331,18 +2583,13 @@
               <a:rPr lang="en-US"/>
               <a:t>Fifth level</a:t>
             </a:r>
-          </a:p>
-        </p:txBody>
-      </p:sp>
-      <p:sp>
-        <p:nvSpPr>
-          <p:cNvPr id="4" name="Text Placeholder 3">
-            <a:extLst>
-              <a:ext uri="{FF2B5EF4-FFF2-40B4-BE49-F238E27FC236}">
-                <a16:creationId xmlns:a16="http://schemas.microsoft.com/office/drawing/2014/main" id="{9A1B333E-764A-BE57-5864-86EE491EC294}"/>
-              </a:ext>
-            </a:extLst>
-          </p:cNvPr>
+            <a:endParaRPr lang="en-US" dirty="0"/>
+          </a:p>
+        </p:txBody>
+      </p:sp>
+      <p:sp>
+        <p:nvSpPr>
+          <p:cNvPr id="4" name="Text Placeholder 3"/>
           <p:cNvSpPr>
             <a:spLocks noGrp="1"/>
           </p:cNvSpPr>
@@ -2352,8 +2599,8 @@
         </p:nvSpPr>
         <p:spPr>
           <a:xfrm>
-            <a:off x="839788" y="2057400"/>
-            <a:ext cx="3932237" cy="3811588"/>
+            <a:off x="629841" y="2057400"/>
+            <a:ext cx="2949178" cy="3811588"/>
           </a:xfrm>
         </p:spPr>
         <p:txBody>
@@ -2407,13 +2654,7 @@
       </p:sp>
       <p:sp>
         <p:nvSpPr>
-          <p:cNvPr id="5" name="Date Placeholder 4">
-            <a:extLst>
-              <a:ext uri="{FF2B5EF4-FFF2-40B4-BE49-F238E27FC236}">
-                <a16:creationId xmlns:a16="http://schemas.microsoft.com/office/drawing/2014/main" id="{A1582382-A4A5-8731-28C1-6BABC1924358}"/>
-              </a:ext>
-            </a:extLst>
-          </p:cNvPr>
+          <p:cNvPr id="5" name="Date Placeholder 4"/>
           <p:cNvSpPr>
             <a:spLocks noGrp="1"/>
           </p:cNvSpPr>
@@ -2428,7 +2669,7 @@
           <a:p>
             <a:fld id="{FFB54A5F-3255-4218-9BCB-8C6EAB0F2463}" type="datetimeFigureOut">
               <a:rPr lang="en-US" smtClean="0"/>
-              <a:t>3/14/2023</a:t>
+              <a:t>3/20/2023</a:t>
             </a:fld>
             <a:endParaRPr lang="en-US"/>
           </a:p>
@@ -2436,13 +2677,7 @@
       </p:sp>
       <p:sp>
         <p:nvSpPr>
-          <p:cNvPr id="6" name="Footer Placeholder 5">
-            <a:extLst>
-              <a:ext uri="{FF2B5EF4-FFF2-40B4-BE49-F238E27FC236}">
-                <a16:creationId xmlns:a16="http://schemas.microsoft.com/office/drawing/2014/main" id="{2569F32C-76B8-D5D7-1C73-3280DF32716C}"/>
-              </a:ext>
-            </a:extLst>
-          </p:cNvPr>
+          <p:cNvPr id="6" name="Footer Placeholder 5"/>
           <p:cNvSpPr>
             <a:spLocks noGrp="1"/>
           </p:cNvSpPr>
@@ -2461,13 +2696,7 @@
       </p:sp>
       <p:sp>
         <p:nvSpPr>
-          <p:cNvPr id="7" name="Slide Number Placeholder 6">
-            <a:extLst>
-              <a:ext uri="{FF2B5EF4-FFF2-40B4-BE49-F238E27FC236}">
-                <a16:creationId xmlns:a16="http://schemas.microsoft.com/office/drawing/2014/main" id="{7C7CB9B7-72F2-2179-00B9-625D4BDD015D}"/>
-              </a:ext>
-            </a:extLst>
-          </p:cNvPr>
+          <p:cNvPr id="7" name="Slide Number Placeholder 6"/>
           <p:cNvSpPr>
             <a:spLocks noGrp="1"/>
           </p:cNvSpPr>
@@ -2491,7 +2720,7 @@
     </p:spTree>
     <p:extLst>
       <p:ext uri="{BB962C8B-B14F-4D97-AF65-F5344CB8AC3E}">
-        <p14:creationId xmlns:p14="http://schemas.microsoft.com/office/powerpoint/2010/main" val="2498146183"/>
+        <p14:creationId xmlns:p14="http://schemas.microsoft.com/office/powerpoint/2010/main" val="2236766523"/>
       </p:ext>
     </p:extLst>
   </p:cSld>
@@ -2520,13 +2749,7 @@
       </p:grpSpPr>
       <p:sp>
         <p:nvSpPr>
-          <p:cNvPr id="2" name="Title 1">
-            <a:extLst>
-              <a:ext uri="{FF2B5EF4-FFF2-40B4-BE49-F238E27FC236}">
-                <a16:creationId xmlns:a16="http://schemas.microsoft.com/office/drawing/2014/main" id="{A4172729-F636-5F31-3EF5-C8FA7C17AEB0}"/>
-              </a:ext>
-            </a:extLst>
-          </p:cNvPr>
+          <p:cNvPr id="2" name="Title 1"/>
           <p:cNvSpPr>
             <a:spLocks noGrp="1"/>
           </p:cNvSpPr>
@@ -2536,8 +2759,8 @@
         </p:nvSpPr>
         <p:spPr>
           <a:xfrm>
-            <a:off x="839788" y="457200"/>
-            <a:ext cx="3932237" cy="1600200"/>
+            <a:off x="629841" y="457200"/>
+            <a:ext cx="2949178" cy="1600200"/>
           </a:xfrm>
         </p:spPr>
         <p:txBody>
@@ -2552,20 +2775,15 @@
               <a:rPr lang="en-US"/>
               <a:t>Click to edit Master title style</a:t>
             </a:r>
-          </a:p>
-        </p:txBody>
-      </p:sp>
-      <p:sp>
-        <p:nvSpPr>
-          <p:cNvPr id="3" name="Picture Placeholder 2">
-            <a:extLst>
-              <a:ext uri="{FF2B5EF4-FFF2-40B4-BE49-F238E27FC236}">
-                <a16:creationId xmlns:a16="http://schemas.microsoft.com/office/drawing/2014/main" id="{F9FF316A-6D66-7D36-8711-5CE2FFBC283F}"/>
-              </a:ext>
-            </a:extLst>
-          </p:cNvPr>
-          <p:cNvSpPr>
-            <a:spLocks noGrp="1"/>
+            <a:endParaRPr lang="en-US" dirty="0"/>
+          </a:p>
+        </p:txBody>
+      </p:sp>
+      <p:sp>
+        <p:nvSpPr>
+          <p:cNvPr id="3" name="Picture Placeholder 2"/>
+          <p:cNvSpPr>
+            <a:spLocks noGrp="1" noChangeAspect="1"/>
           </p:cNvSpPr>
           <p:nvPr>
             <p:ph type="pic" idx="1"/>
@@ -2573,12 +2791,12 @@
         </p:nvSpPr>
         <p:spPr>
           <a:xfrm>
-            <a:off x="5183188" y="987425"/>
-            <a:ext cx="6172200" cy="4873625"/>
+            <a:off x="3887391" y="987426"/>
+            <a:ext cx="4629150" cy="4873625"/>
           </a:xfrm>
         </p:spPr>
         <p:txBody>
-          <a:bodyPr/>
+          <a:bodyPr anchor="t"/>
           <a:lstStyle>
             <a:lvl1pPr marL="0" indent="0">
               <a:buNone/>
@@ -2618,19 +2836,17 @@
             </a:lvl9pPr>
           </a:lstStyle>
           <a:p>
-            <a:endParaRPr lang="en-US"/>
-          </a:p>
-        </p:txBody>
-      </p:sp>
-      <p:sp>
-        <p:nvSpPr>
-          <p:cNvPr id="4" name="Text Placeholder 3">
-            <a:extLst>
-              <a:ext uri="{FF2B5EF4-FFF2-40B4-BE49-F238E27FC236}">
-                <a16:creationId xmlns:a16="http://schemas.microsoft.com/office/drawing/2014/main" id="{2A50A328-044C-A50C-9C30-71D2EAF795D7}"/>
-              </a:ext>
-            </a:extLst>
-          </p:cNvPr>
+            <a:r>
+              <a:rPr lang="en-US"/>
+              <a:t>Click icon to add picture</a:t>
+            </a:r>
+            <a:endParaRPr lang="en-US" dirty="0"/>
+          </a:p>
+        </p:txBody>
+      </p:sp>
+      <p:sp>
+        <p:nvSpPr>
+          <p:cNvPr id="4" name="Text Placeholder 3"/>
           <p:cNvSpPr>
             <a:spLocks noGrp="1"/>
           </p:cNvSpPr>
@@ -2640,8 +2856,8 @@
         </p:nvSpPr>
         <p:spPr>
           <a:xfrm>
-            <a:off x="839788" y="2057400"/>
-            <a:ext cx="3932237" cy="3811588"/>
+            <a:off x="629841" y="2057400"/>
+            <a:ext cx="2949178" cy="3811588"/>
           </a:xfrm>
         </p:spPr>
         <p:txBody>
@@ -2695,13 +2911,7 @@
       </p:sp>
       <p:sp>
         <p:nvSpPr>
-          <p:cNvPr id="5" name="Date Placeholder 4">
-            <a:extLst>
-              <a:ext uri="{FF2B5EF4-FFF2-40B4-BE49-F238E27FC236}">
-                <a16:creationId xmlns:a16="http://schemas.microsoft.com/office/drawing/2014/main" id="{177768B1-48F1-2131-9027-EC4C2C06AFA6}"/>
-              </a:ext>
-            </a:extLst>
-          </p:cNvPr>
+          <p:cNvPr id="5" name="Date Placeholder 4"/>
           <p:cNvSpPr>
             <a:spLocks noGrp="1"/>
           </p:cNvSpPr>
@@ -2716,7 +2926,7 @@
           <a:p>
             <a:fld id="{FFB54A5F-3255-4218-9BCB-8C6EAB0F2463}" type="datetimeFigureOut">
               <a:rPr lang="en-US" smtClean="0"/>
-              <a:t>3/14/2023</a:t>
+              <a:t>3/20/2023</a:t>
             </a:fld>
             <a:endParaRPr lang="en-US"/>
           </a:p>
@@ -2724,13 +2934,7 @@
       </p:sp>
       <p:sp>
         <p:nvSpPr>
-          <p:cNvPr id="6" name="Footer Placeholder 5">
-            <a:extLst>
-              <a:ext uri="{FF2B5EF4-FFF2-40B4-BE49-F238E27FC236}">
-                <a16:creationId xmlns:a16="http://schemas.microsoft.com/office/drawing/2014/main" id="{949F103E-DF98-F781-C74D-534E2E03165B}"/>
-              </a:ext>
-            </a:extLst>
-          </p:cNvPr>
+          <p:cNvPr id="6" name="Footer Placeholder 5"/>
           <p:cNvSpPr>
             <a:spLocks noGrp="1"/>
           </p:cNvSpPr>
@@ -2749,13 +2953,7 @@
       </p:sp>
       <p:sp>
         <p:nvSpPr>
-          <p:cNvPr id="7" name="Slide Number Placeholder 6">
-            <a:extLst>
-              <a:ext uri="{FF2B5EF4-FFF2-40B4-BE49-F238E27FC236}">
-                <a16:creationId xmlns:a16="http://schemas.microsoft.com/office/drawing/2014/main" id="{6B908CE3-B844-CB44-7D3F-03D9853DDEAF}"/>
-              </a:ext>
-            </a:extLst>
-          </p:cNvPr>
+          <p:cNvPr id="7" name="Slide Number Placeholder 6"/>
           <p:cNvSpPr>
             <a:spLocks noGrp="1"/>
           </p:cNvSpPr>
@@ -2779,7 +2977,7 @@
     </p:spTree>
     <p:extLst>
       <p:ext uri="{BB962C8B-B14F-4D97-AF65-F5344CB8AC3E}">
-        <p14:creationId xmlns:p14="http://schemas.microsoft.com/office/powerpoint/2010/main" val="2688792213"/>
+        <p14:creationId xmlns:p14="http://schemas.microsoft.com/office/powerpoint/2010/main" val="3554983871"/>
       </p:ext>
     </p:extLst>
   </p:cSld>
@@ -2793,9 +2991,12 @@
 <p:sldMaster xmlns:a="http://schemas.openxmlformats.org/drawingml/2006/main" xmlns:r="http://schemas.openxmlformats.org/officeDocument/2006/relationships" xmlns:p="http://schemas.openxmlformats.org/presentationml/2006/main">
   <p:cSld>
     <p:bg>
-      <p:bgRef idx="1001">
-        <a:schemeClr val="bg1"/>
-      </p:bgRef>
+      <p:bgPr>
+        <a:solidFill>
+          <a:srgbClr val="999999"/>
+        </a:solidFill>
+        <a:effectLst/>
+      </p:bgPr>
     </p:bg>
     <p:spTree>
       <p:nvGrpSpPr>
@@ -2813,13 +3014,7 @@
       </p:grpSpPr>
       <p:sp>
         <p:nvSpPr>
-          <p:cNvPr id="2" name="Title Placeholder 1">
-            <a:extLst>
-              <a:ext uri="{FF2B5EF4-FFF2-40B4-BE49-F238E27FC236}">
-                <a16:creationId xmlns:a16="http://schemas.microsoft.com/office/drawing/2014/main" id="{6FEDE336-5DEA-2847-90AE-9D142A99A677}"/>
-              </a:ext>
-            </a:extLst>
-          </p:cNvPr>
+          <p:cNvPr id="2" name="Title Placeholder 1"/>
           <p:cNvSpPr>
             <a:spLocks noGrp="1"/>
           </p:cNvSpPr>
@@ -2829,8 +3024,8 @@
         </p:nvSpPr>
         <p:spPr>
           <a:xfrm>
-            <a:off x="838200" y="365125"/>
-            <a:ext cx="10515600" cy="1325563"/>
+            <a:off x="628650" y="365126"/>
+            <a:ext cx="7886700" cy="1325563"/>
           </a:xfrm>
           <a:prstGeom prst="rect">
             <a:avLst/>
@@ -2846,18 +3041,13 @@
               <a:rPr lang="en-US"/>
               <a:t>Click to edit Master title style</a:t>
             </a:r>
-          </a:p>
-        </p:txBody>
-      </p:sp>
-      <p:sp>
-        <p:nvSpPr>
-          <p:cNvPr id="3" name="Text Placeholder 2">
-            <a:extLst>
-              <a:ext uri="{FF2B5EF4-FFF2-40B4-BE49-F238E27FC236}">
-                <a16:creationId xmlns:a16="http://schemas.microsoft.com/office/drawing/2014/main" id="{19A1BC5D-2CA5-56A3-1DA6-876BA1E27AEA}"/>
-              </a:ext>
-            </a:extLst>
-          </p:cNvPr>
+            <a:endParaRPr lang="en-US" dirty="0"/>
+          </a:p>
+        </p:txBody>
+      </p:sp>
+      <p:sp>
+        <p:nvSpPr>
+          <p:cNvPr id="3" name="Text Placeholder 2"/>
           <p:cNvSpPr>
             <a:spLocks noGrp="1"/>
           </p:cNvSpPr>
@@ -2867,8 +3057,8 @@
         </p:nvSpPr>
         <p:spPr>
           <a:xfrm>
-            <a:off x="838200" y="1825625"/>
-            <a:ext cx="10515600" cy="4351338"/>
+            <a:off x="628650" y="1825625"/>
+            <a:ext cx="7886700" cy="4351338"/>
           </a:xfrm>
           <a:prstGeom prst="rect">
             <a:avLst/>
@@ -2913,18 +3103,13 @@
               <a:rPr lang="en-US"/>
               <a:t>Fifth level</a:t>
             </a:r>
-          </a:p>
-        </p:txBody>
-      </p:sp>
-      <p:sp>
-        <p:nvSpPr>
-          <p:cNvPr id="4" name="Date Placeholder 3">
-            <a:extLst>
-              <a:ext uri="{FF2B5EF4-FFF2-40B4-BE49-F238E27FC236}">
-                <a16:creationId xmlns:a16="http://schemas.microsoft.com/office/drawing/2014/main" id="{7481AC39-71FC-DCDB-A265-46D496DCEA6B}"/>
-              </a:ext>
-            </a:extLst>
-          </p:cNvPr>
+            <a:endParaRPr lang="en-US" dirty="0"/>
+          </a:p>
+        </p:txBody>
+      </p:sp>
+      <p:sp>
+        <p:nvSpPr>
+          <p:cNvPr id="4" name="Date Placeholder 3"/>
           <p:cNvSpPr>
             <a:spLocks noGrp="1"/>
           </p:cNvSpPr>
@@ -2934,8 +3119,8 @@
         </p:nvSpPr>
         <p:spPr>
           <a:xfrm>
-            <a:off x="838200" y="6356350"/>
-            <a:ext cx="2743200" cy="365125"/>
+            <a:off x="628650" y="6356351"/>
+            <a:ext cx="2057400" cy="365125"/>
           </a:xfrm>
           <a:prstGeom prst="rect">
             <a:avLst/>
@@ -2957,7 +3142,7 @@
           <a:p>
             <a:fld id="{FFB54A5F-3255-4218-9BCB-8C6EAB0F2463}" type="datetimeFigureOut">
               <a:rPr lang="en-US" smtClean="0"/>
-              <a:t>3/14/2023</a:t>
+              <a:t>3/20/2023</a:t>
             </a:fld>
             <a:endParaRPr lang="en-US"/>
           </a:p>
@@ -2965,13 +3150,7 @@
       </p:sp>
       <p:sp>
         <p:nvSpPr>
-          <p:cNvPr id="5" name="Footer Placeholder 4">
-            <a:extLst>
-              <a:ext uri="{FF2B5EF4-FFF2-40B4-BE49-F238E27FC236}">
-                <a16:creationId xmlns:a16="http://schemas.microsoft.com/office/drawing/2014/main" id="{A3A6F623-C8C3-A740-90F4-283BC4B021CD}"/>
-              </a:ext>
-            </a:extLst>
-          </p:cNvPr>
+          <p:cNvPr id="5" name="Footer Placeholder 4"/>
           <p:cNvSpPr>
             <a:spLocks noGrp="1"/>
           </p:cNvSpPr>
@@ -2981,8 +3160,8 @@
         </p:nvSpPr>
         <p:spPr>
           <a:xfrm>
-            <a:off x="4038600" y="6356350"/>
-            <a:ext cx="4114800" cy="365125"/>
+            <a:off x="3028950" y="6356351"/>
+            <a:ext cx="3086100" cy="365125"/>
           </a:xfrm>
           <a:prstGeom prst="rect">
             <a:avLst/>
@@ -3008,13 +3187,7 @@
       </p:sp>
       <p:sp>
         <p:nvSpPr>
-          <p:cNvPr id="6" name="Slide Number Placeholder 5">
-            <a:extLst>
-              <a:ext uri="{FF2B5EF4-FFF2-40B4-BE49-F238E27FC236}">
-                <a16:creationId xmlns:a16="http://schemas.microsoft.com/office/drawing/2014/main" id="{7686AA11-EB54-9129-11F2-D0F21C3E28CD}"/>
-              </a:ext>
-            </a:extLst>
-          </p:cNvPr>
+          <p:cNvPr id="6" name="Slide Number Placeholder 5"/>
           <p:cNvSpPr>
             <a:spLocks noGrp="1"/>
           </p:cNvSpPr>
@@ -3024,8 +3197,8 @@
         </p:nvSpPr>
         <p:spPr>
           <a:xfrm>
-            <a:off x="8610600" y="6356350"/>
-            <a:ext cx="2743200" cy="365125"/>
+            <a:off x="6457950" y="6356351"/>
+            <a:ext cx="2057400" cy="365125"/>
           </a:xfrm>
           <a:prstGeom prst="rect">
             <a:avLst/>
@@ -3056,23 +3229,23 @@
     </p:spTree>
     <p:extLst>
       <p:ext uri="{BB962C8B-B14F-4D97-AF65-F5344CB8AC3E}">
-        <p14:creationId xmlns:p14="http://schemas.microsoft.com/office/powerpoint/2010/main" val="492848825"/>
+        <p14:creationId xmlns:p14="http://schemas.microsoft.com/office/powerpoint/2010/main" val="2755538467"/>
       </p:ext>
     </p:extLst>
   </p:cSld>
   <p:clrMap bg1="lt1" tx1="dk1" bg2="lt2" tx2="dk2" accent1="accent1" accent2="accent2" accent3="accent3" accent4="accent4" accent5="accent5" accent6="accent6" hlink="hlink" folHlink="folHlink"/>
   <p:sldLayoutIdLst>
-    <p:sldLayoutId id="2147483649" r:id="rId1"/>
-    <p:sldLayoutId id="2147483650" r:id="rId2"/>
-    <p:sldLayoutId id="2147483651" r:id="rId3"/>
-    <p:sldLayoutId id="2147483652" r:id="rId4"/>
-    <p:sldLayoutId id="2147483653" r:id="rId5"/>
-    <p:sldLayoutId id="2147483654" r:id="rId6"/>
-    <p:sldLayoutId id="2147483655" r:id="rId7"/>
-    <p:sldLayoutId id="2147483656" r:id="rId8"/>
-    <p:sldLayoutId id="2147483657" r:id="rId9"/>
-    <p:sldLayoutId id="2147483658" r:id="rId10"/>
-    <p:sldLayoutId id="2147483659" r:id="rId11"/>
+    <p:sldLayoutId id="2147483661" r:id="rId1"/>
+    <p:sldLayoutId id="2147483662" r:id="rId2"/>
+    <p:sldLayoutId id="2147483663" r:id="rId3"/>
+    <p:sldLayoutId id="2147483664" r:id="rId4"/>
+    <p:sldLayoutId id="2147483665" r:id="rId5"/>
+    <p:sldLayoutId id="2147483666" r:id="rId6"/>
+    <p:sldLayoutId id="2147483667" r:id="rId7"/>
+    <p:sldLayoutId id="2147483668" r:id="rId8"/>
+    <p:sldLayoutId id="2147483669" r:id="rId9"/>
+    <p:sldLayoutId id="2147483670" r:id="rId10"/>
+    <p:sldLayoutId id="2147483671" r:id="rId11"/>
   </p:sldLayoutIdLst>
   <p:txStyles>
     <p:titleStyle>
@@ -3388,8 +3561,8 @@
         </p:nvSpPr>
         <p:spPr>
           <a:xfrm>
-            <a:off x="1755228" y="625366"/>
-            <a:ext cx="8949558" cy="1477328"/>
+            <a:off x="1330856" y="632346"/>
+            <a:ext cx="6712169" cy="1862048"/>
           </a:xfrm>
           <a:prstGeom prst="rect">
             <a:avLst/>
@@ -3404,35 +3577,299 @@
           <a:p>
             <a:pPr algn="r"/>
             <a:r>
-              <a:rPr lang="he-IL" dirty="0"/>
+              <a:rPr lang="he-IL" sz="1400" dirty="0"/>
               <a:t>במטלה הבאה יהיה עליך ללמוד את הערך המספרי בשקלים של שני צדדי מטבע.</a:t>
             </a:r>
           </a:p>
           <a:p>
             <a:pPr algn="r"/>
             <a:r>
-              <a:rPr lang="he-IL" dirty="0"/>
-              <a:t>לפני כל צעד ניסוי יופיעו שני צדדי המטבע.</a:t>
+              <a:rPr lang="he-IL" sz="1400" dirty="0"/>
+              <a:t>לפני כל צעד ניסוי יופיעו שני צדדי מטבע. לדוגמה: </a:t>
             </a:r>
           </a:p>
           <a:p>
             <a:pPr algn="r"/>
-            <a:endParaRPr lang="he-IL" dirty="0"/>
+            <a:endParaRPr lang="he-IL" sz="1400" dirty="0"/>
           </a:p>
           <a:p>
             <a:pPr algn="r"/>
-            <a:r>
-              <a:rPr lang="he-IL" dirty="0"/>
-              <a:t>לאחר לחיצה על מקש הרווח</a:t>
-            </a:r>
-            <a:r>
-              <a:rPr lang="he-IL"/>
-              <a:t>, המטבע </a:t>
-            </a:r>
+            <a:endParaRPr lang="he-IL" sz="1400" dirty="0"/>
           </a:p>
           <a:p>
             <a:pPr algn="r"/>
-            <a:endParaRPr lang="he-IL" dirty="0"/>
+            <a:endParaRPr lang="he-IL" sz="1400" dirty="0"/>
+          </a:p>
+          <a:p>
+            <a:pPr algn="r"/>
+            <a:endParaRPr lang="he-IL" sz="1400" dirty="0"/>
+          </a:p>
+          <a:p>
+            <a:pPr algn="r"/>
+            <a:endParaRPr lang="he-IL" sz="1400" dirty="0"/>
+          </a:p>
+          <a:p>
+            <a:pPr algn="r"/>
+            <a:endParaRPr lang="he-IL" sz="1400" dirty="0"/>
+          </a:p>
+        </p:txBody>
+      </p:sp>
+      <p:pic>
+        <p:nvPicPr>
+          <p:cNvPr id="3" name="Picture 2" descr="A green frog on a white plate&#10;&#10;Description automatically generated">
+            <a:extLst>
+              <a:ext uri="{FF2B5EF4-FFF2-40B4-BE49-F238E27FC236}">
+                <a16:creationId xmlns:a16="http://schemas.microsoft.com/office/drawing/2014/main" id="{642C228D-8C30-8564-3D78-6B9C312AEB6B}"/>
+              </a:ext>
+            </a:extLst>
+          </p:cNvPr>
+          <p:cNvPicPr>
+            <a:picLocks noChangeAspect="1"/>
+          </p:cNvPicPr>
+          <p:nvPr/>
+        </p:nvPicPr>
+        <p:blipFill>
+          <a:blip r:embed="rId2">
+            <a:extLst>
+              <a:ext uri="{28A0092B-C50C-407E-A947-70E740481C1C}">
+                <a14:useLocalDpi xmlns:a14="http://schemas.microsoft.com/office/drawing/2010/main" val="0"/>
+              </a:ext>
+            </a:extLst>
+          </a:blip>
+          <a:stretch>
+            <a:fillRect/>
+          </a:stretch>
+        </p:blipFill>
+        <p:spPr>
+          <a:xfrm>
+            <a:off x="2981827" y="1390970"/>
+            <a:ext cx="1253165" cy="1253165"/>
+          </a:xfrm>
+          <a:prstGeom prst="rect">
+            <a:avLst/>
+          </a:prstGeom>
+        </p:spPr>
+      </p:pic>
+      <p:pic>
+        <p:nvPicPr>
+          <p:cNvPr id="6" name="Picture 5" descr="A close-up of a person&#10;&#10;Description automatically generated with low confidence">
+            <a:extLst>
+              <a:ext uri="{FF2B5EF4-FFF2-40B4-BE49-F238E27FC236}">
+                <a16:creationId xmlns:a16="http://schemas.microsoft.com/office/drawing/2014/main" id="{410CC1BC-6523-BE74-2AD2-99EB70D0DB1E}"/>
+              </a:ext>
+            </a:extLst>
+          </p:cNvPr>
+          <p:cNvPicPr>
+            <a:picLocks noChangeAspect="1"/>
+          </p:cNvPicPr>
+          <p:nvPr/>
+        </p:nvPicPr>
+        <p:blipFill>
+          <a:blip r:embed="rId3">
+            <a:extLst>
+              <a:ext uri="{28A0092B-C50C-407E-A947-70E740481C1C}">
+                <a14:useLocalDpi xmlns:a14="http://schemas.microsoft.com/office/drawing/2010/main" val="0"/>
+              </a:ext>
+            </a:extLst>
+          </a:blip>
+          <a:stretch>
+            <a:fillRect/>
+          </a:stretch>
+        </p:blipFill>
+        <p:spPr>
+          <a:xfrm>
+            <a:off x="5535591" y="1390970"/>
+            <a:ext cx="1253165" cy="1253165"/>
+          </a:xfrm>
+          <a:prstGeom prst="rect">
+            <a:avLst/>
+          </a:prstGeom>
+        </p:spPr>
+      </p:pic>
+      <p:sp>
+        <p:nvSpPr>
+          <p:cNvPr id="8" name="TextBox 7">
+            <a:extLst>
+              <a:ext uri="{FF2B5EF4-FFF2-40B4-BE49-F238E27FC236}">
+                <a16:creationId xmlns:a16="http://schemas.microsoft.com/office/drawing/2014/main" id="{461EB362-8CC4-3AD7-12D9-B0DEECDAD8D1}"/>
+              </a:ext>
+            </a:extLst>
+          </p:cNvPr>
+          <p:cNvSpPr txBox="1"/>
+          <p:nvPr/>
+        </p:nvSpPr>
+        <p:spPr>
+          <a:xfrm>
+            <a:off x="1660634" y="2903186"/>
+            <a:ext cx="6382391" cy="523220"/>
+          </a:xfrm>
+          <a:prstGeom prst="rect">
+            <a:avLst/>
+          </a:prstGeom>
+          <a:noFill/>
+        </p:spPr>
+        <p:txBody>
+          <a:bodyPr wrap="square">
+            <a:spAutoFit/>
+          </a:bodyPr>
+          <a:lstStyle/>
+          <a:p>
+            <a:pPr algn="r"/>
+            <a:r>
+              <a:rPr lang="he-IL" sz="1400" dirty="0"/>
+              <a:t>לאחר לחיצה על מקש הרווח, המטבע יוגרל וייפול על אחד מצדדיו. מיד לאחר מכן, יופיע מספר שיתאר את התוצאה של אותה הטלת מטבע:</a:t>
+            </a:r>
+          </a:p>
+        </p:txBody>
+      </p:sp>
+      <p:sp>
+        <p:nvSpPr>
+          <p:cNvPr id="10" name="TextBox 9">
+            <a:extLst>
+              <a:ext uri="{FF2B5EF4-FFF2-40B4-BE49-F238E27FC236}">
+                <a16:creationId xmlns:a16="http://schemas.microsoft.com/office/drawing/2014/main" id="{AF5C1BCB-FD5D-F37C-7541-60C4998F365D}"/>
+              </a:ext>
+            </a:extLst>
+          </p:cNvPr>
+          <p:cNvSpPr txBox="1"/>
+          <p:nvPr/>
+        </p:nvSpPr>
+        <p:spPr>
+          <a:xfrm>
+            <a:off x="3471025" y="4973583"/>
+            <a:ext cx="4572000" cy="307777"/>
+          </a:xfrm>
+          <a:prstGeom prst="rect">
+            <a:avLst/>
+          </a:prstGeom>
+          <a:noFill/>
+        </p:spPr>
+        <p:txBody>
+          <a:bodyPr wrap="square">
+            <a:spAutoFit/>
+          </a:bodyPr>
+          <a:lstStyle/>
+          <a:p>
+            <a:pPr algn="r"/>
+            <a:r>
+              <a:rPr lang="he-IL" sz="1400" dirty="0"/>
+              <a:t>עליך ללמוד אילו ערכים מקושרים לצדדים השונים של המטבע. </a:t>
+            </a:r>
+          </a:p>
+        </p:txBody>
+      </p:sp>
+      <p:pic>
+        <p:nvPicPr>
+          <p:cNvPr id="11" name="Picture 10" descr="A green frog on a white plate&#10;&#10;Description automatically generated">
+            <a:extLst>
+              <a:ext uri="{FF2B5EF4-FFF2-40B4-BE49-F238E27FC236}">
+                <a16:creationId xmlns:a16="http://schemas.microsoft.com/office/drawing/2014/main" id="{DECC68EC-0E76-C00C-2DFA-77C32B3B1D90}"/>
+              </a:ext>
+            </a:extLst>
+          </p:cNvPr>
+          <p:cNvPicPr>
+            <a:picLocks noChangeAspect="1"/>
+          </p:cNvPicPr>
+          <p:nvPr/>
+        </p:nvPicPr>
+        <p:blipFill>
+          <a:blip r:embed="rId2">
+            <a:extLst>
+              <a:ext uri="{28A0092B-C50C-407E-A947-70E740481C1C}">
+                <a14:useLocalDpi xmlns:a14="http://schemas.microsoft.com/office/drawing/2010/main" val="0"/>
+              </a:ext>
+            </a:extLst>
+          </a:blip>
+          <a:stretch>
+            <a:fillRect/>
+          </a:stretch>
+        </p:blipFill>
+        <p:spPr>
+          <a:xfrm>
+            <a:off x="5535591" y="3581105"/>
+            <a:ext cx="1253165" cy="1253165"/>
+          </a:xfrm>
+          <a:prstGeom prst="rect">
+            <a:avLst/>
+          </a:prstGeom>
+        </p:spPr>
+      </p:pic>
+      <p:cxnSp>
+        <p:nvCxnSpPr>
+          <p:cNvPr id="13" name="Straight Arrow Connector 12">
+            <a:extLst>
+              <a:ext uri="{FF2B5EF4-FFF2-40B4-BE49-F238E27FC236}">
+                <a16:creationId xmlns:a16="http://schemas.microsoft.com/office/drawing/2014/main" id="{D0ACC1A4-DE9D-7A59-2AAD-68479EAFDF92}"/>
+              </a:ext>
+            </a:extLst>
+          </p:cNvPr>
+          <p:cNvCxnSpPr>
+            <a:cxnSpLocks/>
+          </p:cNvCxnSpPr>
+          <p:nvPr/>
+        </p:nvCxnSpPr>
+        <p:spPr>
+          <a:xfrm flipH="1">
+            <a:off x="4010524" y="4192300"/>
+            <a:ext cx="1207034" cy="0"/>
+          </a:xfrm>
+          <a:prstGeom prst="straightConnector1">
+            <a:avLst/>
+          </a:prstGeom>
+          <a:ln w="38100">
+            <a:solidFill>
+              <a:srgbClr val="FF0000"/>
+            </a:solidFill>
+            <a:tailEnd type="triangle"/>
+          </a:ln>
+        </p:spPr>
+        <p:style>
+          <a:lnRef idx="1">
+            <a:schemeClr val="accent1"/>
+          </a:lnRef>
+          <a:fillRef idx="0">
+            <a:schemeClr val="accent1"/>
+          </a:fillRef>
+          <a:effectRef idx="0">
+            <a:schemeClr val="accent1"/>
+          </a:effectRef>
+          <a:fontRef idx="minor">
+            <a:schemeClr val="tx1"/>
+          </a:fontRef>
+        </p:style>
+      </p:cxnSp>
+      <p:sp>
+        <p:nvSpPr>
+          <p:cNvPr id="15" name="TextBox 14">
+            <a:extLst>
+              <a:ext uri="{FF2B5EF4-FFF2-40B4-BE49-F238E27FC236}">
+                <a16:creationId xmlns:a16="http://schemas.microsoft.com/office/drawing/2014/main" id="{A70BA71A-A026-8B1C-1927-C10CFAECF46B}"/>
+              </a:ext>
+            </a:extLst>
+          </p:cNvPr>
+          <p:cNvSpPr txBox="1"/>
+          <p:nvPr/>
+        </p:nvSpPr>
+        <p:spPr>
+          <a:xfrm>
+            <a:off x="3386919" y="4007634"/>
+            <a:ext cx="740980" cy="369332"/>
+          </a:xfrm>
+          <a:prstGeom prst="rect">
+            <a:avLst/>
+          </a:prstGeom>
+          <a:noFill/>
+        </p:spPr>
+        <p:txBody>
+          <a:bodyPr wrap="square" rtlCol="0">
+            <a:spAutoFit/>
+          </a:bodyPr>
+          <a:lstStyle/>
+          <a:p>
+            <a:r>
+              <a:rPr lang="en-US" dirty="0"/>
+              <a:t>-5</a:t>
+            </a:r>
           </a:p>
         </p:txBody>
       </p:sp>
@@ -3449,10 +3886,415 @@
 </p:sld>
 </file>
 
+<file path=ppt/slides/slide2.xml><?xml version="1.0" encoding="utf-8"?>
+<p:sld xmlns:a="http://schemas.openxmlformats.org/drawingml/2006/main" xmlns:r="http://schemas.openxmlformats.org/officeDocument/2006/relationships" xmlns:p="http://schemas.openxmlformats.org/presentationml/2006/main">
+  <p:cSld>
+    <p:spTree>
+      <p:nvGrpSpPr>
+        <p:cNvPr id="1" name=""/>
+        <p:cNvGrpSpPr/>
+        <p:nvPr/>
+      </p:nvGrpSpPr>
+      <p:grpSpPr>
+        <a:xfrm>
+          <a:off x="0" y="0"/>
+          <a:ext cx="0" cy="0"/>
+          <a:chOff x="0" y="0"/>
+          <a:chExt cx="0" cy="0"/>
+        </a:xfrm>
+      </p:grpSpPr>
+      <p:sp>
+        <p:nvSpPr>
+          <p:cNvPr id="2" name="Oval 1">
+            <a:extLst>
+              <a:ext uri="{FF2B5EF4-FFF2-40B4-BE49-F238E27FC236}">
+                <a16:creationId xmlns:a16="http://schemas.microsoft.com/office/drawing/2014/main" id="{FE7764C1-95F5-6113-B236-79FEDA8D0EBE}"/>
+              </a:ext>
+            </a:extLst>
+          </p:cNvPr>
+          <p:cNvSpPr/>
+          <p:nvPr/>
+        </p:nvSpPr>
+        <p:spPr>
+          <a:xfrm>
+            <a:off x="2832538" y="1234967"/>
+            <a:ext cx="1560786" cy="1598074"/>
+          </a:xfrm>
+          <a:prstGeom prst="ellipse">
+            <a:avLst/>
+          </a:prstGeom>
+          <a:solidFill>
+            <a:srgbClr val="00B050"/>
+          </a:solidFill>
+          <a:ln>
+            <a:noFill/>
+          </a:ln>
+        </p:spPr>
+        <p:style>
+          <a:lnRef idx="2">
+            <a:schemeClr val="accent1">
+              <a:shade val="50000"/>
+            </a:schemeClr>
+          </a:lnRef>
+          <a:fillRef idx="1">
+            <a:schemeClr val="accent1"/>
+          </a:fillRef>
+          <a:effectRef idx="0">
+            <a:schemeClr val="accent1"/>
+          </a:effectRef>
+          <a:fontRef idx="minor">
+            <a:schemeClr val="lt1"/>
+          </a:fontRef>
+        </p:style>
+        <p:txBody>
+          <a:bodyPr rtlCol="0" anchor="ctr"/>
+          <a:lstStyle/>
+          <a:p>
+            <a:pPr algn="ctr"/>
+            <a:endParaRPr lang="en-US"/>
+          </a:p>
+        </p:txBody>
+      </p:sp>
+      <p:sp>
+        <p:nvSpPr>
+          <p:cNvPr id="4" name="TextBox 3">
+            <a:extLst>
+              <a:ext uri="{FF2B5EF4-FFF2-40B4-BE49-F238E27FC236}">
+                <a16:creationId xmlns:a16="http://schemas.microsoft.com/office/drawing/2014/main" id="{14610072-524F-1463-E51C-B5606B4B245B}"/>
+              </a:ext>
+            </a:extLst>
+          </p:cNvPr>
+          <p:cNvSpPr txBox="1"/>
+          <p:nvPr/>
+        </p:nvSpPr>
+        <p:spPr>
+          <a:xfrm>
+            <a:off x="1330856" y="614225"/>
+            <a:ext cx="6712169" cy="1831271"/>
+          </a:xfrm>
+          <a:prstGeom prst="rect">
+            <a:avLst/>
+          </a:prstGeom>
+          <a:noFill/>
+        </p:spPr>
+        <p:txBody>
+          <a:bodyPr wrap="square" rtlCol="0">
+            <a:spAutoFit/>
+          </a:bodyPr>
+          <a:lstStyle/>
+          <a:p>
+            <a:pPr algn="r"/>
+            <a:r>
+              <a:rPr lang="he-IL" sz="1400" b="1" dirty="0"/>
+              <a:t>בחלק מהצעדים</a:t>
+            </a:r>
+            <a:r>
+              <a:rPr lang="he-IL" sz="1400" dirty="0"/>
+              <a:t>, יופיע עיגול ירוק מסביב לאחד מצדדי המטבע. בצעדים אלו, יהיה עליך לדמיין את המטבע מסתובב ונוחת על הצד המסומן בירוק</a:t>
+            </a:r>
+          </a:p>
+          <a:p>
+            <a:pPr algn="r"/>
+            <a:endParaRPr lang="he-IL" sz="1350" dirty="0"/>
+          </a:p>
+          <a:p>
+            <a:pPr algn="r"/>
+            <a:endParaRPr lang="he-IL" sz="1350" dirty="0"/>
+          </a:p>
+          <a:p>
+            <a:pPr algn="r"/>
+            <a:endParaRPr lang="he-IL" sz="1350" dirty="0"/>
+          </a:p>
+          <a:p>
+            <a:pPr algn="r"/>
+            <a:endParaRPr lang="he-IL" sz="1350" dirty="0"/>
+          </a:p>
+          <a:p>
+            <a:pPr algn="r"/>
+            <a:endParaRPr lang="he-IL" sz="1350" dirty="0"/>
+          </a:p>
+          <a:p>
+            <a:pPr algn="r"/>
+            <a:endParaRPr lang="he-IL" sz="1350" dirty="0"/>
+          </a:p>
+        </p:txBody>
+      </p:sp>
+      <p:pic>
+        <p:nvPicPr>
+          <p:cNvPr id="6" name="Picture 5" descr="A close-up of a person&#10;&#10;Description automatically generated with low confidence">
+            <a:extLst>
+              <a:ext uri="{FF2B5EF4-FFF2-40B4-BE49-F238E27FC236}">
+                <a16:creationId xmlns:a16="http://schemas.microsoft.com/office/drawing/2014/main" id="{410CC1BC-6523-BE74-2AD2-99EB70D0DB1E}"/>
+              </a:ext>
+            </a:extLst>
+          </p:cNvPr>
+          <p:cNvPicPr>
+            <a:picLocks noChangeAspect="1"/>
+          </p:cNvPicPr>
+          <p:nvPr/>
+        </p:nvPicPr>
+        <p:blipFill>
+          <a:blip r:embed="rId2">
+            <a:extLst>
+              <a:ext uri="{28A0092B-C50C-407E-A947-70E740481C1C}">
+                <a14:useLocalDpi xmlns:a14="http://schemas.microsoft.com/office/drawing/2010/main" val="0"/>
+              </a:ext>
+            </a:extLst>
+          </a:blip>
+          <a:stretch>
+            <a:fillRect/>
+          </a:stretch>
+        </p:blipFill>
+        <p:spPr>
+          <a:xfrm>
+            <a:off x="5535591" y="1390970"/>
+            <a:ext cx="1253165" cy="1253165"/>
+          </a:xfrm>
+          <a:prstGeom prst="rect">
+            <a:avLst/>
+          </a:prstGeom>
+        </p:spPr>
+      </p:pic>
+      <p:sp>
+        <p:nvSpPr>
+          <p:cNvPr id="8" name="TextBox 7">
+            <a:extLst>
+              <a:ext uri="{FF2B5EF4-FFF2-40B4-BE49-F238E27FC236}">
+                <a16:creationId xmlns:a16="http://schemas.microsoft.com/office/drawing/2014/main" id="{461EB362-8CC4-3AD7-12D9-B0DEECDAD8D1}"/>
+              </a:ext>
+            </a:extLst>
+          </p:cNvPr>
+          <p:cNvSpPr txBox="1"/>
+          <p:nvPr/>
+        </p:nvSpPr>
+        <p:spPr>
+          <a:xfrm>
+            <a:off x="1198180" y="2903186"/>
+            <a:ext cx="6844846" cy="738664"/>
+          </a:xfrm>
+          <a:prstGeom prst="rect">
+            <a:avLst/>
+          </a:prstGeom>
+          <a:noFill/>
+        </p:spPr>
+        <p:txBody>
+          <a:bodyPr wrap="square">
+            <a:spAutoFit/>
+          </a:bodyPr>
+          <a:lstStyle/>
+          <a:p>
+            <a:pPr algn="r"/>
+            <a:r>
+              <a:rPr lang="he-IL" sz="1400" dirty="0"/>
+              <a:t>לאחר לחיצה על מקש הרווח, יופיע מטבע מסתובב ששני צדדיו ריקים. בזמן הסיבוב, נבקש ממך לדמיין את הצורות מתחלפות. כשמטבע הריק ייעצר, יהיה עליך לדמיין את הצורה שמסומנת בירוק. מיד לאחר מכן, יופיע מספר שיתאר את התוצאה של אותה הטלת מטבע:</a:t>
+            </a:r>
+          </a:p>
+        </p:txBody>
+      </p:sp>
+      <p:sp>
+        <p:nvSpPr>
+          <p:cNvPr id="10" name="TextBox 9">
+            <a:extLst>
+              <a:ext uri="{FF2B5EF4-FFF2-40B4-BE49-F238E27FC236}">
+                <a16:creationId xmlns:a16="http://schemas.microsoft.com/office/drawing/2014/main" id="{AF5C1BCB-FD5D-F37C-7541-60C4998F365D}"/>
+              </a:ext>
+            </a:extLst>
+          </p:cNvPr>
+          <p:cNvSpPr txBox="1"/>
+          <p:nvPr/>
+        </p:nvSpPr>
+        <p:spPr>
+          <a:xfrm>
+            <a:off x="3471025" y="4973583"/>
+            <a:ext cx="4572000" cy="523220"/>
+          </a:xfrm>
+          <a:prstGeom prst="rect">
+            <a:avLst/>
+          </a:prstGeom>
+          <a:noFill/>
+        </p:spPr>
+        <p:txBody>
+          <a:bodyPr wrap="square">
+            <a:spAutoFit/>
+          </a:bodyPr>
+          <a:lstStyle/>
+          <a:p>
+            <a:pPr algn="r"/>
+            <a:r>
+              <a:rPr lang="he-IL" sz="1400" dirty="0"/>
+              <a:t>גם כאן יהיה עליך ללמוד אילו ערכים מקושרים לצדדים השונים של המטבע. </a:t>
+            </a:r>
+          </a:p>
+        </p:txBody>
+      </p:sp>
+      <p:cxnSp>
+        <p:nvCxnSpPr>
+          <p:cNvPr id="13" name="Straight Arrow Connector 12">
+            <a:extLst>
+              <a:ext uri="{FF2B5EF4-FFF2-40B4-BE49-F238E27FC236}">
+                <a16:creationId xmlns:a16="http://schemas.microsoft.com/office/drawing/2014/main" id="{D0ACC1A4-DE9D-7A59-2AAD-68479EAFDF92}"/>
+              </a:ext>
+            </a:extLst>
+          </p:cNvPr>
+          <p:cNvCxnSpPr>
+            <a:cxnSpLocks/>
+          </p:cNvCxnSpPr>
+          <p:nvPr/>
+        </p:nvCxnSpPr>
+        <p:spPr>
+          <a:xfrm flipH="1">
+            <a:off x="4025616" y="4197093"/>
+            <a:ext cx="1207034" cy="0"/>
+          </a:xfrm>
+          <a:prstGeom prst="straightConnector1">
+            <a:avLst/>
+          </a:prstGeom>
+          <a:ln w="38100">
+            <a:solidFill>
+              <a:srgbClr val="FF0000"/>
+            </a:solidFill>
+            <a:tailEnd type="triangle"/>
+          </a:ln>
+        </p:spPr>
+        <p:style>
+          <a:lnRef idx="1">
+            <a:schemeClr val="accent1"/>
+          </a:lnRef>
+          <a:fillRef idx="0">
+            <a:schemeClr val="accent1"/>
+          </a:fillRef>
+          <a:effectRef idx="0">
+            <a:schemeClr val="accent1"/>
+          </a:effectRef>
+          <a:fontRef idx="minor">
+            <a:schemeClr val="tx1"/>
+          </a:fontRef>
+        </p:style>
+      </p:cxnSp>
+      <p:sp>
+        <p:nvSpPr>
+          <p:cNvPr id="15" name="TextBox 14">
+            <a:extLst>
+              <a:ext uri="{FF2B5EF4-FFF2-40B4-BE49-F238E27FC236}">
+                <a16:creationId xmlns:a16="http://schemas.microsoft.com/office/drawing/2014/main" id="{A70BA71A-A026-8B1C-1927-C10CFAECF46B}"/>
+              </a:ext>
+            </a:extLst>
+          </p:cNvPr>
+          <p:cNvSpPr txBox="1"/>
+          <p:nvPr/>
+        </p:nvSpPr>
+        <p:spPr>
+          <a:xfrm>
+            <a:off x="3386919" y="4007634"/>
+            <a:ext cx="740980" cy="369332"/>
+          </a:xfrm>
+          <a:prstGeom prst="rect">
+            <a:avLst/>
+          </a:prstGeom>
+          <a:noFill/>
+        </p:spPr>
+        <p:txBody>
+          <a:bodyPr wrap="square" rtlCol="0">
+            <a:spAutoFit/>
+          </a:bodyPr>
+          <a:lstStyle/>
+          <a:p>
+            <a:r>
+              <a:rPr lang="en-US" dirty="0"/>
+              <a:t>-8</a:t>
+            </a:r>
+          </a:p>
+        </p:txBody>
+      </p:sp>
+      <p:pic>
+        <p:nvPicPr>
+          <p:cNvPr id="7" name="Picture 6" descr="A green frog on a black plate&#10;&#10;Description automatically generated with medium confidence">
+            <a:extLst>
+              <a:ext uri="{FF2B5EF4-FFF2-40B4-BE49-F238E27FC236}">
+                <a16:creationId xmlns:a16="http://schemas.microsoft.com/office/drawing/2014/main" id="{33AD3C0A-5FEE-4BEF-CAD5-E75FCFBBB65A}"/>
+              </a:ext>
+            </a:extLst>
+          </p:cNvPr>
+          <p:cNvPicPr>
+            <a:picLocks noChangeAspect="1"/>
+          </p:cNvPicPr>
+          <p:nvPr/>
+        </p:nvPicPr>
+        <p:blipFill>
+          <a:blip r:embed="rId3">
+            <a:extLst>
+              <a:ext uri="{28A0092B-C50C-407E-A947-70E740481C1C}">
+                <a14:useLocalDpi xmlns:a14="http://schemas.microsoft.com/office/drawing/2010/main" val="0"/>
+              </a:ext>
+            </a:extLst>
+          </a:blip>
+          <a:stretch>
+            <a:fillRect/>
+          </a:stretch>
+        </p:blipFill>
+        <p:spPr>
+          <a:xfrm>
+            <a:off x="2940518" y="1366993"/>
+            <a:ext cx="1343157" cy="1343157"/>
+          </a:xfrm>
+          <a:prstGeom prst="rect">
+            <a:avLst/>
+          </a:prstGeom>
+        </p:spPr>
+      </p:pic>
+      <p:pic>
+        <p:nvPicPr>
+          <p:cNvPr id="12" name="Picture 11" descr="Shape, circle&#10;&#10;Description automatically generated">
+            <a:extLst>
+              <a:ext uri="{FF2B5EF4-FFF2-40B4-BE49-F238E27FC236}">
+                <a16:creationId xmlns:a16="http://schemas.microsoft.com/office/drawing/2014/main" id="{CEFD6197-4D3C-C27B-5675-4DB974615836}"/>
+              </a:ext>
+            </a:extLst>
+          </p:cNvPr>
+          <p:cNvPicPr>
+            <a:picLocks noChangeAspect="1"/>
+          </p:cNvPicPr>
+          <p:nvPr/>
+        </p:nvPicPr>
+        <p:blipFill>
+          <a:blip r:embed="rId4">
+            <a:extLst>
+              <a:ext uri="{28A0092B-C50C-407E-A947-70E740481C1C}">
+                <a14:useLocalDpi xmlns:a14="http://schemas.microsoft.com/office/drawing/2010/main" val="0"/>
+              </a:ext>
+            </a:extLst>
+          </a:blip>
+          <a:stretch>
+            <a:fillRect/>
+          </a:stretch>
+        </p:blipFill>
+        <p:spPr>
+          <a:xfrm>
+            <a:off x="5535591" y="3618767"/>
+            <a:ext cx="1252800" cy="1252800"/>
+          </a:xfrm>
+          <a:prstGeom prst="rect">
+            <a:avLst/>
+          </a:prstGeom>
+        </p:spPr>
+      </p:pic>
+    </p:spTree>
+    <p:extLst>
+      <p:ext uri="{BB962C8B-B14F-4D97-AF65-F5344CB8AC3E}">
+        <p14:creationId xmlns:p14="http://schemas.microsoft.com/office/powerpoint/2010/main" val="2433336688"/>
+      </p:ext>
+    </p:extLst>
+  </p:cSld>
+  <p:clrMapOvr>
+    <a:masterClrMapping/>
+  </p:clrMapOvr>
+</p:sld>
+</file>
+
 <file path=ppt/theme/theme1.xml><?xml version="1.0" encoding="utf-8"?>
 <a:theme xmlns:a="http://schemas.openxmlformats.org/drawingml/2006/main" name="Office Theme">
   <a:themeElements>
-    <a:clrScheme name="Office">
+    <a:clrScheme name="Office Theme">
       <a:dk1>
         <a:sysClr val="windowText" lastClr="000000"/>
       </a:dk1>
@@ -3490,7 +4332,7 @@
         <a:srgbClr val="954F72"/>
       </a:folHlink>
     </a:clrScheme>
-    <a:fontScheme name="Office">
+    <a:fontScheme name="Office Theme">
       <a:majorFont>
         <a:latin typeface="Calibri Light" panose="020F0302020204030204"/>
         <a:ea typeface=""/>
@@ -3525,23 +4367,6 @@
         <a:font script="Viet" typeface="Times New Roman"/>
         <a:font script="Uigh" typeface="Microsoft Uighur"/>
         <a:font script="Geor" typeface="Sylfaen"/>
-        <a:font script="Armn" typeface="Arial"/>
-        <a:font script="Bugi" typeface="Leelawadee UI"/>
-        <a:font script="Bopo" typeface="Microsoft JhengHei"/>
-        <a:font script="Java" typeface="Javanese Text"/>
-        <a:font script="Lisu" typeface="Segoe UI"/>
-        <a:font script="Mymr" typeface="Myanmar Text"/>
-        <a:font script="Nkoo" typeface="Ebrima"/>
-        <a:font script="Olck" typeface="Nirmala UI"/>
-        <a:font script="Osma" typeface="Ebrima"/>
-        <a:font script="Phag" typeface="Phagspa"/>
-        <a:font script="Syrn" typeface="Estrangelo Edessa"/>
-        <a:font script="Syrj" typeface="Estrangelo Edessa"/>
-        <a:font script="Syre" typeface="Estrangelo Edessa"/>
-        <a:font script="Sora" typeface="Nirmala UI"/>
-        <a:font script="Tale" typeface="Microsoft Tai Le"/>
-        <a:font script="Talu" typeface="Microsoft New Tai Lue"/>
-        <a:font script="Tfng" typeface="Ebrima"/>
       </a:majorFont>
       <a:minorFont>
         <a:latin typeface="Calibri" panose="020F0502020204030204"/>
@@ -3577,26 +4402,9 @@
         <a:font script="Viet" typeface="Arial"/>
         <a:font script="Uigh" typeface="Microsoft Uighur"/>
         <a:font script="Geor" typeface="Sylfaen"/>
-        <a:font script="Armn" typeface="Arial"/>
-        <a:font script="Bugi" typeface="Leelawadee UI"/>
-        <a:font script="Bopo" typeface="Microsoft JhengHei"/>
-        <a:font script="Java" typeface="Javanese Text"/>
-        <a:font script="Lisu" typeface="Segoe UI"/>
-        <a:font script="Mymr" typeface="Myanmar Text"/>
-        <a:font script="Nkoo" typeface="Ebrima"/>
-        <a:font script="Olck" typeface="Nirmala UI"/>
-        <a:font script="Osma" typeface="Ebrima"/>
-        <a:font script="Phag" typeface="Phagspa"/>
-        <a:font script="Syrn" typeface="Estrangelo Edessa"/>
-        <a:font script="Syrj" typeface="Estrangelo Edessa"/>
-        <a:font script="Syre" typeface="Estrangelo Edessa"/>
-        <a:font script="Sora" typeface="Nirmala UI"/>
-        <a:font script="Tale" typeface="Microsoft Tai Le"/>
-        <a:font script="Talu" typeface="Microsoft New Tai Lue"/>
-        <a:font script="Tfng" typeface="Ebrima"/>
       </a:minorFont>
     </a:fontScheme>
-    <a:fmtScheme name="Office">
+    <a:fmtScheme name="Office Theme">
       <a:fillStyleLst>
         <a:solidFill>
           <a:schemeClr val="phClr"/>
@@ -3738,7 +4546,7 @@
   <a:extraClrSchemeLst/>
   <a:extLst>
     <a:ext uri="{05A4C25C-085E-4340-85A3-A5531E510DB2}">
-      <thm15:themeFamily xmlns:thm15="http://schemas.microsoft.com/office/thememl/2012/main" name="Office Theme" id="{62F939B6-93AF-4DB8-9C6B-D6C7DFDC589F}" vid="{4A3C46E8-61CC-4603-A589-7422A47A8E4A}"/>
+      <thm15:themeFamily xmlns:thm15="http://schemas.microsoft.com/office/thememl/2012/main" name="Office Theme 2013 - 2022" id="{62F939B6-93AF-4DB8-9C6B-D6C7DFDC589F}" vid="{4A3C46E8-61CC-4603-A589-7422A47A8E4A}"/>
     </a:ext>
   </a:extLst>
 </a:theme>

--- a/instructions.pptx
+++ b/instructions.pptx
@@ -116,7 +116,7 @@
 <file path=ppt/revisionInfo.xml><?xml version="1.0" encoding="utf-8"?>
 <p1510:revInfo xmlns:a="http://schemas.openxmlformats.org/drawingml/2006/main" xmlns:r="http://schemas.openxmlformats.org/officeDocument/2006/relationships" xmlns:p1510="http://schemas.microsoft.com/office/powerpoint/2015/10/main">
   <p1510:revLst>
-    <p1510:client id="{5C71AA42-7C81-451D-8AF1-BA5B39FB2CF2}" v="12" dt="2023-03-20T07:28:02.046"/>
+    <p1510:client id="{31765B9D-4116-4D11-B2D1-2419196A75A4}" v="6" dt="2023-05-02T10:39:24.602"/>
   </p1510:revLst>
 </p1510:revInfo>
 </file>
@@ -682,6 +682,141 @@
       </pc:sldMasterChg>
     </pc:docChg>
   </pc:docChgLst>
+  <pc:docChgLst>
+    <pc:chgData name="Snir Barzilay" userId="25ae7c42a3a23ea8" providerId="LiveId" clId="{31765B9D-4116-4D11-B2D1-2419196A75A4}"/>
+    <pc:docChg chg="undo custSel modSld">
+      <pc:chgData name="Snir Barzilay" userId="25ae7c42a3a23ea8" providerId="LiveId" clId="{31765B9D-4116-4D11-B2D1-2419196A75A4}" dt="2023-05-02T10:39:24.591" v="244" actId="14826"/>
+      <pc:docMkLst>
+        <pc:docMk/>
+      </pc:docMkLst>
+      <pc:sldChg chg="modSp mod">
+        <pc:chgData name="Snir Barzilay" userId="25ae7c42a3a23ea8" providerId="LiveId" clId="{31765B9D-4116-4D11-B2D1-2419196A75A4}" dt="2023-05-02T10:38:54.297" v="241" actId="14826"/>
+        <pc:sldMkLst>
+          <pc:docMk/>
+          <pc:sldMk cId="3879652901" sldId="256"/>
+        </pc:sldMkLst>
+        <pc:spChg chg="mod">
+          <ac:chgData name="Snir Barzilay" userId="25ae7c42a3a23ea8" providerId="LiveId" clId="{31765B9D-4116-4D11-B2D1-2419196A75A4}" dt="2023-05-02T10:03:40.780" v="9" actId="122"/>
+          <ac:spMkLst>
+            <pc:docMk/>
+            <pc:sldMk cId="3879652901" sldId="256"/>
+            <ac:spMk id="4" creationId="{14610072-524F-1463-E51C-B5606B4B245B}"/>
+          </ac:spMkLst>
+        </pc:spChg>
+        <pc:spChg chg="mod">
+          <ac:chgData name="Snir Barzilay" userId="25ae7c42a3a23ea8" providerId="LiveId" clId="{31765B9D-4116-4D11-B2D1-2419196A75A4}" dt="2023-05-02T10:03:42.241" v="10" actId="122"/>
+          <ac:spMkLst>
+            <pc:docMk/>
+            <pc:sldMk cId="3879652901" sldId="256"/>
+            <ac:spMk id="8" creationId="{461EB362-8CC4-3AD7-12D9-B0DEECDAD8D1}"/>
+          </ac:spMkLst>
+        </pc:spChg>
+        <pc:spChg chg="mod">
+          <ac:chgData name="Snir Barzilay" userId="25ae7c42a3a23ea8" providerId="LiveId" clId="{31765B9D-4116-4D11-B2D1-2419196A75A4}" dt="2023-05-02T10:03:50.686" v="12" actId="1076"/>
+          <ac:spMkLst>
+            <pc:docMk/>
+            <pc:sldMk cId="3879652901" sldId="256"/>
+            <ac:spMk id="10" creationId="{AF5C1BCB-FD5D-F37C-7541-60C4998F365D}"/>
+          </ac:spMkLst>
+        </pc:spChg>
+        <pc:spChg chg="mod">
+          <ac:chgData name="Snir Barzilay" userId="25ae7c42a3a23ea8" providerId="LiveId" clId="{31765B9D-4116-4D11-B2D1-2419196A75A4}" dt="2023-05-02T10:03:31.764" v="7" actId="1076"/>
+          <ac:spMkLst>
+            <pc:docMk/>
+            <pc:sldMk cId="3879652901" sldId="256"/>
+            <ac:spMk id="15" creationId="{A70BA71A-A026-8B1C-1927-C10CFAECF46B}"/>
+          </ac:spMkLst>
+        </pc:spChg>
+        <pc:picChg chg="mod">
+          <ac:chgData name="Snir Barzilay" userId="25ae7c42a3a23ea8" providerId="LiveId" clId="{31765B9D-4116-4D11-B2D1-2419196A75A4}" dt="2023-05-02T10:38:42.439" v="240" actId="14826"/>
+          <ac:picMkLst>
+            <pc:docMk/>
+            <pc:sldMk cId="3879652901" sldId="256"/>
+            <ac:picMk id="3" creationId="{642C228D-8C30-8564-3D78-6B9C312AEB6B}"/>
+          </ac:picMkLst>
+        </pc:picChg>
+        <pc:picChg chg="mod">
+          <ac:chgData name="Snir Barzilay" userId="25ae7c42a3a23ea8" providerId="LiveId" clId="{31765B9D-4116-4D11-B2D1-2419196A75A4}" dt="2023-05-02T10:38:32.435" v="239" actId="14826"/>
+          <ac:picMkLst>
+            <pc:docMk/>
+            <pc:sldMk cId="3879652901" sldId="256"/>
+            <ac:picMk id="6" creationId="{410CC1BC-6523-BE74-2AD2-99EB70D0DB1E}"/>
+          </ac:picMkLst>
+        </pc:picChg>
+        <pc:picChg chg="mod">
+          <ac:chgData name="Snir Barzilay" userId="25ae7c42a3a23ea8" providerId="LiveId" clId="{31765B9D-4116-4D11-B2D1-2419196A75A4}" dt="2023-05-02T10:38:54.297" v="241" actId="14826"/>
+          <ac:picMkLst>
+            <pc:docMk/>
+            <pc:sldMk cId="3879652901" sldId="256"/>
+            <ac:picMk id="11" creationId="{DECC68EC-0E76-C00C-2DFA-77C32B3B1D90}"/>
+          </ac:picMkLst>
+        </pc:picChg>
+      </pc:sldChg>
+      <pc:sldChg chg="modSp mod">
+        <pc:chgData name="Snir Barzilay" userId="25ae7c42a3a23ea8" providerId="LiveId" clId="{31765B9D-4116-4D11-B2D1-2419196A75A4}" dt="2023-05-02T10:39:24.591" v="244" actId="14826"/>
+        <pc:sldMkLst>
+          <pc:docMk/>
+          <pc:sldMk cId="2433336688" sldId="257"/>
+        </pc:sldMkLst>
+        <pc:spChg chg="mod">
+          <ac:chgData name="Snir Barzilay" userId="25ae7c42a3a23ea8" providerId="LiveId" clId="{31765B9D-4116-4D11-B2D1-2419196A75A4}" dt="2023-05-02T10:06:21.793" v="71" actId="1076"/>
+          <ac:spMkLst>
+            <pc:docMk/>
+            <pc:sldMk cId="2433336688" sldId="257"/>
+            <ac:spMk id="2" creationId="{FE7764C1-95F5-6113-B236-79FEDA8D0EBE}"/>
+          </ac:spMkLst>
+        </pc:spChg>
+        <pc:spChg chg="mod">
+          <ac:chgData name="Snir Barzilay" userId="25ae7c42a3a23ea8" providerId="LiveId" clId="{31765B9D-4116-4D11-B2D1-2419196A75A4}" dt="2023-05-02T10:10:02.086" v="238" actId="14100"/>
+          <ac:spMkLst>
+            <pc:docMk/>
+            <pc:sldMk cId="2433336688" sldId="257"/>
+            <ac:spMk id="4" creationId="{14610072-524F-1463-E51C-B5606B4B245B}"/>
+          </ac:spMkLst>
+        </pc:spChg>
+        <pc:spChg chg="mod">
+          <ac:chgData name="Snir Barzilay" userId="25ae7c42a3a23ea8" providerId="LiveId" clId="{31765B9D-4116-4D11-B2D1-2419196A75A4}" dt="2023-05-02T10:08:42.657" v="172" actId="122"/>
+          <ac:spMkLst>
+            <pc:docMk/>
+            <pc:sldMk cId="2433336688" sldId="257"/>
+            <ac:spMk id="8" creationId="{461EB362-8CC4-3AD7-12D9-B0DEECDAD8D1}"/>
+          </ac:spMkLst>
+        </pc:spChg>
+        <pc:spChg chg="mod">
+          <ac:chgData name="Snir Barzilay" userId="25ae7c42a3a23ea8" providerId="LiveId" clId="{31765B9D-4116-4D11-B2D1-2419196A75A4}" dt="2023-05-02T10:08:46.989" v="175" actId="122"/>
+          <ac:spMkLst>
+            <pc:docMk/>
+            <pc:sldMk cId="2433336688" sldId="257"/>
+            <ac:spMk id="10" creationId="{AF5C1BCB-FD5D-F37C-7541-60C4998F365D}"/>
+          </ac:spMkLst>
+        </pc:spChg>
+        <pc:spChg chg="mod">
+          <ac:chgData name="Snir Barzilay" userId="25ae7c42a3a23ea8" providerId="LiveId" clId="{31765B9D-4116-4D11-B2D1-2419196A75A4}" dt="2023-05-02T10:08:08.629" v="83" actId="5793"/>
+          <ac:spMkLst>
+            <pc:docMk/>
+            <pc:sldMk cId="2433336688" sldId="257"/>
+            <ac:spMk id="15" creationId="{A70BA71A-A026-8B1C-1927-C10CFAECF46B}"/>
+          </ac:spMkLst>
+        </pc:spChg>
+        <pc:picChg chg="mod">
+          <ac:chgData name="Snir Barzilay" userId="25ae7c42a3a23ea8" providerId="LiveId" clId="{31765B9D-4116-4D11-B2D1-2419196A75A4}" dt="2023-05-02T10:39:07.395" v="242" actId="14826"/>
+          <ac:picMkLst>
+            <pc:docMk/>
+            <pc:sldMk cId="2433336688" sldId="257"/>
+            <ac:picMk id="6" creationId="{410CC1BC-6523-BE74-2AD2-99EB70D0DB1E}"/>
+          </ac:picMkLst>
+        </pc:picChg>
+        <pc:picChg chg="mod">
+          <ac:chgData name="Snir Barzilay" userId="25ae7c42a3a23ea8" providerId="LiveId" clId="{31765B9D-4116-4D11-B2D1-2419196A75A4}" dt="2023-05-02T10:39:24.591" v="244" actId="14826"/>
+          <ac:picMkLst>
+            <pc:docMk/>
+            <pc:sldMk cId="2433336688" sldId="257"/>
+            <ac:picMk id="7" creationId="{33AD3C0A-5FEE-4BEF-CAD5-E75FCFBBB65A}"/>
+          </ac:picMkLst>
+        </pc:picChg>
+      </pc:sldChg>
+    </pc:docChg>
+  </pc:docChgLst>
 </pc:chgInfo>
 </file>
 
@@ -816,7 +951,7 @@
           <a:p>
             <a:fld id="{FFB54A5F-3255-4218-9BCB-8C6EAB0F2463}" type="datetimeFigureOut">
               <a:rPr lang="en-US" smtClean="0"/>
-              <a:t>3/20/2023</a:t>
+              <a:t>5/2/2023</a:t>
             </a:fld>
             <a:endParaRPr lang="en-US"/>
           </a:p>
@@ -986,7 +1121,7 @@
           <a:p>
             <a:fld id="{FFB54A5F-3255-4218-9BCB-8C6EAB0F2463}" type="datetimeFigureOut">
               <a:rPr lang="en-US" smtClean="0"/>
-              <a:t>3/20/2023</a:t>
+              <a:t>5/2/2023</a:t>
             </a:fld>
             <a:endParaRPr lang="en-US"/>
           </a:p>
@@ -1166,7 +1301,7 @@
           <a:p>
             <a:fld id="{FFB54A5F-3255-4218-9BCB-8C6EAB0F2463}" type="datetimeFigureOut">
               <a:rPr lang="en-US" smtClean="0"/>
-              <a:t>3/20/2023</a:t>
+              <a:t>5/2/2023</a:t>
             </a:fld>
             <a:endParaRPr lang="en-US"/>
           </a:p>
@@ -1336,7 +1471,7 @@
           <a:p>
             <a:fld id="{FFB54A5F-3255-4218-9BCB-8C6EAB0F2463}" type="datetimeFigureOut">
               <a:rPr lang="en-US" smtClean="0"/>
-              <a:t>3/20/2023</a:t>
+              <a:t>5/2/2023</a:t>
             </a:fld>
             <a:endParaRPr lang="en-US"/>
           </a:p>
@@ -1580,7 +1715,7 @@
           <a:p>
             <a:fld id="{FFB54A5F-3255-4218-9BCB-8C6EAB0F2463}" type="datetimeFigureOut">
               <a:rPr lang="en-US" smtClean="0"/>
-              <a:t>3/20/2023</a:t>
+              <a:t>5/2/2023</a:t>
             </a:fld>
             <a:endParaRPr lang="en-US"/>
           </a:p>
@@ -1812,7 +1947,7 @@
           <a:p>
             <a:fld id="{FFB54A5F-3255-4218-9BCB-8C6EAB0F2463}" type="datetimeFigureOut">
               <a:rPr lang="en-US" smtClean="0"/>
-              <a:t>3/20/2023</a:t>
+              <a:t>5/2/2023</a:t>
             </a:fld>
             <a:endParaRPr lang="en-US"/>
           </a:p>
@@ -2179,7 +2314,7 @@
           <a:p>
             <a:fld id="{FFB54A5F-3255-4218-9BCB-8C6EAB0F2463}" type="datetimeFigureOut">
               <a:rPr lang="en-US" smtClean="0"/>
-              <a:t>3/20/2023</a:t>
+              <a:t>5/2/2023</a:t>
             </a:fld>
             <a:endParaRPr lang="en-US"/>
           </a:p>
@@ -2297,7 +2432,7 @@
           <a:p>
             <a:fld id="{FFB54A5F-3255-4218-9BCB-8C6EAB0F2463}" type="datetimeFigureOut">
               <a:rPr lang="en-US" smtClean="0"/>
-              <a:t>3/20/2023</a:t>
+              <a:t>5/2/2023</a:t>
             </a:fld>
             <a:endParaRPr lang="en-US"/>
           </a:p>
@@ -2392,7 +2527,7 @@
           <a:p>
             <a:fld id="{FFB54A5F-3255-4218-9BCB-8C6EAB0F2463}" type="datetimeFigureOut">
               <a:rPr lang="en-US" smtClean="0"/>
-              <a:t>3/20/2023</a:t>
+              <a:t>5/2/2023</a:t>
             </a:fld>
             <a:endParaRPr lang="en-US"/>
           </a:p>
@@ -2669,7 +2804,7 @@
           <a:p>
             <a:fld id="{FFB54A5F-3255-4218-9BCB-8C6EAB0F2463}" type="datetimeFigureOut">
               <a:rPr lang="en-US" smtClean="0"/>
-              <a:t>3/20/2023</a:t>
+              <a:t>5/2/2023</a:t>
             </a:fld>
             <a:endParaRPr lang="en-US"/>
           </a:p>
@@ -2926,7 +3061,7 @@
           <a:p>
             <a:fld id="{FFB54A5F-3255-4218-9BCB-8C6EAB0F2463}" type="datetimeFigureOut">
               <a:rPr lang="en-US" smtClean="0"/>
-              <a:t>3/20/2023</a:t>
+              <a:t>5/2/2023</a:t>
             </a:fld>
             <a:endParaRPr lang="en-US"/>
           </a:p>
@@ -3142,7 +3277,7 @@
           <a:p>
             <a:fld id="{FFB54A5F-3255-4218-9BCB-8C6EAB0F2463}" type="datetimeFigureOut">
               <a:rPr lang="en-US" smtClean="0"/>
-              <a:t>3/20/2023</a:t>
+              <a:t>5/2/2023</a:t>
             </a:fld>
             <a:endParaRPr lang="en-US"/>
           </a:p>
@@ -3575,14 +3710,14 @@
           </a:bodyPr>
           <a:lstStyle/>
           <a:p>
-            <a:pPr algn="r"/>
+            <a:pPr algn="ctr"/>
             <a:r>
               <a:rPr lang="he-IL" sz="1400" dirty="0"/>
               <a:t>במטלה הבאה יהיה עליך ללמוד את הערך המספרי בשקלים של שני צדדי מטבע.</a:t>
             </a:r>
           </a:p>
           <a:p>
-            <a:pPr algn="r"/>
+            <a:pPr algn="ctr"/>
             <a:r>
               <a:rPr lang="he-IL" sz="1400" dirty="0"/>
               <a:t>לפני כל צעד ניסוי יופיעו שני צדדי מטבע. לדוגמה: </a:t>
@@ -3616,7 +3751,7 @@
       </p:sp>
       <p:pic>
         <p:nvPicPr>
-          <p:cNvPr id="3" name="Picture 2" descr="A green frog on a white plate&#10;&#10;Description automatically generated">
+          <p:cNvPr id="3" name="Picture 2">
             <a:extLst>
               <a:ext uri="{FF2B5EF4-FFF2-40B4-BE49-F238E27FC236}">
                 <a16:creationId xmlns:a16="http://schemas.microsoft.com/office/drawing/2014/main" id="{642C228D-8C30-8564-3D78-6B9C312AEB6B}"/>
@@ -3636,9 +3771,8 @@
               </a:ext>
             </a:extLst>
           </a:blip>
-          <a:stretch>
-            <a:fillRect/>
-          </a:stretch>
+          <a:srcRect/>
+          <a:stretch/>
         </p:blipFill>
         <p:spPr>
           <a:xfrm>
@@ -3652,7 +3786,7 @@
       </p:pic>
       <p:pic>
         <p:nvPicPr>
-          <p:cNvPr id="6" name="Picture 5" descr="A close-up of a person&#10;&#10;Description automatically generated with low confidence">
+          <p:cNvPr id="6" name="Picture 5">
             <a:extLst>
               <a:ext uri="{FF2B5EF4-FFF2-40B4-BE49-F238E27FC236}">
                 <a16:creationId xmlns:a16="http://schemas.microsoft.com/office/drawing/2014/main" id="{410CC1BC-6523-BE74-2AD2-99EB70D0DB1E}"/>
@@ -3672,9 +3806,8 @@
               </a:ext>
             </a:extLst>
           </a:blip>
-          <a:stretch>
-            <a:fillRect/>
-          </a:stretch>
+          <a:srcRect/>
+          <a:stretch/>
         </p:blipFill>
         <p:spPr>
           <a:xfrm>
@@ -3714,7 +3847,7 @@
           </a:bodyPr>
           <a:lstStyle/>
           <a:p>
-            <a:pPr algn="r"/>
+            <a:pPr algn="ctr"/>
             <a:r>
               <a:rPr lang="he-IL" sz="1400" dirty="0"/>
               <a:t>לאחר לחיצה על מקש הרווח, המטבע יוגרל וייפול על אחד מצדדיו. מיד לאחר מכן, יופיע מספר שיתאר את התוצאה של אותה הטלת מטבע:</a:t>
@@ -3736,7 +3869,7 @@
         </p:nvSpPr>
         <p:spPr>
           <a:xfrm>
-            <a:off x="3471025" y="4973583"/>
+            <a:off x="2400940" y="5028752"/>
             <a:ext cx="4572000" cy="307777"/>
           </a:xfrm>
           <a:prstGeom prst="rect">
@@ -3750,7 +3883,7 @@
           </a:bodyPr>
           <a:lstStyle/>
           <a:p>
-            <a:pPr algn="r"/>
+            <a:pPr algn="ctr"/>
             <a:r>
               <a:rPr lang="he-IL" sz="1400" dirty="0"/>
               <a:t>עליך ללמוד אילו ערכים מקושרים לצדדים השונים של המטבע. </a:t>
@@ -3760,7 +3893,7 @@
       </p:sp>
       <p:pic>
         <p:nvPicPr>
-          <p:cNvPr id="11" name="Picture 10" descr="A green frog on a white plate&#10;&#10;Description automatically generated">
+          <p:cNvPr id="11" name="Picture 10">
             <a:extLst>
               <a:ext uri="{FF2B5EF4-FFF2-40B4-BE49-F238E27FC236}">
                 <a16:creationId xmlns:a16="http://schemas.microsoft.com/office/drawing/2014/main" id="{DECC68EC-0E76-C00C-2DFA-77C32B3B1D90}"/>
@@ -3773,16 +3906,15 @@
           <p:nvPr/>
         </p:nvPicPr>
         <p:blipFill>
-          <a:blip r:embed="rId2">
+          <a:blip r:embed="rId4">
             <a:extLst>
               <a:ext uri="{28A0092B-C50C-407E-A947-70E740481C1C}">
                 <a14:useLocalDpi xmlns:a14="http://schemas.microsoft.com/office/drawing/2010/main" val="0"/>
               </a:ext>
             </a:extLst>
           </a:blip>
-          <a:stretch>
-            <a:fillRect/>
-          </a:stretch>
+          <a:srcRect/>
+          <a:stretch/>
         </p:blipFill>
         <p:spPr>
           <a:xfrm>
@@ -3852,8 +3984,8 @@
         </p:nvSpPr>
         <p:spPr>
           <a:xfrm>
-            <a:off x="3386919" y="4007634"/>
-            <a:ext cx="740980" cy="369332"/>
+            <a:off x="3462586" y="3981358"/>
+            <a:ext cx="291646" cy="646331"/>
           </a:xfrm>
           <a:prstGeom prst="rect">
             <a:avLst/>
@@ -3867,9 +3999,10 @@
           <a:lstStyle/>
           <a:p>
             <a:r>
-              <a:rPr lang="en-US" dirty="0"/>
-              <a:t>-5</a:t>
-            </a:r>
+              <a:rPr lang="he-IL" dirty="0"/>
+              <a:t>₪ </a:t>
+            </a:r>
+            <a:endParaRPr lang="en-US" dirty="0"/>
           </a:p>
         </p:txBody>
       </p:sp>
@@ -3917,7 +4050,7 @@
         </p:nvSpPr>
         <p:spPr>
           <a:xfrm>
-            <a:off x="2832538" y="1234967"/>
+            <a:off x="2828016" y="1533719"/>
             <a:ext cx="1560786" cy="1598074"/>
           </a:xfrm>
           <a:prstGeom prst="ellipse">
@@ -3969,8 +4102,8 @@
         </p:nvSpPr>
         <p:spPr>
           <a:xfrm>
-            <a:off x="1330856" y="614225"/>
-            <a:ext cx="6712169" cy="1831271"/>
+            <a:off x="1016901" y="451595"/>
+            <a:ext cx="6844846" cy="2200602"/>
           </a:xfrm>
           <a:prstGeom prst="rect">
             <a:avLst/>
@@ -3983,45 +4116,53 @@
           </a:bodyPr>
           <a:lstStyle/>
           <a:p>
-            <a:pPr algn="r"/>
+            <a:pPr algn="ctr" rtl="1"/>
             <a:r>
               <a:rPr lang="he-IL" sz="1400" b="1" dirty="0"/>
               <a:t>בחלק מהצעדים</a:t>
             </a:r>
             <a:r>
               <a:rPr lang="he-IL" sz="1400" dirty="0"/>
-              <a:t>, יופיע עיגול ירוק מסביב לאחד מצדדי המטבע. בצעדים אלו, יהיה עליך לדמיין את המטבע מסתובב ונוחת על הצד המסומן בירוק</a:t>
-            </a:r>
-          </a:p>
-          <a:p>
-            <a:pPr algn="r"/>
+              <a:t>, יופיע עיגול ירוק מסביב לאחד מצדדי המטבע. לאחר לחיצה על מקש הרווח, יופיע מטבע אפור מסתובב ששני צדדיו ריקים. בזמן הסיבוב נבקש ממך לדמיין את הצורות מתחלפות על המטבע הריק. יהיה עליך לדמיין את המטבע מסתובב ונוחת על הצד המסומן בירוק.</a:t>
+            </a:r>
+            <a:r>
+              <a:rPr lang="en-US" sz="1400" dirty="0"/>
+              <a:t> </a:t>
+            </a:r>
+            <a:r>
+              <a:rPr lang="he-IL" sz="1400" dirty="0"/>
+              <a:t>בזמן הסיבוב, כשמטבע הריק ייעצר, יהיה עליך לדמיין שהמטבע נחת על הצורה שמסומנת בירוק.</a:t>
+            </a:r>
+          </a:p>
+          <a:p>
+            <a:pPr algn="r" rtl="1"/>
             <a:endParaRPr lang="he-IL" sz="1350" dirty="0"/>
           </a:p>
           <a:p>
-            <a:pPr algn="r"/>
+            <a:pPr algn="r" rtl="1"/>
             <a:endParaRPr lang="he-IL" sz="1350" dirty="0"/>
           </a:p>
           <a:p>
-            <a:pPr algn="r"/>
+            <a:pPr algn="r" rtl="1"/>
             <a:endParaRPr lang="he-IL" sz="1350" dirty="0"/>
           </a:p>
           <a:p>
-            <a:pPr algn="r"/>
+            <a:pPr algn="r" rtl="1"/>
             <a:endParaRPr lang="he-IL" sz="1350" dirty="0"/>
           </a:p>
           <a:p>
-            <a:pPr algn="r"/>
+            <a:pPr algn="r" rtl="1"/>
             <a:endParaRPr lang="he-IL" sz="1350" dirty="0"/>
           </a:p>
           <a:p>
-            <a:pPr algn="r"/>
+            <a:pPr algn="r" rtl="1"/>
             <a:endParaRPr lang="he-IL" sz="1350" dirty="0"/>
           </a:p>
         </p:txBody>
       </p:sp>
       <p:pic>
         <p:nvPicPr>
-          <p:cNvPr id="6" name="Picture 5" descr="A close-up of a person&#10;&#10;Description automatically generated with low confidence">
+          <p:cNvPr id="6" name="Picture 5">
             <a:extLst>
               <a:ext uri="{FF2B5EF4-FFF2-40B4-BE49-F238E27FC236}">
                 <a16:creationId xmlns:a16="http://schemas.microsoft.com/office/drawing/2014/main" id="{410CC1BC-6523-BE74-2AD2-99EB70D0DB1E}"/>
@@ -4041,13 +4182,12 @@
               </a:ext>
             </a:extLst>
           </a:blip>
-          <a:stretch>
-            <a:fillRect/>
-          </a:stretch>
+          <a:srcRect/>
+          <a:stretch/>
         </p:blipFill>
         <p:spPr>
           <a:xfrm>
-            <a:off x="5535591" y="1390970"/>
+            <a:off x="5535591" y="1711797"/>
             <a:ext cx="1253165" cy="1253165"/>
           </a:xfrm>
           <a:prstGeom prst="rect">
@@ -4069,8 +4209,8 @@
         </p:nvSpPr>
         <p:spPr>
           <a:xfrm>
-            <a:off x="1198180" y="2903186"/>
-            <a:ext cx="6844846" cy="738664"/>
+            <a:off x="1149577" y="3257128"/>
+            <a:ext cx="6844846" cy="307777"/>
           </a:xfrm>
           <a:prstGeom prst="rect">
             <a:avLst/>
@@ -4083,10 +4223,10 @@
           </a:bodyPr>
           <a:lstStyle/>
           <a:p>
-            <a:pPr algn="r"/>
+            <a:pPr algn="ctr"/>
             <a:r>
               <a:rPr lang="he-IL" sz="1400" dirty="0"/>
-              <a:t>לאחר לחיצה על מקש הרווח, יופיע מטבע מסתובב ששני צדדיו ריקים. בזמן הסיבוב, נבקש ממך לדמיין את הצורות מתחלפות. כשמטבע הריק ייעצר, יהיה עליך לדמיין את הצורה שמסומנת בירוק. מיד לאחר מכן, יופיע מספר שיתאר את התוצאה של אותה הטלת מטבע:</a:t>
+              <a:t>מיד לאחר מכן, יופיע מספר שיתאר את התוצאה של אותה הטלת מטבע:</a:t>
             </a:r>
           </a:p>
         </p:txBody>
@@ -4105,8 +4245,8 @@
         </p:nvSpPr>
         <p:spPr>
           <a:xfrm>
-            <a:off x="3471025" y="4973583"/>
-            <a:ext cx="4572000" cy="523220"/>
+            <a:off x="1266497" y="4973583"/>
+            <a:ext cx="6776528" cy="523220"/>
           </a:xfrm>
           <a:prstGeom prst="rect">
             <a:avLst/>
@@ -4119,10 +4259,17 @@
           </a:bodyPr>
           <a:lstStyle/>
           <a:p>
-            <a:pPr algn="r"/>
+            <a:pPr algn="ctr"/>
             <a:r>
               <a:rPr lang="he-IL" sz="1400" dirty="0"/>
               <a:t>גם כאן יהיה עליך ללמוד אילו ערכים מקושרים לצדדים השונים של המטבע. </a:t>
+            </a:r>
+          </a:p>
+          <a:p>
+            <a:pPr algn="ctr"/>
+            <a:r>
+              <a:rPr lang="he-IL" sz="1400" dirty="0"/>
+              <a:t>ייתכן והערכים של צעדי הדמיון והערכים של צעדי הצפייה יהיו שונים. </a:t>
             </a:r>
           </a:p>
         </p:txBody>
@@ -4185,8 +4332,8 @@
         </p:nvSpPr>
         <p:spPr>
           <a:xfrm>
-            <a:off x="3386919" y="4007634"/>
-            <a:ext cx="740980" cy="369332"/>
+            <a:off x="3352185" y="4012427"/>
+            <a:ext cx="583939" cy="369332"/>
           </a:xfrm>
           <a:prstGeom prst="rect">
             <a:avLst/>
@@ -4200,15 +4347,16 @@
           <a:lstStyle/>
           <a:p>
             <a:r>
-              <a:rPr lang="en-US" dirty="0"/>
-              <a:t>-8</a:t>
-            </a:r>
+              <a:rPr lang="he-IL" dirty="0"/>
+              <a:t>₪ </a:t>
+            </a:r>
+            <a:endParaRPr lang="en-US" dirty="0"/>
           </a:p>
         </p:txBody>
       </p:sp>
       <p:pic>
         <p:nvPicPr>
-          <p:cNvPr id="7" name="Picture 6" descr="A green frog on a black plate&#10;&#10;Description automatically generated with medium confidence">
+          <p:cNvPr id="7" name="Picture 6">
             <a:extLst>
               <a:ext uri="{FF2B5EF4-FFF2-40B4-BE49-F238E27FC236}">
                 <a16:creationId xmlns:a16="http://schemas.microsoft.com/office/drawing/2014/main" id="{33AD3C0A-5FEE-4BEF-CAD5-E75FCFBBB65A}"/>
@@ -4228,13 +4376,12 @@
               </a:ext>
             </a:extLst>
           </a:blip>
-          <a:stretch>
-            <a:fillRect/>
-          </a:stretch>
+          <a:srcRect/>
+          <a:stretch/>
         </p:blipFill>
         <p:spPr>
           <a:xfrm>
-            <a:off x="2940518" y="1366993"/>
+            <a:off x="2936831" y="1659756"/>
             <a:ext cx="1343157" cy="1343157"/>
           </a:xfrm>
           <a:prstGeom prst="rect">

--- a/instructions.pptx
+++ b/instructions.pptx
@@ -7,6 +7,7 @@
   <p:sldIdLst>
     <p:sldId id="256" r:id="rId2"/>
     <p:sldId id="257" r:id="rId3"/>
+    <p:sldId id="258" r:id="rId4"/>
   </p:sldIdLst>
   <p:sldSz cx="9144000" cy="6858000" type="screen4x3"/>
   <p:notesSz cx="6858000" cy="9144000"/>
@@ -116,7 +117,7 @@
 <file path=ppt/revisionInfo.xml><?xml version="1.0" encoding="utf-8"?>
 <p1510:revInfo xmlns:a="http://schemas.openxmlformats.org/drawingml/2006/main" xmlns:r="http://schemas.openxmlformats.org/officeDocument/2006/relationships" xmlns:p1510="http://schemas.microsoft.com/office/powerpoint/2015/10/main">
   <p1510:revLst>
-    <p1510:client id="{31765B9D-4116-4D11-B2D1-2419196A75A4}" v="6" dt="2023-05-02T10:39:24.602"/>
+    <p1510:client id="{31765B9D-4116-4D11-B2D1-2419196A75A4}" v="10" dt="2023-05-14T03:43:30.597"/>
   </p1510:revLst>
 </p1510:revInfo>
 </file>
@@ -684,8 +685,8 @@
   </pc:docChgLst>
   <pc:docChgLst>
     <pc:chgData name="Snir Barzilay" userId="25ae7c42a3a23ea8" providerId="LiveId" clId="{31765B9D-4116-4D11-B2D1-2419196A75A4}"/>
-    <pc:docChg chg="undo custSel modSld">
-      <pc:chgData name="Snir Barzilay" userId="25ae7c42a3a23ea8" providerId="LiveId" clId="{31765B9D-4116-4D11-B2D1-2419196A75A4}" dt="2023-05-02T10:39:24.591" v="244" actId="14826"/>
+    <pc:docChg chg="undo custSel addSld modSld">
+      <pc:chgData name="Snir Barzilay" userId="25ae7c42a3a23ea8" providerId="LiveId" clId="{31765B9D-4116-4D11-B2D1-2419196A75A4}" dt="2023-05-14T03:49:16.838" v="982" actId="20577"/>
       <pc:docMkLst>
         <pc:docMk/>
       </pc:docMkLst>
@@ -753,7 +754,7 @@
         </pc:picChg>
       </pc:sldChg>
       <pc:sldChg chg="modSp mod">
-        <pc:chgData name="Snir Barzilay" userId="25ae7c42a3a23ea8" providerId="LiveId" clId="{31765B9D-4116-4D11-B2D1-2419196A75A4}" dt="2023-05-02T10:39:24.591" v="244" actId="14826"/>
+        <pc:chgData name="Snir Barzilay" userId="25ae7c42a3a23ea8" providerId="LiveId" clId="{31765B9D-4116-4D11-B2D1-2419196A75A4}" dt="2023-05-14T03:39:44.025" v="396" actId="20577"/>
         <pc:sldMkLst>
           <pc:docMk/>
           <pc:sldMk cId="2433336688" sldId="257"/>
@@ -783,7 +784,7 @@
           </ac:spMkLst>
         </pc:spChg>
         <pc:spChg chg="mod">
-          <ac:chgData name="Snir Barzilay" userId="25ae7c42a3a23ea8" providerId="LiveId" clId="{31765B9D-4116-4D11-B2D1-2419196A75A4}" dt="2023-05-02T10:08:46.989" v="175" actId="122"/>
+          <ac:chgData name="Snir Barzilay" userId="25ae7c42a3a23ea8" providerId="LiveId" clId="{31765B9D-4116-4D11-B2D1-2419196A75A4}" dt="2023-05-14T03:39:44.025" v="396" actId="20577"/>
           <ac:spMkLst>
             <pc:docMk/>
             <pc:sldMk cId="2433336688" sldId="257"/>
@@ -812,6 +813,77 @@
             <pc:docMk/>
             <pc:sldMk cId="2433336688" sldId="257"/>
             <ac:picMk id="7" creationId="{33AD3C0A-5FEE-4BEF-CAD5-E75FCFBBB65A}"/>
+          </ac:picMkLst>
+        </pc:picChg>
+      </pc:sldChg>
+      <pc:sldChg chg="addSp delSp modSp new mod">
+        <pc:chgData name="Snir Barzilay" userId="25ae7c42a3a23ea8" providerId="LiveId" clId="{31765B9D-4116-4D11-B2D1-2419196A75A4}" dt="2023-05-14T03:49:16.838" v="982" actId="20577"/>
+        <pc:sldMkLst>
+          <pc:docMk/>
+          <pc:sldMk cId="1907122730" sldId="258"/>
+        </pc:sldMkLst>
+        <pc:spChg chg="del">
+          <ac:chgData name="Snir Barzilay" userId="25ae7c42a3a23ea8" providerId="LiveId" clId="{31765B9D-4116-4D11-B2D1-2419196A75A4}" dt="2023-05-14T03:40:02.724" v="398" actId="478"/>
+          <ac:spMkLst>
+            <pc:docMk/>
+            <pc:sldMk cId="1907122730" sldId="258"/>
+            <ac:spMk id="2" creationId="{72A3B1E3-F77C-3EF8-C357-4627ABDAC3FE}"/>
+          </ac:spMkLst>
+        </pc:spChg>
+        <pc:spChg chg="del">
+          <ac:chgData name="Snir Barzilay" userId="25ae7c42a3a23ea8" providerId="LiveId" clId="{31765B9D-4116-4D11-B2D1-2419196A75A4}" dt="2023-05-14T03:40:04.044" v="399" actId="478"/>
+          <ac:spMkLst>
+            <pc:docMk/>
+            <pc:sldMk cId="1907122730" sldId="258"/>
+            <ac:spMk id="3" creationId="{66E75FA3-0FE3-6C89-17DC-D359EFAEB03E}"/>
+          </ac:spMkLst>
+        </pc:spChg>
+        <pc:spChg chg="add mod">
+          <ac:chgData name="Snir Barzilay" userId="25ae7c42a3a23ea8" providerId="LiveId" clId="{31765B9D-4116-4D11-B2D1-2419196A75A4}" dt="2023-05-14T03:41:06.813" v="561" actId="20577"/>
+          <ac:spMkLst>
+            <pc:docMk/>
+            <pc:sldMk cId="1907122730" sldId="258"/>
+            <ac:spMk id="4" creationId="{F106ABA8-DF0F-9F04-30C5-8673A25B41C1}"/>
+          </ac:spMkLst>
+        </pc:spChg>
+        <pc:spChg chg="add mod">
+          <ac:chgData name="Snir Barzilay" userId="25ae7c42a3a23ea8" providerId="LiveId" clId="{31765B9D-4116-4D11-B2D1-2419196A75A4}" dt="2023-05-14T03:42:57.379" v="586" actId="1076"/>
+          <ac:spMkLst>
+            <pc:docMk/>
+            <pc:sldMk cId="1907122730" sldId="258"/>
+            <ac:spMk id="7" creationId="{C95F0CDA-78B3-FE21-F423-F7C3BA262E22}"/>
+          </ac:spMkLst>
+        </pc:spChg>
+        <pc:spChg chg="add mod">
+          <ac:chgData name="Snir Barzilay" userId="25ae7c42a3a23ea8" providerId="LiveId" clId="{31765B9D-4116-4D11-B2D1-2419196A75A4}" dt="2023-05-14T03:43:19.084" v="595" actId="1076"/>
+          <ac:spMkLst>
+            <pc:docMk/>
+            <pc:sldMk cId="1907122730" sldId="258"/>
+            <ac:spMk id="9" creationId="{71CD924D-088C-EC79-8BE2-7FC35888E685}"/>
+          </ac:spMkLst>
+        </pc:spChg>
+        <pc:spChg chg="add mod">
+          <ac:chgData name="Snir Barzilay" userId="25ae7c42a3a23ea8" providerId="LiveId" clId="{31765B9D-4116-4D11-B2D1-2419196A75A4}" dt="2023-05-14T03:49:16.838" v="982" actId="20577"/>
+          <ac:spMkLst>
+            <pc:docMk/>
+            <pc:sldMk cId="1907122730" sldId="258"/>
+            <ac:spMk id="10" creationId="{FD544692-7B7A-EFF9-F613-BD7396EF4B4A}"/>
+          </ac:spMkLst>
+        </pc:spChg>
+        <pc:picChg chg="add mod">
+          <ac:chgData name="Snir Barzilay" userId="25ae7c42a3a23ea8" providerId="LiveId" clId="{31765B9D-4116-4D11-B2D1-2419196A75A4}" dt="2023-05-14T03:43:05.075" v="588" actId="1076"/>
+          <ac:picMkLst>
+            <pc:docMk/>
+            <pc:sldMk cId="1907122730" sldId="258"/>
+            <ac:picMk id="5" creationId="{BE16D9BB-716E-C280-2AD0-35ED6286F80A}"/>
+          </ac:picMkLst>
+        </pc:picChg>
+        <pc:picChg chg="add mod">
+          <ac:chgData name="Snir Barzilay" userId="25ae7c42a3a23ea8" providerId="LiveId" clId="{31765B9D-4116-4D11-B2D1-2419196A75A4}" dt="2023-05-14T03:41:31.191" v="567" actId="1076"/>
+          <ac:picMkLst>
+            <pc:docMk/>
+            <pc:sldMk cId="1907122730" sldId="258"/>
+            <ac:picMk id="6" creationId="{BE922488-182D-DA8C-0FCA-25244D06DC2E}"/>
           </ac:picMkLst>
         </pc:picChg>
       </pc:sldChg>
@@ -951,7 +1023,7 @@
           <a:p>
             <a:fld id="{FFB54A5F-3255-4218-9BCB-8C6EAB0F2463}" type="datetimeFigureOut">
               <a:rPr lang="en-US" smtClean="0"/>
-              <a:t>5/2/2023</a:t>
+              <a:t>5/14/2023</a:t>
             </a:fld>
             <a:endParaRPr lang="en-US"/>
           </a:p>
@@ -1121,7 +1193,7 @@
           <a:p>
             <a:fld id="{FFB54A5F-3255-4218-9BCB-8C6EAB0F2463}" type="datetimeFigureOut">
               <a:rPr lang="en-US" smtClean="0"/>
-              <a:t>5/2/2023</a:t>
+              <a:t>5/14/2023</a:t>
             </a:fld>
             <a:endParaRPr lang="en-US"/>
           </a:p>
@@ -1301,7 +1373,7 @@
           <a:p>
             <a:fld id="{FFB54A5F-3255-4218-9BCB-8C6EAB0F2463}" type="datetimeFigureOut">
               <a:rPr lang="en-US" smtClean="0"/>
-              <a:t>5/2/2023</a:t>
+              <a:t>5/14/2023</a:t>
             </a:fld>
             <a:endParaRPr lang="en-US"/>
           </a:p>
@@ -1471,7 +1543,7 @@
           <a:p>
             <a:fld id="{FFB54A5F-3255-4218-9BCB-8C6EAB0F2463}" type="datetimeFigureOut">
               <a:rPr lang="en-US" smtClean="0"/>
-              <a:t>5/2/2023</a:t>
+              <a:t>5/14/2023</a:t>
             </a:fld>
             <a:endParaRPr lang="en-US"/>
           </a:p>
@@ -1715,7 +1787,7 @@
           <a:p>
             <a:fld id="{FFB54A5F-3255-4218-9BCB-8C6EAB0F2463}" type="datetimeFigureOut">
               <a:rPr lang="en-US" smtClean="0"/>
-              <a:t>5/2/2023</a:t>
+              <a:t>5/14/2023</a:t>
             </a:fld>
             <a:endParaRPr lang="en-US"/>
           </a:p>
@@ -1947,7 +2019,7 @@
           <a:p>
             <a:fld id="{FFB54A5F-3255-4218-9BCB-8C6EAB0F2463}" type="datetimeFigureOut">
               <a:rPr lang="en-US" smtClean="0"/>
-              <a:t>5/2/2023</a:t>
+              <a:t>5/14/2023</a:t>
             </a:fld>
             <a:endParaRPr lang="en-US"/>
           </a:p>
@@ -2314,7 +2386,7 @@
           <a:p>
             <a:fld id="{FFB54A5F-3255-4218-9BCB-8C6EAB0F2463}" type="datetimeFigureOut">
               <a:rPr lang="en-US" smtClean="0"/>
-              <a:t>5/2/2023</a:t>
+              <a:t>5/14/2023</a:t>
             </a:fld>
             <a:endParaRPr lang="en-US"/>
           </a:p>
@@ -2432,7 +2504,7 @@
           <a:p>
             <a:fld id="{FFB54A5F-3255-4218-9BCB-8C6EAB0F2463}" type="datetimeFigureOut">
               <a:rPr lang="en-US" smtClean="0"/>
-              <a:t>5/2/2023</a:t>
+              <a:t>5/14/2023</a:t>
             </a:fld>
             <a:endParaRPr lang="en-US"/>
           </a:p>
@@ -2527,7 +2599,7 @@
           <a:p>
             <a:fld id="{FFB54A5F-3255-4218-9BCB-8C6EAB0F2463}" type="datetimeFigureOut">
               <a:rPr lang="en-US" smtClean="0"/>
-              <a:t>5/2/2023</a:t>
+              <a:t>5/14/2023</a:t>
             </a:fld>
             <a:endParaRPr lang="en-US"/>
           </a:p>
@@ -2804,7 +2876,7 @@
           <a:p>
             <a:fld id="{FFB54A5F-3255-4218-9BCB-8C6EAB0F2463}" type="datetimeFigureOut">
               <a:rPr lang="en-US" smtClean="0"/>
-              <a:t>5/2/2023</a:t>
+              <a:t>5/14/2023</a:t>
             </a:fld>
             <a:endParaRPr lang="en-US"/>
           </a:p>
@@ -3061,7 +3133,7 @@
           <a:p>
             <a:fld id="{FFB54A5F-3255-4218-9BCB-8C6EAB0F2463}" type="datetimeFigureOut">
               <a:rPr lang="en-US" smtClean="0"/>
-              <a:t>5/2/2023</a:t>
+              <a:t>5/14/2023</a:t>
             </a:fld>
             <a:endParaRPr lang="en-US"/>
           </a:p>
@@ -3277,7 +3349,7 @@
           <a:p>
             <a:fld id="{FFB54A5F-3255-4218-9BCB-8C6EAB0F2463}" type="datetimeFigureOut">
               <a:rPr lang="en-US" smtClean="0"/>
-              <a:t>5/2/2023</a:t>
+              <a:t>5/14/2023</a:t>
             </a:fld>
             <a:endParaRPr lang="en-US"/>
           </a:p>
@@ -4246,7 +4318,7 @@
         <p:spPr>
           <a:xfrm>
             <a:off x="1266497" y="4973583"/>
-            <a:ext cx="6776528" cy="523220"/>
+            <a:ext cx="6776528" cy="954107"/>
           </a:xfrm>
           <a:prstGeom prst="rect">
             <a:avLst/>
@@ -4270,6 +4342,18 @@
             <a:r>
               <a:rPr lang="he-IL" sz="1400" dirty="0"/>
               <a:t>ייתכן והערכים של צעדי הדמיון והערכים של צעדי הצפייה יהיו שונים. </a:t>
+            </a:r>
+            <a:endParaRPr lang="en-US" sz="1400" dirty="0"/>
+          </a:p>
+          <a:p>
+            <a:pPr algn="ctr"/>
+            <a:endParaRPr lang="he-IL" sz="1400" dirty="0"/>
+          </a:p>
+          <a:p>
+            <a:pPr algn="ctr"/>
+            <a:r>
+              <a:rPr lang="he-IL" sz="1400" dirty="0"/>
+              <a:t>השקעה בשלב הלמידה יכולה להגביר את הסיכוי לזכות בבונות גבוה יותר!</a:t>
             </a:r>
           </a:p>
         </p:txBody>
@@ -4429,6 +4513,338 @@
     <p:extLst>
       <p:ext uri="{BB962C8B-B14F-4D97-AF65-F5344CB8AC3E}">
         <p14:creationId xmlns:p14="http://schemas.microsoft.com/office/powerpoint/2010/main" val="2433336688"/>
+      </p:ext>
+    </p:extLst>
+  </p:cSld>
+  <p:clrMapOvr>
+    <a:masterClrMapping/>
+  </p:clrMapOvr>
+</p:sld>
+</file>
+
+<file path=ppt/slides/slide3.xml><?xml version="1.0" encoding="utf-8"?>
+<p:sld xmlns:a="http://schemas.openxmlformats.org/drawingml/2006/main" xmlns:r="http://schemas.openxmlformats.org/officeDocument/2006/relationships" xmlns:p="http://schemas.openxmlformats.org/presentationml/2006/main">
+  <p:cSld>
+    <p:spTree>
+      <p:nvGrpSpPr>
+        <p:cNvPr id="1" name=""/>
+        <p:cNvGrpSpPr/>
+        <p:nvPr/>
+      </p:nvGrpSpPr>
+      <p:grpSpPr>
+        <a:xfrm>
+          <a:off x="0" y="0"/>
+          <a:ext cx="0" cy="0"/>
+          <a:chOff x="0" y="0"/>
+          <a:chExt cx="0" cy="0"/>
+        </a:xfrm>
+      </p:grpSpPr>
+      <p:sp>
+        <p:nvSpPr>
+          <p:cNvPr id="4" name="TextBox 3">
+            <a:extLst>
+              <a:ext uri="{FF2B5EF4-FFF2-40B4-BE49-F238E27FC236}">
+                <a16:creationId xmlns:a16="http://schemas.microsoft.com/office/drawing/2014/main" id="{F106ABA8-DF0F-9F04-30C5-8673A25B41C1}"/>
+              </a:ext>
+            </a:extLst>
+          </p:cNvPr>
+          <p:cNvSpPr txBox="1"/>
+          <p:nvPr/>
+        </p:nvSpPr>
+        <p:spPr>
+          <a:xfrm>
+            <a:off x="1434662" y="609600"/>
+            <a:ext cx="6516414" cy="923330"/>
+          </a:xfrm>
+          <a:prstGeom prst="rect">
+            <a:avLst/>
+          </a:prstGeom>
+          <a:noFill/>
+        </p:spPr>
+        <p:txBody>
+          <a:bodyPr wrap="square" rtlCol="0">
+            <a:spAutoFit/>
+          </a:bodyPr>
+          <a:lstStyle/>
+          <a:p>
+            <a:pPr algn="r"/>
+            <a:r>
+              <a:rPr lang="he-IL" dirty="0"/>
+              <a:t>כעת יחל שלב ההימורים.</a:t>
+            </a:r>
+          </a:p>
+          <a:p>
+            <a:pPr algn="r"/>
+            <a:endParaRPr lang="he-IL" dirty="0"/>
+          </a:p>
+          <a:p>
+            <a:pPr algn="r"/>
+            <a:r>
+              <a:rPr lang="he-IL" dirty="0"/>
+              <a:t>בחלק זה, יופיעו בפניך שתי אפשרויות:</a:t>
+            </a:r>
+          </a:p>
+        </p:txBody>
+      </p:sp>
+      <p:pic>
+        <p:nvPicPr>
+          <p:cNvPr id="5" name="Picture 4">
+            <a:extLst>
+              <a:ext uri="{FF2B5EF4-FFF2-40B4-BE49-F238E27FC236}">
+                <a16:creationId xmlns:a16="http://schemas.microsoft.com/office/drawing/2014/main" id="{BE16D9BB-716E-C280-2AD0-35ED6286F80A}"/>
+              </a:ext>
+            </a:extLst>
+          </p:cNvPr>
+          <p:cNvPicPr>
+            <a:picLocks noChangeAspect="1"/>
+          </p:cNvPicPr>
+          <p:nvPr/>
+        </p:nvPicPr>
+        <p:blipFill>
+          <a:blip r:embed="rId2">
+            <a:extLst>
+              <a:ext uri="{28A0092B-C50C-407E-A947-70E740481C1C}">
+                <a14:useLocalDpi xmlns:a14="http://schemas.microsoft.com/office/drawing/2010/main" val="0"/>
+              </a:ext>
+            </a:extLst>
+          </a:blip>
+          <a:srcRect/>
+          <a:stretch/>
+        </p:blipFill>
+        <p:spPr>
+          <a:xfrm>
+            <a:off x="2414268" y="1937506"/>
+            <a:ext cx="721609" cy="721609"/>
+          </a:xfrm>
+          <a:prstGeom prst="rect">
+            <a:avLst/>
+          </a:prstGeom>
+        </p:spPr>
+      </p:pic>
+      <p:pic>
+        <p:nvPicPr>
+          <p:cNvPr id="6" name="Picture 5">
+            <a:extLst>
+              <a:ext uri="{FF2B5EF4-FFF2-40B4-BE49-F238E27FC236}">
+                <a16:creationId xmlns:a16="http://schemas.microsoft.com/office/drawing/2014/main" id="{BE922488-182D-DA8C-0FCA-25244D06DC2E}"/>
+              </a:ext>
+            </a:extLst>
+          </p:cNvPr>
+          <p:cNvPicPr>
+            <a:picLocks noChangeAspect="1"/>
+          </p:cNvPicPr>
+          <p:nvPr/>
+        </p:nvPicPr>
+        <p:blipFill>
+          <a:blip r:embed="rId3">
+            <a:extLst>
+              <a:ext uri="{28A0092B-C50C-407E-A947-70E740481C1C}">
+                <a14:useLocalDpi xmlns:a14="http://schemas.microsoft.com/office/drawing/2010/main" val="0"/>
+              </a:ext>
+            </a:extLst>
+          </a:blip>
+          <a:srcRect/>
+          <a:stretch/>
+        </p:blipFill>
+        <p:spPr>
+          <a:xfrm>
+            <a:off x="3375716" y="1937506"/>
+            <a:ext cx="721609" cy="721609"/>
+          </a:xfrm>
+          <a:prstGeom prst="rect">
+            <a:avLst/>
+          </a:prstGeom>
+        </p:spPr>
+      </p:pic>
+      <p:sp>
+        <p:nvSpPr>
+          <p:cNvPr id="7" name="TextBox 6">
+            <a:extLst>
+              <a:ext uri="{FF2B5EF4-FFF2-40B4-BE49-F238E27FC236}">
+                <a16:creationId xmlns:a16="http://schemas.microsoft.com/office/drawing/2014/main" id="{C95F0CDA-78B3-FE21-F423-F7C3BA262E22}"/>
+              </a:ext>
+            </a:extLst>
+          </p:cNvPr>
+          <p:cNvSpPr txBox="1"/>
+          <p:nvPr/>
+        </p:nvSpPr>
+        <p:spPr>
+          <a:xfrm>
+            <a:off x="5381297" y="2128493"/>
+            <a:ext cx="1855076" cy="923330"/>
+          </a:xfrm>
+          <a:prstGeom prst="rect">
+            <a:avLst/>
+          </a:prstGeom>
+          <a:noFill/>
+        </p:spPr>
+        <p:txBody>
+          <a:bodyPr wrap="square" rtlCol="0">
+            <a:spAutoFit/>
+          </a:bodyPr>
+          <a:lstStyle/>
+          <a:p>
+            <a:pPr algn="ctr"/>
+            <a:r>
+              <a:rPr lang="he-IL" dirty="0"/>
+              <a:t>הפסד בטוח</a:t>
+            </a:r>
+          </a:p>
+          <a:p>
+            <a:pPr algn="ctr"/>
+            <a:r>
+              <a:rPr lang="he-IL" dirty="0"/>
+              <a:t>₪</a:t>
+            </a:r>
+          </a:p>
+          <a:p>
+            <a:pPr algn="ctr"/>
+            <a:endParaRPr lang="en-US" dirty="0"/>
+          </a:p>
+        </p:txBody>
+      </p:sp>
+      <p:sp>
+        <p:nvSpPr>
+          <p:cNvPr id="9" name="TextBox 8">
+            <a:extLst>
+              <a:ext uri="{FF2B5EF4-FFF2-40B4-BE49-F238E27FC236}">
+                <a16:creationId xmlns:a16="http://schemas.microsoft.com/office/drawing/2014/main" id="{71CD924D-088C-EC79-8BE2-7FC35888E685}"/>
+              </a:ext>
+            </a:extLst>
+          </p:cNvPr>
+          <p:cNvSpPr txBox="1"/>
+          <p:nvPr/>
+        </p:nvSpPr>
+        <p:spPr>
+          <a:xfrm>
+            <a:off x="2461194" y="2694359"/>
+            <a:ext cx="1518745" cy="369332"/>
+          </a:xfrm>
+          <a:prstGeom prst="rect">
+            <a:avLst/>
+          </a:prstGeom>
+          <a:noFill/>
+        </p:spPr>
+        <p:txBody>
+          <a:bodyPr wrap="square">
+            <a:spAutoFit/>
+          </a:bodyPr>
+          <a:lstStyle/>
+          <a:p>
+            <a:pPr algn="ctr"/>
+            <a:r>
+              <a:rPr lang="he-IL" dirty="0"/>
+              <a:t>מטבע</a:t>
+            </a:r>
+          </a:p>
+        </p:txBody>
+      </p:sp>
+      <p:sp>
+        <p:nvSpPr>
+          <p:cNvPr id="10" name="TextBox 9">
+            <a:extLst>
+              <a:ext uri="{FF2B5EF4-FFF2-40B4-BE49-F238E27FC236}">
+                <a16:creationId xmlns:a16="http://schemas.microsoft.com/office/drawing/2014/main" id="{FD544692-7B7A-EFF9-F613-BD7396EF4B4A}"/>
+              </a:ext>
+            </a:extLst>
+          </p:cNvPr>
+          <p:cNvSpPr txBox="1"/>
+          <p:nvPr/>
+        </p:nvSpPr>
+        <p:spPr>
+          <a:xfrm>
+            <a:off x="1434662" y="3142593"/>
+            <a:ext cx="6516414" cy="2308324"/>
+          </a:xfrm>
+          <a:prstGeom prst="rect">
+            <a:avLst/>
+          </a:prstGeom>
+          <a:noFill/>
+        </p:spPr>
+        <p:txBody>
+          <a:bodyPr wrap="square" rtlCol="0">
+            <a:spAutoFit/>
+          </a:bodyPr>
+          <a:lstStyle/>
+          <a:p>
+            <a:pPr algn="r" rtl="1"/>
+            <a:r>
+              <a:rPr lang="he-IL" dirty="0"/>
+              <a:t>אם ברצונך להמר על תוצאת המטבע, </a:t>
+            </a:r>
+            <a:r>
+              <a:rPr lang="he-IL" dirty="0" err="1"/>
+              <a:t>לחצ</a:t>
+            </a:r>
+            <a:r>
+              <a:rPr lang="he-IL" dirty="0"/>
+              <a:t>/י </a:t>
+            </a:r>
+            <a:r>
+              <a:rPr lang="en-US" b="1" dirty="0"/>
+              <a:t>D</a:t>
+            </a:r>
+          </a:p>
+          <a:p>
+            <a:pPr algn="r" rtl="1"/>
+            <a:r>
+              <a:rPr lang="he-IL" dirty="0"/>
+              <a:t>אם ברצונך לקבל הפסד בטוח, בלי להמר, </a:t>
+            </a:r>
+            <a:r>
+              <a:rPr lang="he-IL" dirty="0" err="1"/>
+              <a:t>לחצ</a:t>
+            </a:r>
+            <a:r>
+              <a:rPr lang="he-IL" dirty="0"/>
+              <a:t>/י </a:t>
+            </a:r>
+            <a:r>
+              <a:rPr lang="en-US" b="1" dirty="0"/>
+              <a:t>K</a:t>
+            </a:r>
+          </a:p>
+          <a:p>
+            <a:pPr algn="r" rtl="1"/>
+            <a:endParaRPr lang="he-IL" dirty="0"/>
+          </a:p>
+          <a:p>
+            <a:pPr algn="r" rtl="1"/>
+            <a:endParaRPr lang="he-IL" dirty="0"/>
+          </a:p>
+          <a:p>
+            <a:pPr algn="r" rtl="1"/>
+            <a:r>
+              <a:rPr lang="he-IL" dirty="0"/>
+              <a:t>המטרה היא להפסיד כמה שפחות כסף.</a:t>
+            </a:r>
+          </a:p>
+          <a:p>
+            <a:pPr algn="r" rtl="1"/>
+            <a:endParaRPr lang="he-IL" dirty="0"/>
+          </a:p>
+          <a:p>
+            <a:pPr algn="r" rtl="1"/>
+            <a:r>
+              <a:rPr lang="he-IL" dirty="0"/>
+              <a:t>בסוף הניסוי, ייבחר באופן אקראי אחד מתוצאות </a:t>
+            </a:r>
+            <a:r>
+              <a:rPr lang="he-IL"/>
+              <a:t>השלב הזה והסכום </a:t>
+            </a:r>
+            <a:r>
+              <a:rPr lang="he-IL" dirty="0"/>
+              <a:t>בו יופחת מבונוס פוטנציאלי של 20 ₪. </a:t>
+            </a:r>
+            <a:endParaRPr lang="en-US" dirty="0"/>
+          </a:p>
+        </p:txBody>
+      </p:sp>
+    </p:spTree>
+    <p:extLst>
+      <p:ext uri="{BB962C8B-B14F-4D97-AF65-F5344CB8AC3E}">
+        <p14:creationId xmlns:p14="http://schemas.microsoft.com/office/powerpoint/2010/main" val="1907122730"/>
       </p:ext>
     </p:extLst>
   </p:cSld>
